--- a/2025/2025-11-14-AI-Updates.pptx
+++ b/2025/2025-11-14-AI-Updates.pptx
@@ -982,7 +982,7 @@
   <p:cSld>
     <p:spTree>
       <p:nvGrpSpPr>
-        <p:cNvPr id="1" name="Shape 199"/>
+        <p:cNvPr id="1" name="Shape 201"/>
         <p:cNvGrpSpPr/>
         <p:nvPr/>
       </p:nvGrpSpPr>
@@ -996,7 +996,7 @@
       </p:grpSpPr>
       <p:sp>
         <p:nvSpPr>
-          <p:cNvPr id="200" name="Google Shape;200;g390c7b1f391_0_8:notes"/>
+          <p:cNvPr id="202" name="Google Shape;202;g390c7b1f391_0_8:notes"/>
           <p:cNvSpPr>
             <a:spLocks noGrp="1" noRot="1" noChangeAspect="1"/>
           </p:cNvSpPr>
@@ -1047,7 +1047,7 @@
       </p:sp>
       <p:sp>
         <p:nvSpPr>
-          <p:cNvPr id="201" name="Google Shape;201;g390c7b1f391_0_8:notes"/>
+          <p:cNvPr id="203" name="Google Shape;203;g390c7b1f391_0_8:notes"/>
           <p:cNvSpPr txBox="1">
             <a:spLocks noGrp="1"/>
           </p:cNvSpPr>
@@ -1104,7 +1104,7 @@
   <p:cSld>
     <p:spTree>
       <p:nvGrpSpPr>
-        <p:cNvPr id="1" name="Shape 207"/>
+        <p:cNvPr id="1" name="Shape 209"/>
         <p:cNvGrpSpPr/>
         <p:nvPr/>
       </p:nvGrpSpPr>
@@ -1118,7 +1118,7 @@
       </p:grpSpPr>
       <p:sp>
         <p:nvSpPr>
-          <p:cNvPr id="208" name="Google Shape;208;g3a1cbb894a7_0_10:notes"/>
+          <p:cNvPr id="210" name="Google Shape;210;g3a1cbb894a7_0_10:notes"/>
           <p:cNvSpPr>
             <a:spLocks noGrp="1" noRot="1" noChangeAspect="1"/>
           </p:cNvSpPr>
@@ -1169,7 +1169,7 @@
       </p:sp>
       <p:sp>
         <p:nvSpPr>
-          <p:cNvPr id="209" name="Google Shape;209;g3a1cbb894a7_0_10:notes"/>
+          <p:cNvPr id="211" name="Google Shape;211;g3a1cbb894a7_0_10:notes"/>
           <p:cNvSpPr txBox="1">
             <a:spLocks noGrp="1"/>
           </p:cNvSpPr>
@@ -1226,7 +1226,7 @@
   <p:cSld>
     <p:spTree>
       <p:nvGrpSpPr>
-        <p:cNvPr id="1" name="Shape 216"/>
+        <p:cNvPr id="1" name="Shape 218"/>
         <p:cNvGrpSpPr/>
         <p:nvPr/>
       </p:nvGrpSpPr>
@@ -1240,7 +1240,7 @@
       </p:grpSpPr>
       <p:sp>
         <p:nvSpPr>
-          <p:cNvPr id="217" name="Google Shape;217;g3700f1eaa02_0_0:notes"/>
+          <p:cNvPr id="219" name="Google Shape;219;g3700f1eaa02_0_0:notes"/>
           <p:cNvSpPr>
             <a:spLocks noGrp="1" noRot="1" noChangeAspect="1"/>
           </p:cNvSpPr>
@@ -1291,7 +1291,7 @@
       </p:sp>
       <p:sp>
         <p:nvSpPr>
-          <p:cNvPr id="218" name="Google Shape;218;g3700f1eaa02_0_0:notes"/>
+          <p:cNvPr id="220" name="Google Shape;220;g3700f1eaa02_0_0:notes"/>
           <p:cNvSpPr txBox="1">
             <a:spLocks noGrp="1"/>
           </p:cNvSpPr>
@@ -1348,7 +1348,7 @@
   <p:cSld>
     <p:spTree>
       <p:nvGrpSpPr>
-        <p:cNvPr id="1" name="Shape 225"/>
+        <p:cNvPr id="1" name="Shape 227"/>
         <p:cNvGrpSpPr/>
         <p:nvPr/>
       </p:nvGrpSpPr>
@@ -1362,7 +1362,7 @@
       </p:grpSpPr>
       <p:sp>
         <p:nvSpPr>
-          <p:cNvPr id="226" name="Google Shape;226;g3a285449f75_1_1:notes"/>
+          <p:cNvPr id="228" name="Google Shape;228;g3a285449f75_1_1:notes"/>
           <p:cNvSpPr>
             <a:spLocks noGrp="1" noRot="1" noChangeAspect="1"/>
           </p:cNvSpPr>
@@ -1413,7 +1413,7 @@
       </p:sp>
       <p:sp>
         <p:nvSpPr>
-          <p:cNvPr id="227" name="Google Shape;227;g3a285449f75_1_1:notes"/>
+          <p:cNvPr id="229" name="Google Shape;229;g3a285449f75_1_1:notes"/>
           <p:cNvSpPr txBox="1">
             <a:spLocks noGrp="1"/>
           </p:cNvSpPr>
@@ -1470,7 +1470,7 @@
   <p:cSld>
     <p:spTree>
       <p:nvGrpSpPr>
-        <p:cNvPr id="1" name="Shape 241"/>
+        <p:cNvPr id="1" name="Shape 243"/>
         <p:cNvGrpSpPr/>
         <p:nvPr/>
       </p:nvGrpSpPr>
@@ -1484,7 +1484,7 @@
       </p:grpSpPr>
       <p:sp>
         <p:nvSpPr>
-          <p:cNvPr id="242" name="Google Shape;242;g3701d672999_0_1:notes"/>
+          <p:cNvPr id="244" name="Google Shape;244;g3701d672999_0_1:notes"/>
           <p:cNvSpPr>
             <a:spLocks noGrp="1" noRot="1" noChangeAspect="1"/>
           </p:cNvSpPr>
@@ -1535,7 +1535,7 @@
       </p:sp>
       <p:sp>
         <p:nvSpPr>
-          <p:cNvPr id="243" name="Google Shape;243;g3701d672999_0_1:notes"/>
+          <p:cNvPr id="245" name="Google Shape;245;g3701d672999_0_1:notes"/>
           <p:cNvSpPr txBox="1">
             <a:spLocks noGrp="1"/>
           </p:cNvSpPr>
@@ -1592,7 +1592,7 @@
   <p:cSld>
     <p:spTree>
       <p:nvGrpSpPr>
-        <p:cNvPr id="1" name="Shape 250"/>
+        <p:cNvPr id="1" name="Shape 252"/>
         <p:cNvGrpSpPr/>
         <p:nvPr/>
       </p:nvGrpSpPr>
@@ -1606,7 +1606,7 @@
       </p:grpSpPr>
       <p:sp>
         <p:nvSpPr>
-          <p:cNvPr id="251" name="Google Shape;251;g390c65ee22f_0_12:notes"/>
+          <p:cNvPr id="253" name="Google Shape;253;g390c65ee22f_0_12:notes"/>
           <p:cNvSpPr>
             <a:spLocks noGrp="1" noRot="1" noChangeAspect="1"/>
           </p:cNvSpPr>
@@ -1657,7 +1657,7 @@
       </p:sp>
       <p:sp>
         <p:nvSpPr>
-          <p:cNvPr id="252" name="Google Shape;252;g390c65ee22f_0_12:notes"/>
+          <p:cNvPr id="254" name="Google Shape;254;g390c65ee22f_0_12:notes"/>
           <p:cNvSpPr txBox="1">
             <a:spLocks noGrp="1"/>
           </p:cNvSpPr>
@@ -1714,7 +1714,7 @@
   <p:cSld>
     <p:spTree>
       <p:nvGrpSpPr>
-        <p:cNvPr id="1" name="Shape 259"/>
+        <p:cNvPr id="1" name="Shape 261"/>
         <p:cNvGrpSpPr/>
         <p:nvPr/>
       </p:nvGrpSpPr>
@@ -1728,7 +1728,7 @@
       </p:grpSpPr>
       <p:sp>
         <p:nvSpPr>
-          <p:cNvPr id="260" name="Google Shape;260;g3a1a183d8e3_0_10:notes"/>
+          <p:cNvPr id="262" name="Google Shape;262;g3a1a183d8e3_0_10:notes"/>
           <p:cNvSpPr>
             <a:spLocks noGrp="1" noRot="1" noChangeAspect="1"/>
           </p:cNvSpPr>
@@ -1779,7 +1779,7 @@
       </p:sp>
       <p:sp>
         <p:nvSpPr>
-          <p:cNvPr id="261" name="Google Shape;261;g3a1a183d8e3_0_10:notes"/>
+          <p:cNvPr id="263" name="Google Shape;263;g3a1a183d8e3_0_10:notes"/>
           <p:cNvSpPr txBox="1">
             <a:spLocks noGrp="1"/>
           </p:cNvSpPr>
@@ -1836,7 +1836,7 @@
   <p:cSld>
     <p:spTree>
       <p:nvGrpSpPr>
-        <p:cNvPr id="1" name="Shape 266"/>
+        <p:cNvPr id="1" name="Shape 268"/>
         <p:cNvGrpSpPr/>
         <p:nvPr/>
       </p:nvGrpSpPr>
@@ -1850,7 +1850,7 @@
       </p:grpSpPr>
       <p:sp>
         <p:nvSpPr>
-          <p:cNvPr id="267" name="Google Shape;267;g3a17ed87b48_0_6:notes"/>
+          <p:cNvPr id="269" name="Google Shape;269;g3a17ed87b48_0_6:notes"/>
           <p:cNvSpPr>
             <a:spLocks noGrp="1" noRot="1" noChangeAspect="1"/>
           </p:cNvSpPr>
@@ -1901,7 +1901,7 @@
       </p:sp>
       <p:sp>
         <p:nvSpPr>
-          <p:cNvPr id="268" name="Google Shape;268;g3a17ed87b48_0_6:notes"/>
+          <p:cNvPr id="270" name="Google Shape;270;g3a17ed87b48_0_6:notes"/>
           <p:cNvSpPr txBox="1">
             <a:spLocks noGrp="1"/>
           </p:cNvSpPr>
@@ -1958,7 +1958,7 @@
   <p:cSld>
     <p:spTree>
       <p:nvGrpSpPr>
-        <p:cNvPr id="1" name="Shape 274"/>
+        <p:cNvPr id="1" name="Shape 276"/>
         <p:cNvGrpSpPr/>
         <p:nvPr/>
       </p:nvGrpSpPr>
@@ -1972,7 +1972,7 @@
       </p:grpSpPr>
       <p:sp>
         <p:nvSpPr>
-          <p:cNvPr id="275" name="Google Shape;275;g3a17ed87b48_0_0:notes"/>
+          <p:cNvPr id="277" name="Google Shape;277;g3a17ed87b48_0_0:notes"/>
           <p:cNvSpPr>
             <a:spLocks noGrp="1" noRot="1" noChangeAspect="1"/>
           </p:cNvSpPr>
@@ -2023,7 +2023,7 @@
       </p:sp>
       <p:sp>
         <p:nvSpPr>
-          <p:cNvPr id="276" name="Google Shape;276;g3a17ed87b48_0_0:notes"/>
+          <p:cNvPr id="278" name="Google Shape;278;g3a17ed87b48_0_0:notes"/>
           <p:cNvSpPr txBox="1">
             <a:spLocks noGrp="1"/>
           </p:cNvSpPr>
@@ -2080,7 +2080,7 @@
   <p:cSld>
     <p:spTree>
       <p:nvGrpSpPr>
-        <p:cNvPr id="1" name="Shape 285"/>
+        <p:cNvPr id="1" name="Shape 287"/>
         <p:cNvGrpSpPr/>
         <p:nvPr/>
       </p:nvGrpSpPr>
@@ -2094,7 +2094,7 @@
       </p:grpSpPr>
       <p:sp>
         <p:nvSpPr>
-          <p:cNvPr id="286" name="Google Shape;286;g390c65ee22f_0_0:notes"/>
+          <p:cNvPr id="288" name="Google Shape;288;g390c65ee22f_0_0:notes"/>
           <p:cNvSpPr>
             <a:spLocks noGrp="1" noRot="1" noChangeAspect="1"/>
           </p:cNvSpPr>
@@ -2145,7 +2145,7 @@
       </p:sp>
       <p:sp>
         <p:nvSpPr>
-          <p:cNvPr id="287" name="Google Shape;287;g390c65ee22f_0_0:notes"/>
+          <p:cNvPr id="289" name="Google Shape;289;g390c65ee22f_0_0:notes"/>
           <p:cNvSpPr txBox="1">
             <a:spLocks noGrp="1"/>
           </p:cNvSpPr>
@@ -2324,7 +2324,7 @@
   <p:cSld>
     <p:spTree>
       <p:nvGrpSpPr>
-        <p:cNvPr id="1" name="Shape 293"/>
+        <p:cNvPr id="1" name="Shape 295"/>
         <p:cNvGrpSpPr/>
         <p:nvPr/>
       </p:nvGrpSpPr>
@@ -2338,7 +2338,7 @@
       </p:grpSpPr>
       <p:sp>
         <p:nvSpPr>
-          <p:cNvPr id="294" name="Google Shape;294;g3a1cbb894a7_0_19:notes"/>
+          <p:cNvPr id="296" name="Google Shape;296;g3a1cbb894a7_0_19:notes"/>
           <p:cNvSpPr>
             <a:spLocks noGrp="1" noRot="1" noChangeAspect="1"/>
           </p:cNvSpPr>
@@ -2389,7 +2389,7 @@
       </p:sp>
       <p:sp>
         <p:nvSpPr>
-          <p:cNvPr id="295" name="Google Shape;295;g3a1cbb894a7_0_19:notes"/>
+          <p:cNvPr id="297" name="Google Shape;297;g3a1cbb894a7_0_19:notes"/>
           <p:cNvSpPr txBox="1">
             <a:spLocks noGrp="1"/>
           </p:cNvSpPr>
@@ -2446,7 +2446,7 @@
   <p:cSld>
     <p:spTree>
       <p:nvGrpSpPr>
-        <p:cNvPr id="1" name="Shape 301"/>
+        <p:cNvPr id="1" name="Shape 303"/>
         <p:cNvGrpSpPr/>
         <p:nvPr/>
       </p:nvGrpSpPr>
@@ -2460,7 +2460,7 @@
       </p:grpSpPr>
       <p:sp>
         <p:nvSpPr>
-          <p:cNvPr id="302" name="Google Shape;302;g3a1a183d8e3_0_0:notes"/>
+          <p:cNvPr id="304" name="Google Shape;304;g3a1a183d8e3_0_0:notes"/>
           <p:cNvSpPr>
             <a:spLocks noGrp="1" noRot="1" noChangeAspect="1"/>
           </p:cNvSpPr>
@@ -2511,7 +2511,7 @@
       </p:sp>
       <p:sp>
         <p:nvSpPr>
-          <p:cNvPr id="303" name="Google Shape;303;g3a1a183d8e3_0_0:notes"/>
+          <p:cNvPr id="305" name="Google Shape;305;g3a1a183d8e3_0_0:notes"/>
           <p:cNvSpPr txBox="1">
             <a:spLocks noGrp="1"/>
           </p:cNvSpPr>
@@ -2568,7 +2568,7 @@
   <p:cSld>
     <p:spTree>
       <p:nvGrpSpPr>
-        <p:cNvPr id="1" name="Shape 310"/>
+        <p:cNvPr id="1" name="Shape 312"/>
         <p:cNvGrpSpPr/>
         <p:nvPr/>
       </p:nvGrpSpPr>
@@ -2582,7 +2582,7 @@
       </p:grpSpPr>
       <p:sp>
         <p:nvSpPr>
-          <p:cNvPr id="311" name="Google Shape;311;p23:notes"/>
+          <p:cNvPr id="313" name="Google Shape;313;p23:notes"/>
           <p:cNvSpPr>
             <a:spLocks noGrp="1" noRot="1" noChangeAspect="1"/>
           </p:cNvSpPr>
@@ -2633,7 +2633,7 @@
       </p:sp>
       <p:sp>
         <p:nvSpPr>
-          <p:cNvPr id="312" name="Google Shape;312;p23:notes"/>
+          <p:cNvPr id="314" name="Google Shape;314;p23:notes"/>
           <p:cNvSpPr txBox="1">
             <a:spLocks noGrp="1"/>
           </p:cNvSpPr>
@@ -2690,7 +2690,7 @@
   <p:cSld>
     <p:spTree>
       <p:nvGrpSpPr>
-        <p:cNvPr id="1" name="Shape 320"/>
+        <p:cNvPr id="1" name="Shape 322"/>
         <p:cNvGrpSpPr/>
         <p:nvPr/>
       </p:nvGrpSpPr>
@@ -2704,7 +2704,7 @@
       </p:grpSpPr>
       <p:sp>
         <p:nvSpPr>
-          <p:cNvPr id="321" name="Google Shape;321;p24:notes"/>
+          <p:cNvPr id="323" name="Google Shape;323;p24:notes"/>
           <p:cNvSpPr>
             <a:spLocks noGrp="1" noRot="1" noChangeAspect="1"/>
           </p:cNvSpPr>
@@ -2755,7 +2755,7 @@
       </p:sp>
       <p:sp>
         <p:nvSpPr>
-          <p:cNvPr id="322" name="Google Shape;322;p24:notes"/>
+          <p:cNvPr id="324" name="Google Shape;324;p24:notes"/>
           <p:cNvSpPr txBox="1">
             <a:spLocks noGrp="1"/>
           </p:cNvSpPr>
@@ -2812,7 +2812,7 @@
   <p:cSld>
     <p:spTree>
       <p:nvGrpSpPr>
-        <p:cNvPr id="1" name="Shape 330"/>
+        <p:cNvPr id="1" name="Shape 332"/>
         <p:cNvGrpSpPr/>
         <p:nvPr/>
       </p:nvGrpSpPr>
@@ -2826,7 +2826,7 @@
       </p:grpSpPr>
       <p:sp>
         <p:nvSpPr>
-          <p:cNvPr id="331" name="Google Shape;331;p25:notes"/>
+          <p:cNvPr id="333" name="Google Shape;333;p25:notes"/>
           <p:cNvSpPr>
             <a:spLocks noGrp="1" noRot="1" noChangeAspect="1"/>
           </p:cNvSpPr>
@@ -2877,7 +2877,7 @@
       </p:sp>
       <p:sp>
         <p:nvSpPr>
-          <p:cNvPr id="332" name="Google Shape;332;p25:notes"/>
+          <p:cNvPr id="334" name="Google Shape;334;p25:notes"/>
           <p:cNvSpPr txBox="1">
             <a:spLocks noGrp="1"/>
           </p:cNvSpPr>
@@ -3178,7 +3178,7 @@
   <p:cSld>
     <p:spTree>
       <p:nvGrpSpPr>
-        <p:cNvPr id="1" name="Shape 162"/>
+        <p:cNvPr id="1" name="Shape 163"/>
         <p:cNvGrpSpPr/>
         <p:nvPr/>
       </p:nvGrpSpPr>
@@ -3192,7 +3192,7 @@
       </p:grpSpPr>
       <p:sp>
         <p:nvSpPr>
-          <p:cNvPr id="163" name="Google Shape;163;g3a27c766750_1_0:notes"/>
+          <p:cNvPr id="164" name="Google Shape;164;g3a27c766750_1_0:notes"/>
           <p:cNvSpPr>
             <a:spLocks noGrp="1" noRot="1" noChangeAspect="1"/>
           </p:cNvSpPr>
@@ -3243,7 +3243,7 @@
       </p:sp>
       <p:sp>
         <p:nvSpPr>
-          <p:cNvPr id="164" name="Google Shape;164;g3a27c766750_1_0:notes"/>
+          <p:cNvPr id="165" name="Google Shape;165;g3a27c766750_1_0:notes"/>
           <p:cNvSpPr txBox="1">
             <a:spLocks noGrp="1"/>
           </p:cNvSpPr>
@@ -3300,7 +3300,7 @@
   <p:cSld>
     <p:spTree>
       <p:nvGrpSpPr>
-        <p:cNvPr id="1" name="Shape 168"/>
+        <p:cNvPr id="1" name="Shape 170"/>
         <p:cNvGrpSpPr/>
         <p:nvPr/>
       </p:nvGrpSpPr>
@@ -3314,7 +3314,7 @@
       </p:grpSpPr>
       <p:sp>
         <p:nvSpPr>
-          <p:cNvPr id="169" name="Google Shape;169;g36fe9bcd8d2_0_0:notes"/>
+          <p:cNvPr id="171" name="Google Shape;171;g36fe9bcd8d2_0_0:notes"/>
           <p:cNvSpPr>
             <a:spLocks noGrp="1" noRot="1" noChangeAspect="1"/>
           </p:cNvSpPr>
@@ -3365,7 +3365,7 @@
       </p:sp>
       <p:sp>
         <p:nvSpPr>
-          <p:cNvPr id="170" name="Google Shape;170;g36fe9bcd8d2_0_0:notes"/>
+          <p:cNvPr id="172" name="Google Shape;172;g36fe9bcd8d2_0_0:notes"/>
           <p:cNvSpPr txBox="1">
             <a:spLocks noGrp="1"/>
           </p:cNvSpPr>
@@ -3422,7 +3422,7 @@
   <p:cSld>
     <p:spTree>
       <p:nvGrpSpPr>
-        <p:cNvPr id="1" name="Shape 176"/>
+        <p:cNvPr id="1" name="Shape 178"/>
         <p:cNvGrpSpPr/>
         <p:nvPr/>
       </p:nvGrpSpPr>
@@ -3436,7 +3436,7 @@
       </p:grpSpPr>
       <p:sp>
         <p:nvSpPr>
-          <p:cNvPr id="177" name="Google Shape;177;g3a1cbb894a7_0_1:notes"/>
+          <p:cNvPr id="179" name="Google Shape;179;g3a1cbb894a7_0_1:notes"/>
           <p:cNvSpPr>
             <a:spLocks noGrp="1" noRot="1" noChangeAspect="1"/>
           </p:cNvSpPr>
@@ -3487,7 +3487,7 @@
       </p:sp>
       <p:sp>
         <p:nvSpPr>
-          <p:cNvPr id="178" name="Google Shape;178;g3a1cbb894a7_0_1:notes"/>
+          <p:cNvPr id="180" name="Google Shape;180;g3a1cbb894a7_0_1:notes"/>
           <p:cNvSpPr txBox="1">
             <a:spLocks noGrp="1"/>
           </p:cNvSpPr>
@@ -3544,7 +3544,7 @@
   <p:cSld>
     <p:spTree>
       <p:nvGrpSpPr>
-        <p:cNvPr id="1" name="Shape 184"/>
+        <p:cNvPr id="1" name="Shape 186"/>
         <p:cNvGrpSpPr/>
         <p:nvPr/>
       </p:nvGrpSpPr>
@@ -3558,7 +3558,7 @@
       </p:grpSpPr>
       <p:sp>
         <p:nvSpPr>
-          <p:cNvPr id="185" name="Google Shape;185;g36659435892_1_29:notes"/>
+          <p:cNvPr id="187" name="Google Shape;187;g36659435892_1_29:notes"/>
           <p:cNvSpPr>
             <a:spLocks noGrp="1" noRot="1" noChangeAspect="1"/>
           </p:cNvSpPr>
@@ -3609,7 +3609,7 @@
       </p:sp>
       <p:sp>
         <p:nvSpPr>
-          <p:cNvPr id="186" name="Google Shape;186;g36659435892_1_29:notes"/>
+          <p:cNvPr id="188" name="Google Shape;188;g36659435892_1_29:notes"/>
           <p:cNvSpPr txBox="1">
             <a:spLocks noGrp="1"/>
           </p:cNvSpPr>
@@ -3666,7 +3666,7 @@
   <p:cSld>
     <p:spTree>
       <p:nvGrpSpPr>
-        <p:cNvPr id="1" name="Shape 190"/>
+        <p:cNvPr id="1" name="Shape 192"/>
         <p:cNvGrpSpPr/>
         <p:nvPr/>
       </p:nvGrpSpPr>
@@ -3680,7 +3680,7 @@
       </p:grpSpPr>
       <p:sp>
         <p:nvSpPr>
-          <p:cNvPr id="191" name="Google Shape;191;g3a1c0fed2d9_1_0:notes"/>
+          <p:cNvPr id="193" name="Google Shape;193;g3a1c0fed2d9_1_0:notes"/>
           <p:cNvSpPr>
             <a:spLocks noGrp="1" noRot="1" noChangeAspect="1"/>
           </p:cNvSpPr>
@@ -3731,7 +3731,7 @@
       </p:sp>
       <p:sp>
         <p:nvSpPr>
-          <p:cNvPr id="192" name="Google Shape;192;g3a1c0fed2d9_1_0:notes"/>
+          <p:cNvPr id="194" name="Google Shape;194;g3a1c0fed2d9_1_0:notes"/>
           <p:cNvSpPr txBox="1">
             <a:spLocks noGrp="1"/>
           </p:cNvSpPr>
@@ -14630,8 +14630,8 @@
         </p:nvSpPr>
         <p:spPr>
           <a:xfrm>
-            <a:off x="4643498" y="75375"/>
-            <a:ext cx="4420200" cy="187800"/>
+            <a:off x="5419000" y="109575"/>
+            <a:ext cx="3134400" cy="449400"/>
           </a:xfrm>
           <a:prstGeom prst="rect">
             <a:avLst/>
@@ -14660,7 +14660,7 @@
               <a:buNone/>
             </a:pPr>
             <a:r>
-              <a:rPr lang="en" sz="1100" b="1" i="1">
+              <a:rPr lang="en" b="1" i="1">
                 <a:solidFill>
                   <a:srgbClr val="FF0000"/>
                 </a:solidFill>
@@ -14669,9 +14669,44 @@
                 <a:cs typeface="Roboto Mono"/>
                 <a:sym typeface="Roboto Mono"/>
               </a:rPr>
-              <a:t>xxx</a:t>
-            </a:r>
-            <a:endParaRPr sz="1100" b="1" i="1">
+              <a:t>"Let Agents write code, </a:t>
+            </a:r>
+            <a:endParaRPr b="1" i="1">
+              <a:solidFill>
+                <a:srgbClr val="FF0000"/>
+              </a:solidFill>
+              <a:latin typeface="Roboto Mono"/>
+              <a:ea typeface="Roboto Mono"/>
+              <a:cs typeface="Roboto Mono"/>
+              <a:sym typeface="Roboto Mono"/>
+            </a:endParaRPr>
+          </a:p>
+          <a:p>
+            <a:pPr marL="0" marR="0" lvl="0" indent="0" algn="l" rtl="0">
+              <a:lnSpc>
+                <a:spcPct val="100000"/>
+              </a:lnSpc>
+              <a:spcBef>
+                <a:spcPts val="0"/>
+              </a:spcBef>
+              <a:spcAft>
+                <a:spcPts val="0"/>
+              </a:spcAft>
+              <a:buNone/>
+            </a:pPr>
+            <a:r>
+              <a:rPr lang="en" b="1" i="1">
+                <a:solidFill>
+                  <a:srgbClr val="FF0000"/>
+                </a:solidFill>
+                <a:latin typeface="Roboto Mono"/>
+                <a:ea typeface="Roboto Mono"/>
+                <a:cs typeface="Roboto Mono"/>
+                <a:sym typeface="Roboto Mono"/>
+              </a:rPr>
+              <a:t> let code execute the tasks"</a:t>
+            </a:r>
+            <a:endParaRPr b="1" i="1">
               <a:solidFill>
                 <a:srgbClr val="FF0000"/>
               </a:solidFill>
@@ -14696,7 +14731,7 @@
   <p:cSld>
     <p:spTree>
       <p:nvGrpSpPr>
-        <p:cNvPr id="1" name="Shape 202"/>
+        <p:cNvPr id="1" name="Shape 204"/>
         <p:cNvGrpSpPr/>
         <p:nvPr/>
       </p:nvGrpSpPr>
@@ -14710,7 +14745,7 @@
       </p:grpSpPr>
       <p:sp>
         <p:nvSpPr>
-          <p:cNvPr id="203" name="Google Shape;203;p24"/>
+          <p:cNvPr id="205" name="Google Shape;205;p24"/>
           <p:cNvSpPr txBox="1"/>
           <p:nvPr/>
         </p:nvSpPr>
@@ -14776,7 +14811,7 @@
       </p:sp>
       <p:sp>
         <p:nvSpPr>
-          <p:cNvPr id="204" name="Google Shape;204;p24"/>
+          <p:cNvPr id="206" name="Google Shape;206;p24"/>
           <p:cNvSpPr txBox="1"/>
           <p:nvPr/>
         </p:nvSpPr>
@@ -15171,7 +15206,7 @@
       </p:sp>
       <p:sp>
         <p:nvSpPr>
-          <p:cNvPr id="205" name="Google Shape;205;p24"/>
+          <p:cNvPr id="207" name="Google Shape;207;p24"/>
           <p:cNvSpPr txBox="1"/>
           <p:nvPr/>
         </p:nvSpPr>
@@ -15471,7 +15506,7 @@
       </p:sp>
       <p:pic>
         <p:nvPicPr>
-          <p:cNvPr id="206" name="Google Shape;206;p24"/>
+          <p:cNvPr id="208" name="Google Shape;208;p24"/>
           <p:cNvPicPr preferRelativeResize="0"/>
           <p:nvPr/>
         </p:nvPicPr>
@@ -15521,7 +15556,7 @@
   <p:cSld>
     <p:spTree>
       <p:nvGrpSpPr>
-        <p:cNvPr id="1" name="Shape 210"/>
+        <p:cNvPr id="1" name="Shape 212"/>
         <p:cNvGrpSpPr/>
         <p:nvPr/>
       </p:nvGrpSpPr>
@@ -15535,7 +15570,7 @@
       </p:grpSpPr>
       <p:sp>
         <p:nvSpPr>
-          <p:cNvPr id="211" name="Google Shape;211;p25"/>
+          <p:cNvPr id="213" name="Google Shape;213;p25"/>
           <p:cNvSpPr txBox="1"/>
           <p:nvPr/>
         </p:nvSpPr>
@@ -15601,7 +15636,7 @@
       </p:sp>
       <p:sp>
         <p:nvSpPr>
-          <p:cNvPr id="212" name="Google Shape;212;p25"/>
+          <p:cNvPr id="214" name="Google Shape;214;p25"/>
           <p:cNvSpPr txBox="1"/>
           <p:nvPr/>
         </p:nvSpPr>
@@ -15981,7 +16016,7 @@
       </p:sp>
       <p:sp>
         <p:nvSpPr>
-          <p:cNvPr id="213" name="Google Shape;213;p25"/>
+          <p:cNvPr id="215" name="Google Shape;215;p25"/>
           <p:cNvSpPr txBox="1"/>
           <p:nvPr/>
         </p:nvSpPr>
@@ -16361,7 +16396,7 @@
       </p:sp>
       <p:pic>
         <p:nvPicPr>
-          <p:cNvPr id="214" name="Google Shape;214;p25"/>
+          <p:cNvPr id="216" name="Google Shape;216;p25"/>
           <p:cNvPicPr preferRelativeResize="0"/>
           <p:nvPr/>
         </p:nvPicPr>
@@ -16399,7 +16434,7 @@
       </p:pic>
       <p:pic>
         <p:nvPicPr>
-          <p:cNvPr id="215" name="Google Shape;215;p25"/>
+          <p:cNvPr id="217" name="Google Shape;217;p25"/>
           <p:cNvPicPr preferRelativeResize="0"/>
           <p:nvPr/>
         </p:nvPicPr>
@@ -16448,7 +16483,7 @@
   <p:cSld>
     <p:spTree>
       <p:nvGrpSpPr>
-        <p:cNvPr id="1" name="Shape 219"/>
+        <p:cNvPr id="1" name="Shape 221"/>
         <p:cNvGrpSpPr/>
         <p:nvPr/>
       </p:nvGrpSpPr>
@@ -16462,7 +16497,7 @@
       </p:grpSpPr>
       <p:sp>
         <p:nvSpPr>
-          <p:cNvPr id="220" name="Google Shape;220;p26"/>
+          <p:cNvPr id="222" name="Google Shape;222;p26"/>
           <p:cNvSpPr txBox="1"/>
           <p:nvPr/>
         </p:nvSpPr>
@@ -16528,7 +16563,7 @@
       </p:sp>
       <p:sp>
         <p:nvSpPr>
-          <p:cNvPr id="221" name="Google Shape;221;p26"/>
+          <p:cNvPr id="223" name="Google Shape;223;p26"/>
           <p:cNvSpPr txBox="1"/>
           <p:nvPr/>
         </p:nvSpPr>
@@ -17070,7 +17105,7 @@
       </p:sp>
       <p:sp>
         <p:nvSpPr>
-          <p:cNvPr id="222" name="Google Shape;222;p26"/>
+          <p:cNvPr id="224" name="Google Shape;224;p26"/>
           <p:cNvSpPr txBox="1"/>
           <p:nvPr/>
         </p:nvSpPr>
@@ -17305,7 +17340,7 @@
       </p:sp>
       <p:pic>
         <p:nvPicPr>
-          <p:cNvPr id="223" name="Google Shape;223;p26"/>
+          <p:cNvPr id="225" name="Google Shape;225;p26"/>
           <p:cNvPicPr preferRelativeResize="0"/>
           <p:nvPr/>
         </p:nvPicPr>
@@ -17344,7 +17379,7 @@
       </p:pic>
       <p:pic>
         <p:nvPicPr>
-          <p:cNvPr id="224" name="Google Shape;224;p26"/>
+          <p:cNvPr id="226" name="Google Shape;226;p26"/>
           <p:cNvPicPr preferRelativeResize="0"/>
           <p:nvPr/>
         </p:nvPicPr>
@@ -17389,7 +17424,7 @@
   <p:cSld>
     <p:spTree>
       <p:nvGrpSpPr>
-        <p:cNvPr id="1" name="Shape 228"/>
+        <p:cNvPr id="1" name="Shape 230"/>
         <p:cNvGrpSpPr/>
         <p:nvPr/>
       </p:nvGrpSpPr>
@@ -17403,7 +17438,7 @@
       </p:grpSpPr>
       <p:sp>
         <p:nvSpPr>
-          <p:cNvPr id="229" name="Google Shape;229;p27"/>
+          <p:cNvPr id="231" name="Google Shape;231;p27"/>
           <p:cNvSpPr txBox="1"/>
           <p:nvPr/>
         </p:nvSpPr>
@@ -17469,7 +17504,7 @@
       </p:sp>
       <p:sp>
         <p:nvSpPr>
-          <p:cNvPr id="230" name="Google Shape;230;p27"/>
+          <p:cNvPr id="232" name="Google Shape;232;p27"/>
           <p:cNvSpPr txBox="1"/>
           <p:nvPr/>
         </p:nvSpPr>
@@ -17676,7 +17711,7 @@
       </p:sp>
       <p:pic>
         <p:nvPicPr>
-          <p:cNvPr id="231" name="Google Shape;231;p27"/>
+          <p:cNvPr id="233" name="Google Shape;233;p27"/>
           <p:cNvPicPr preferRelativeResize="0"/>
           <p:nvPr/>
         </p:nvPicPr>
@@ -17714,7 +17749,7 @@
       </p:pic>
       <p:sp>
         <p:nvSpPr>
-          <p:cNvPr id="232" name="Google Shape;232;p27"/>
+          <p:cNvPr id="234" name="Google Shape;234;p27"/>
           <p:cNvSpPr txBox="1"/>
           <p:nvPr/>
         </p:nvSpPr>
@@ -18041,7 +18076,7 @@
       </p:sp>
       <p:pic>
         <p:nvPicPr>
-          <p:cNvPr id="233" name="Google Shape;233;p27"/>
+          <p:cNvPr id="235" name="Google Shape;235;p27"/>
           <p:cNvPicPr preferRelativeResize="0"/>
           <p:nvPr/>
         </p:nvPicPr>
@@ -18080,7 +18115,7 @@
       </p:pic>
       <p:sp>
         <p:nvSpPr>
-          <p:cNvPr id="234" name="Google Shape;234;p27"/>
+          <p:cNvPr id="236" name="Google Shape;236;p27"/>
           <p:cNvSpPr txBox="1"/>
           <p:nvPr/>
         </p:nvSpPr>
@@ -18348,7 +18383,7 @@
       </p:sp>
       <p:sp>
         <p:nvSpPr>
-          <p:cNvPr id="235" name="Google Shape;235;p27"/>
+          <p:cNvPr id="237" name="Google Shape;237;p27"/>
           <p:cNvSpPr txBox="1"/>
           <p:nvPr/>
         </p:nvSpPr>
@@ -18507,7 +18542,7 @@
       </p:sp>
       <p:sp>
         <p:nvSpPr>
-          <p:cNvPr id="236" name="Google Shape;236;p27"/>
+          <p:cNvPr id="238" name="Google Shape;238;p27"/>
           <p:cNvSpPr txBox="1"/>
           <p:nvPr/>
         </p:nvSpPr>
@@ -18758,7 +18793,7 @@
       </p:sp>
       <p:pic>
         <p:nvPicPr>
-          <p:cNvPr id="237" name="Google Shape;237;p27"/>
+          <p:cNvPr id="239" name="Google Shape;239;p27"/>
           <p:cNvPicPr preferRelativeResize="0"/>
           <p:nvPr/>
         </p:nvPicPr>
@@ -18797,7 +18832,7 @@
       </p:pic>
       <p:pic>
         <p:nvPicPr>
-          <p:cNvPr id="238" name="Google Shape;238;p27"/>
+          <p:cNvPr id="240" name="Google Shape;240;p27"/>
           <p:cNvPicPr preferRelativeResize="0"/>
           <p:nvPr/>
         </p:nvPicPr>
@@ -18836,7 +18871,7 @@
       </p:pic>
       <p:pic>
         <p:nvPicPr>
-          <p:cNvPr id="239" name="Google Shape;239;p27"/>
+          <p:cNvPr id="241" name="Google Shape;241;p27"/>
           <p:cNvPicPr preferRelativeResize="0"/>
           <p:nvPr/>
         </p:nvPicPr>
@@ -18875,7 +18910,7 @@
       </p:pic>
       <p:pic>
         <p:nvPicPr>
-          <p:cNvPr id="240" name="Google Shape;240;p27"/>
+          <p:cNvPr id="242" name="Google Shape;242;p27"/>
           <p:cNvPicPr preferRelativeResize="0"/>
           <p:nvPr/>
         </p:nvPicPr>
@@ -18925,7 +18960,7 @@
   <p:cSld>
     <p:spTree>
       <p:nvGrpSpPr>
-        <p:cNvPr id="1" name="Shape 244"/>
+        <p:cNvPr id="1" name="Shape 246"/>
         <p:cNvGrpSpPr/>
         <p:nvPr/>
       </p:nvGrpSpPr>
@@ -18939,7 +18974,7 @@
       </p:grpSpPr>
       <p:sp>
         <p:nvSpPr>
-          <p:cNvPr id="245" name="Google Shape;245;p28"/>
+          <p:cNvPr id="247" name="Google Shape;247;p28"/>
           <p:cNvSpPr txBox="1"/>
           <p:nvPr/>
         </p:nvSpPr>
@@ -19005,7 +19040,7 @@
       </p:sp>
       <p:sp>
         <p:nvSpPr>
-          <p:cNvPr id="246" name="Google Shape;246;p28"/>
+          <p:cNvPr id="248" name="Google Shape;248;p28"/>
           <p:cNvSpPr txBox="1"/>
           <p:nvPr/>
         </p:nvSpPr>
@@ -19276,7 +19311,7 @@
       </p:sp>
       <p:sp>
         <p:nvSpPr>
-          <p:cNvPr id="247" name="Google Shape;247;p28"/>
+          <p:cNvPr id="249" name="Google Shape;249;p28"/>
           <p:cNvSpPr txBox="1"/>
           <p:nvPr/>
         </p:nvSpPr>
@@ -19390,7 +19425,7 @@
       </p:sp>
       <p:sp>
         <p:nvSpPr>
-          <p:cNvPr id="248" name="Google Shape;248;p28"/>
+          <p:cNvPr id="250" name="Google Shape;250;p28"/>
           <p:cNvSpPr txBox="1"/>
           <p:nvPr/>
         </p:nvSpPr>
@@ -19504,7 +19539,7 @@
       </p:sp>
       <p:pic>
         <p:nvPicPr>
-          <p:cNvPr id="249" name="Google Shape;249;p28"/>
+          <p:cNvPr id="251" name="Google Shape;251;p28"/>
           <p:cNvPicPr preferRelativeResize="0"/>
           <p:nvPr/>
         </p:nvPicPr>
@@ -19548,7 +19583,7 @@
   <p:cSld>
     <p:spTree>
       <p:nvGrpSpPr>
-        <p:cNvPr id="1" name="Shape 253"/>
+        <p:cNvPr id="1" name="Shape 255"/>
         <p:cNvGrpSpPr/>
         <p:nvPr/>
       </p:nvGrpSpPr>
@@ -19562,7 +19597,7 @@
       </p:grpSpPr>
       <p:sp>
         <p:nvSpPr>
-          <p:cNvPr id="254" name="Google Shape;254;p29"/>
+          <p:cNvPr id="256" name="Google Shape;256;p29"/>
           <p:cNvSpPr txBox="1"/>
           <p:nvPr/>
         </p:nvSpPr>
@@ -19628,7 +19663,7 @@
       </p:sp>
       <p:sp>
         <p:nvSpPr>
-          <p:cNvPr id="255" name="Google Shape;255;p29"/>
+          <p:cNvPr id="257" name="Google Shape;257;p29"/>
           <p:cNvSpPr txBox="1"/>
           <p:nvPr/>
         </p:nvSpPr>
@@ -19989,7 +20024,7 @@
       </p:sp>
       <p:sp>
         <p:nvSpPr>
-          <p:cNvPr id="256" name="Google Shape;256;p29"/>
+          <p:cNvPr id="258" name="Google Shape;258;p29"/>
           <p:cNvSpPr txBox="1"/>
           <p:nvPr/>
         </p:nvSpPr>
@@ -20323,7 +20358,7 @@
       </p:sp>
       <p:pic>
         <p:nvPicPr>
-          <p:cNvPr id="257" name="Google Shape;257;p29"/>
+          <p:cNvPr id="259" name="Google Shape;259;p29"/>
           <p:cNvPicPr preferRelativeResize="0"/>
           <p:nvPr/>
         </p:nvPicPr>
@@ -20362,7 +20397,7 @@
       </p:pic>
       <p:pic>
         <p:nvPicPr>
-          <p:cNvPr id="258" name="Google Shape;258;p29"/>
+          <p:cNvPr id="260" name="Google Shape;260;p29"/>
           <p:cNvPicPr preferRelativeResize="0"/>
           <p:nvPr/>
         </p:nvPicPr>
@@ -20412,7 +20447,7 @@
   <p:cSld>
     <p:spTree>
       <p:nvGrpSpPr>
-        <p:cNvPr id="1" name="Shape 262"/>
+        <p:cNvPr id="1" name="Shape 264"/>
         <p:cNvGrpSpPr/>
         <p:nvPr/>
       </p:nvGrpSpPr>
@@ -20426,7 +20461,7 @@
       </p:grpSpPr>
       <p:sp>
         <p:nvSpPr>
-          <p:cNvPr id="263" name="Google Shape;263;p30"/>
+          <p:cNvPr id="265" name="Google Shape;265;p30"/>
           <p:cNvSpPr txBox="1"/>
           <p:nvPr/>
         </p:nvSpPr>
@@ -20492,7 +20527,7 @@
       </p:sp>
       <p:sp>
         <p:nvSpPr>
-          <p:cNvPr id="264" name="Google Shape;264;p30"/>
+          <p:cNvPr id="266" name="Google Shape;266;p30"/>
           <p:cNvSpPr txBox="1"/>
           <p:nvPr/>
         </p:nvSpPr>
@@ -21139,7 +21174,7 @@
       </p:sp>
       <p:pic>
         <p:nvPicPr>
-          <p:cNvPr id="265" name="Google Shape;265;p30"/>
+          <p:cNvPr id="267" name="Google Shape;267;p30"/>
           <p:cNvPicPr preferRelativeResize="0"/>
           <p:nvPr/>
         </p:nvPicPr>
@@ -21189,7 +21224,7 @@
   <p:cSld>
     <p:spTree>
       <p:nvGrpSpPr>
-        <p:cNvPr id="1" name="Shape 269"/>
+        <p:cNvPr id="1" name="Shape 271"/>
         <p:cNvGrpSpPr/>
         <p:nvPr/>
       </p:nvGrpSpPr>
@@ -21203,7 +21238,7 @@
       </p:grpSpPr>
       <p:sp>
         <p:nvSpPr>
-          <p:cNvPr id="270" name="Google Shape;270;p31"/>
+          <p:cNvPr id="272" name="Google Shape;272;p31"/>
           <p:cNvSpPr txBox="1"/>
           <p:nvPr/>
         </p:nvSpPr>
@@ -21269,7 +21304,7 @@
       </p:sp>
       <p:sp>
         <p:nvSpPr>
-          <p:cNvPr id="271" name="Google Shape;271;p31"/>
+          <p:cNvPr id="273" name="Google Shape;273;p31"/>
           <p:cNvSpPr txBox="1"/>
           <p:nvPr/>
         </p:nvSpPr>
@@ -21915,7 +21950,7 @@
       </p:sp>
       <p:pic>
         <p:nvPicPr>
-          <p:cNvPr id="272" name="Google Shape;272;p31"/>
+          <p:cNvPr id="274" name="Google Shape;274;p31"/>
           <p:cNvPicPr preferRelativeResize="0"/>
           <p:nvPr/>
         </p:nvPicPr>
@@ -21943,7 +21978,7 @@
       </p:pic>
       <p:pic>
         <p:nvPicPr>
-          <p:cNvPr id="273" name="Google Shape;273;p31"/>
+          <p:cNvPr id="275" name="Google Shape;275;p31"/>
           <p:cNvPicPr preferRelativeResize="0"/>
           <p:nvPr/>
         </p:nvPicPr>
@@ -21982,7 +22017,7 @@
   <p:cSld>
     <p:spTree>
       <p:nvGrpSpPr>
-        <p:cNvPr id="1" name="Shape 277"/>
+        <p:cNvPr id="1" name="Shape 279"/>
         <p:cNvGrpSpPr/>
         <p:nvPr/>
       </p:nvGrpSpPr>
@@ -21996,7 +22031,7 @@
       </p:grpSpPr>
       <p:sp>
         <p:nvSpPr>
-          <p:cNvPr id="278" name="Google Shape;278;p32"/>
+          <p:cNvPr id="280" name="Google Shape;280;p32"/>
           <p:cNvSpPr txBox="1"/>
           <p:nvPr/>
         </p:nvSpPr>
@@ -22062,7 +22097,7 @@
       </p:sp>
       <p:sp>
         <p:nvSpPr>
-          <p:cNvPr id="279" name="Google Shape;279;p32"/>
+          <p:cNvPr id="281" name="Google Shape;281;p32"/>
           <p:cNvSpPr txBox="1"/>
           <p:nvPr/>
         </p:nvSpPr>
@@ -22496,7 +22531,7 @@
       </p:sp>
       <p:sp>
         <p:nvSpPr>
-          <p:cNvPr id="280" name="Google Shape;280;p32"/>
+          <p:cNvPr id="282" name="Google Shape;282;p32"/>
           <p:cNvSpPr txBox="1"/>
           <p:nvPr/>
         </p:nvSpPr>
@@ -22914,7 +22949,7 @@
       </p:sp>
       <p:sp>
         <p:nvSpPr>
-          <p:cNvPr id="281" name="Google Shape;281;p32"/>
+          <p:cNvPr id="283" name="Google Shape;283;p32"/>
           <p:cNvSpPr txBox="1"/>
           <p:nvPr/>
         </p:nvSpPr>
@@ -23240,7 +23275,7 @@
       </p:sp>
       <p:sp>
         <p:nvSpPr>
-          <p:cNvPr id="282" name="Google Shape;282;p32"/>
+          <p:cNvPr id="284" name="Google Shape;284;p32"/>
           <p:cNvSpPr txBox="1"/>
           <p:nvPr/>
         </p:nvSpPr>
@@ -23514,7 +23549,7 @@
       </p:sp>
       <p:sp>
         <p:nvSpPr>
-          <p:cNvPr id="283" name="Google Shape;283;p32"/>
+          <p:cNvPr id="285" name="Google Shape;285;p32"/>
           <p:cNvSpPr txBox="1"/>
           <p:nvPr/>
         </p:nvSpPr>
@@ -23611,7 +23646,7 @@
       </p:sp>
       <p:sp>
         <p:nvSpPr>
-          <p:cNvPr id="284" name="Google Shape;284;p32"/>
+          <p:cNvPr id="286" name="Google Shape;286;p32"/>
           <p:cNvSpPr txBox="1"/>
           <p:nvPr/>
         </p:nvSpPr>
@@ -23960,7 +23995,7 @@
   <p:cSld>
     <p:spTree>
       <p:nvGrpSpPr>
-        <p:cNvPr id="1" name="Shape 288"/>
+        <p:cNvPr id="1" name="Shape 290"/>
         <p:cNvGrpSpPr/>
         <p:nvPr/>
       </p:nvGrpSpPr>
@@ -23974,7 +24009,7 @@
       </p:grpSpPr>
       <p:sp>
         <p:nvSpPr>
-          <p:cNvPr id="289" name="Google Shape;289;p33"/>
+          <p:cNvPr id="291" name="Google Shape;291;p33"/>
           <p:cNvSpPr txBox="1"/>
           <p:nvPr/>
         </p:nvSpPr>
@@ -24040,7 +24075,7 @@
       </p:sp>
       <p:sp>
         <p:nvSpPr>
-          <p:cNvPr id="290" name="Google Shape;290;p33"/>
+          <p:cNvPr id="292" name="Google Shape;292;p33"/>
           <p:cNvSpPr txBox="1"/>
           <p:nvPr/>
         </p:nvSpPr>
@@ -24460,7 +24495,7 @@
       </p:sp>
       <p:pic>
         <p:nvPicPr>
-          <p:cNvPr id="291" name="Google Shape;291;p33"/>
+          <p:cNvPr id="293" name="Google Shape;293;p33"/>
           <p:cNvPicPr preferRelativeResize="0"/>
           <p:nvPr/>
         </p:nvPicPr>
@@ -24494,7 +24529,7 @@
       </p:pic>
       <p:pic>
         <p:nvPicPr>
-          <p:cNvPr id="292" name="Google Shape;292;p33"/>
+          <p:cNvPr id="294" name="Google Shape;294;p33"/>
           <p:cNvPicPr preferRelativeResize="0"/>
           <p:nvPr/>
         </p:nvPicPr>
@@ -26153,7 +26188,7 @@
         </p:nvSpPr>
         <p:spPr>
           <a:xfrm>
-            <a:off x="3749985" y="4747523"/>
+            <a:off x="594761" y="2026934"/>
             <a:ext cx="125400" cy="125400"/>
           </a:xfrm>
           <a:prstGeom prst="ellipse">
@@ -26210,68 +26245,6 @@
       <p:sp>
         <p:nvSpPr>
           <p:cNvPr id="84" name="Google Shape;84;p16"/>
-          <p:cNvSpPr/>
-          <p:nvPr/>
-        </p:nvSpPr>
-        <p:spPr>
-          <a:xfrm>
-            <a:off x="594775" y="1661809"/>
-            <a:ext cx="125400" cy="125400"/>
-          </a:xfrm>
-          <a:prstGeom prst="ellipse">
-            <a:avLst/>
-          </a:prstGeom>
-          <a:solidFill>
-            <a:srgbClr val="FFFF00"/>
-          </a:solidFill>
-          <a:ln w="9525" cap="flat" cmpd="sng">
-            <a:solidFill>
-              <a:srgbClr val="595959"/>
-            </a:solidFill>
-            <a:prstDash val="solid"/>
-            <a:round/>
-            <a:headEnd type="none" w="sm" len="sm"/>
-            <a:tailEnd type="none" w="sm" len="sm"/>
-          </a:ln>
-        </p:spPr>
-        <p:txBody>
-          <a:bodyPr spcFirstLastPara="1" wrap="square" lIns="91425" tIns="91425" rIns="91425" bIns="91425" anchor="ctr" anchorCtr="0">
-            <a:noAutofit/>
-          </a:bodyPr>
-          <a:lstStyle/>
-          <a:p>
-            <a:pPr marL="0" marR="0" lvl="0" indent="0" algn="ctr" rtl="0">
-              <a:lnSpc>
-                <a:spcPct val="100000"/>
-              </a:lnSpc>
-              <a:spcBef>
-                <a:spcPts val="0"/>
-              </a:spcBef>
-              <a:spcAft>
-                <a:spcPts val="0"/>
-              </a:spcAft>
-              <a:buClr>
-                <a:srgbClr val="000000"/>
-              </a:buClr>
-              <a:buSzPts val="1400"/>
-              <a:buFont typeface="Arial"/>
-              <a:buNone/>
-            </a:pPr>
-            <a:endParaRPr sz="1400" b="0" i="0" u="none" strike="noStrike" cap="none">
-              <a:solidFill>
-                <a:srgbClr val="000000"/>
-              </a:solidFill>
-              <a:latin typeface="Arial"/>
-              <a:ea typeface="Arial"/>
-              <a:cs typeface="Arial"/>
-              <a:sym typeface="Arial"/>
-            </a:endParaRPr>
-          </a:p>
-        </p:txBody>
-      </p:sp>
-      <p:sp>
-        <p:nvSpPr>
-          <p:cNvPr id="85" name="Google Shape;85;p16"/>
           <p:cNvSpPr/>
           <p:nvPr/>
         </p:nvSpPr>
@@ -26333,13 +26306,13 @@
       </p:sp>
       <p:sp>
         <p:nvSpPr>
-          <p:cNvPr id="86" name="Google Shape;86;p16"/>
+          <p:cNvPr id="85" name="Google Shape;85;p16"/>
           <p:cNvSpPr/>
           <p:nvPr/>
         </p:nvSpPr>
         <p:spPr>
           <a:xfrm>
-            <a:off x="3741162" y="4387558"/>
+            <a:off x="3754343" y="4566152"/>
             <a:ext cx="125400" cy="125400"/>
           </a:xfrm>
           <a:prstGeom prst="ellipse">
@@ -26395,153 +26368,13 @@
       </p:sp>
       <p:sp>
         <p:nvSpPr>
-          <p:cNvPr id="87" name="Google Shape;87;p16"/>
-          <p:cNvSpPr txBox="1"/>
-          <p:nvPr/>
-        </p:nvSpPr>
-        <p:spPr>
-          <a:xfrm>
-            <a:off x="3447212" y="1857705"/>
-            <a:ext cx="288900" cy="141600"/>
-          </a:xfrm>
-          <a:prstGeom prst="rect">
-            <a:avLst/>
-          </a:prstGeom>
-          <a:noFill/>
-          <a:ln w="9525" cap="flat" cmpd="sng">
-            <a:solidFill>
-              <a:srgbClr val="FF0000"/>
-            </a:solidFill>
-            <a:prstDash val="solid"/>
-            <a:round/>
-            <a:headEnd type="none" w="sm" len="sm"/>
-            <a:tailEnd type="none" w="sm" len="sm"/>
-          </a:ln>
-        </p:spPr>
-        <p:txBody>
-          <a:bodyPr spcFirstLastPara="1" wrap="square" lIns="9125" tIns="9125" rIns="9125" bIns="9125" anchor="t" anchorCtr="0">
-            <a:spAutoFit/>
-          </a:bodyPr>
-          <a:lstStyle/>
-          <a:p>
-            <a:pPr marL="0" marR="0" lvl="0" indent="0" algn="l" rtl="0">
-              <a:lnSpc>
-                <a:spcPct val="100000"/>
-              </a:lnSpc>
-              <a:spcBef>
-                <a:spcPts val="0"/>
-              </a:spcBef>
-              <a:spcAft>
-                <a:spcPts val="0"/>
-              </a:spcAft>
-              <a:buClr>
-                <a:srgbClr val="000000"/>
-              </a:buClr>
-              <a:buSzPts val="1100"/>
-              <a:buFont typeface="Arial"/>
-              <a:buNone/>
-            </a:pPr>
-            <a:r>
-              <a:rPr lang="en" sz="800" b="0" i="0" u="none" strike="noStrike" cap="none">
-                <a:solidFill>
-                  <a:srgbClr val="1F2937"/>
-                </a:solidFill>
-                <a:highlight>
-                  <a:srgbClr val="FFFFFF"/>
-                </a:highlight>
-                <a:latin typeface="Calibri"/>
-                <a:ea typeface="Calibri"/>
-                <a:cs typeface="Calibri"/>
-                <a:sym typeface="Calibri"/>
-              </a:rPr>
-              <a:t>China</a:t>
-            </a:r>
-            <a:endParaRPr sz="800" b="0" i="0" u="none" strike="noStrike" cap="none">
-              <a:solidFill>
-                <a:srgbClr val="1F2937"/>
-              </a:solidFill>
-              <a:highlight>
-                <a:srgbClr val="FFFFFF"/>
-              </a:highlight>
-              <a:latin typeface="Calibri"/>
-              <a:ea typeface="Calibri"/>
-              <a:cs typeface="Calibri"/>
-              <a:sym typeface="Calibri"/>
-            </a:endParaRPr>
-          </a:p>
-        </p:txBody>
-      </p:sp>
-      <p:sp>
-        <p:nvSpPr>
-          <p:cNvPr id="88" name="Google Shape;88;p16"/>
+          <p:cNvPr id="86" name="Google Shape;86;p16"/>
           <p:cNvSpPr/>
           <p:nvPr/>
         </p:nvSpPr>
         <p:spPr>
           <a:xfrm>
-            <a:off x="3747669" y="1868994"/>
-            <a:ext cx="125400" cy="125400"/>
-          </a:xfrm>
-          <a:prstGeom prst="ellipse">
-            <a:avLst/>
-          </a:prstGeom>
-          <a:solidFill>
-            <a:srgbClr val="6AA84F"/>
-          </a:solidFill>
-          <a:ln w="9525" cap="flat" cmpd="sng">
-            <a:solidFill>
-              <a:srgbClr val="595959"/>
-            </a:solidFill>
-            <a:prstDash val="solid"/>
-            <a:round/>
-            <a:headEnd type="none" w="sm" len="sm"/>
-            <a:tailEnd type="none" w="sm" len="sm"/>
-          </a:ln>
-        </p:spPr>
-        <p:txBody>
-          <a:bodyPr spcFirstLastPara="1" wrap="square" lIns="91425" tIns="91425" rIns="91425" bIns="91425" anchor="ctr" anchorCtr="0">
-            <a:noAutofit/>
-          </a:bodyPr>
-          <a:lstStyle/>
-          <a:p>
-            <a:pPr marL="0" marR="0" lvl="0" indent="0" algn="ctr" rtl="0">
-              <a:lnSpc>
-                <a:spcPct val="100000"/>
-              </a:lnSpc>
-              <a:spcBef>
-                <a:spcPts val="0"/>
-              </a:spcBef>
-              <a:spcAft>
-                <a:spcPts val="0"/>
-              </a:spcAft>
-              <a:buClr>
-                <a:srgbClr val="000000"/>
-              </a:buClr>
-              <a:buSzPts val="1400"/>
-              <a:buFont typeface="Arial"/>
-              <a:buNone/>
-            </a:pPr>
-            <a:endParaRPr sz="1400" b="0" i="0" u="none" strike="noStrike" cap="none">
-              <a:solidFill>
-                <a:srgbClr val="000000"/>
-              </a:solidFill>
-              <a:latin typeface="Arial"/>
-              <a:ea typeface="Arial"/>
-              <a:cs typeface="Arial"/>
-              <a:sym typeface="Arial"/>
-            </a:endParaRPr>
-          </a:p>
-        </p:txBody>
-      </p:sp>
-      <p:sp>
-        <p:nvSpPr>
-          <p:cNvPr id="89" name="Google Shape;89;p16"/>
-          <p:cNvSpPr/>
-          <p:nvPr/>
-        </p:nvSpPr>
-        <p:spPr>
-          <a:xfrm>
-            <a:off x="3748846" y="4205078"/>
+            <a:off x="3754696" y="4374988"/>
             <a:ext cx="125400" cy="125400"/>
           </a:xfrm>
           <a:prstGeom prst="ellipse">
@@ -26597,13 +26430,13 @@
       </p:sp>
       <p:sp>
         <p:nvSpPr>
-          <p:cNvPr id="90" name="Google Shape;90;p16"/>
+          <p:cNvPr id="87" name="Google Shape;87;p16"/>
           <p:cNvSpPr/>
           <p:nvPr/>
         </p:nvSpPr>
         <p:spPr>
           <a:xfrm>
-            <a:off x="592125" y="1300284"/>
+            <a:off x="592125" y="1482940"/>
             <a:ext cx="125400" cy="125400"/>
           </a:xfrm>
           <a:prstGeom prst="ellipse">
@@ -26659,7 +26492,7 @@
       </p:sp>
       <p:sp>
         <p:nvSpPr>
-          <p:cNvPr id="91" name="Google Shape;91;p16"/>
+          <p:cNvPr id="88" name="Google Shape;88;p16"/>
           <p:cNvSpPr txBox="1"/>
           <p:nvPr/>
         </p:nvSpPr>
@@ -26737,7 +26570,7 @@
       </p:sp>
       <p:sp>
         <p:nvSpPr>
-          <p:cNvPr id="92" name="Google Shape;92;p16"/>
+          <p:cNvPr id="89" name="Google Shape;89;p16"/>
           <p:cNvSpPr/>
           <p:nvPr/>
         </p:nvSpPr>
@@ -26799,13 +26632,13 @@
       </p:sp>
       <p:sp>
         <p:nvSpPr>
-          <p:cNvPr id="93" name="Google Shape;93;p16"/>
+          <p:cNvPr id="90" name="Google Shape;90;p16"/>
           <p:cNvSpPr/>
           <p:nvPr/>
         </p:nvSpPr>
         <p:spPr>
           <a:xfrm>
-            <a:off x="3745030" y="3843897"/>
+            <a:off x="3750328" y="4021755"/>
             <a:ext cx="125400" cy="125400"/>
           </a:xfrm>
           <a:prstGeom prst="ellipse">
@@ -26861,7 +26694,7 @@
       </p:sp>
       <p:sp>
         <p:nvSpPr>
-          <p:cNvPr id="94" name="Google Shape;94;p16"/>
+          <p:cNvPr id="91" name="Google Shape;91;p16"/>
           <p:cNvSpPr/>
           <p:nvPr/>
         </p:nvSpPr>
@@ -26923,7 +26756,7 @@
       </p:sp>
       <p:sp>
         <p:nvSpPr>
-          <p:cNvPr id="95" name="Google Shape;95;p16"/>
+          <p:cNvPr id="92" name="Google Shape;92;p16"/>
           <p:cNvSpPr/>
           <p:nvPr/>
         </p:nvSpPr>
@@ -26985,13 +26818,13 @@
       </p:sp>
       <p:sp>
         <p:nvSpPr>
-          <p:cNvPr id="96" name="Google Shape;96;p16"/>
+          <p:cNvPr id="93" name="Google Shape;93;p16"/>
           <p:cNvSpPr/>
           <p:nvPr/>
         </p:nvSpPr>
         <p:spPr>
           <a:xfrm>
-            <a:off x="594765" y="1472118"/>
+            <a:off x="584680" y="1309632"/>
             <a:ext cx="125400" cy="125400"/>
           </a:xfrm>
           <a:prstGeom prst="ellipse">
@@ -27047,7 +26880,7 @@
       </p:sp>
       <p:sp>
         <p:nvSpPr>
-          <p:cNvPr id="97" name="Google Shape;97;p16"/>
+          <p:cNvPr id="94" name="Google Shape;94;p16"/>
           <p:cNvSpPr/>
           <p:nvPr/>
         </p:nvSpPr>
@@ -27109,7 +26942,7 @@
       </p:sp>
       <p:sp>
         <p:nvSpPr>
-          <p:cNvPr id="98" name="Google Shape;98;p16"/>
+          <p:cNvPr id="95" name="Google Shape;95;p16"/>
           <p:cNvSpPr txBox="1"/>
           <p:nvPr/>
         </p:nvSpPr>
@@ -27187,7 +27020,7 @@
       </p:sp>
       <p:sp>
         <p:nvSpPr>
-          <p:cNvPr id="99" name="Google Shape;99;p16"/>
+          <p:cNvPr id="96" name="Google Shape;96;p16"/>
           <p:cNvSpPr/>
           <p:nvPr/>
         </p:nvSpPr>
@@ -27249,7 +27082,7 @@
       </p:sp>
       <p:sp>
         <p:nvSpPr>
-          <p:cNvPr id="100" name="Google Shape;100;p16"/>
+          <p:cNvPr id="97" name="Google Shape;97;p16"/>
           <p:cNvSpPr/>
           <p:nvPr/>
         </p:nvSpPr>
@@ -27311,7 +27144,7 @@
       </p:sp>
       <p:sp>
         <p:nvSpPr>
-          <p:cNvPr id="101" name="Google Shape;101;p16"/>
+          <p:cNvPr id="98" name="Google Shape;98;p16"/>
           <p:cNvSpPr txBox="1"/>
           <p:nvPr/>
         </p:nvSpPr>
@@ -27389,7 +27222,7 @@
       </p:sp>
       <p:sp>
         <p:nvSpPr>
-          <p:cNvPr id="102" name="Google Shape;102;p16"/>
+          <p:cNvPr id="99" name="Google Shape;99;p16"/>
           <p:cNvSpPr/>
           <p:nvPr/>
         </p:nvSpPr>
@@ -27451,13 +27284,13 @@
       </p:sp>
       <p:sp>
         <p:nvSpPr>
-          <p:cNvPr id="103" name="Google Shape;103;p16"/>
+          <p:cNvPr id="100" name="Google Shape;100;p16"/>
           <p:cNvSpPr txBox="1"/>
           <p:nvPr/>
         </p:nvSpPr>
         <p:spPr>
           <a:xfrm>
-            <a:off x="296748" y="3462726"/>
+            <a:off x="437942" y="3462726"/>
             <a:ext cx="287100" cy="141600"/>
           </a:xfrm>
           <a:prstGeom prst="rect">
@@ -27529,13 +27362,91 @@
       </p:sp>
       <p:sp>
         <p:nvSpPr>
-          <p:cNvPr id="104" name="Google Shape;104;p16"/>
+          <p:cNvPr id="101" name="Google Shape;101;p16"/>
+          <p:cNvSpPr txBox="1"/>
+          <p:nvPr/>
+        </p:nvSpPr>
+        <p:spPr>
+          <a:xfrm>
+            <a:off x="3448497" y="3294943"/>
+            <a:ext cx="288900" cy="141600"/>
+          </a:xfrm>
+          <a:prstGeom prst="rect">
+            <a:avLst/>
+          </a:prstGeom>
+          <a:noFill/>
+          <a:ln w="9525" cap="flat" cmpd="sng">
+            <a:solidFill>
+              <a:srgbClr val="FF0000"/>
+            </a:solidFill>
+            <a:prstDash val="solid"/>
+            <a:round/>
+            <a:headEnd type="none" w="sm" len="sm"/>
+            <a:tailEnd type="none" w="sm" len="sm"/>
+          </a:ln>
+        </p:spPr>
+        <p:txBody>
+          <a:bodyPr spcFirstLastPara="1" wrap="square" lIns="9125" tIns="9125" rIns="9125" bIns="9125" anchor="t" anchorCtr="0">
+            <a:spAutoFit/>
+          </a:bodyPr>
+          <a:lstStyle/>
+          <a:p>
+            <a:pPr marL="0" marR="0" lvl="0" indent="0" algn="l" rtl="0">
+              <a:lnSpc>
+                <a:spcPct val="100000"/>
+              </a:lnSpc>
+              <a:spcBef>
+                <a:spcPts val="0"/>
+              </a:spcBef>
+              <a:spcAft>
+                <a:spcPts val="0"/>
+              </a:spcAft>
+              <a:buClr>
+                <a:srgbClr val="000000"/>
+              </a:buClr>
+              <a:buSzPts val="1100"/>
+              <a:buFont typeface="Arial"/>
+              <a:buNone/>
+            </a:pPr>
+            <a:r>
+              <a:rPr lang="en" sz="800" b="0" i="0" u="none" strike="noStrike" cap="none">
+                <a:solidFill>
+                  <a:srgbClr val="1F2937"/>
+                </a:solidFill>
+                <a:highlight>
+                  <a:srgbClr val="FFFFFF"/>
+                </a:highlight>
+                <a:latin typeface="Calibri"/>
+                <a:ea typeface="Calibri"/>
+                <a:cs typeface="Calibri"/>
+                <a:sym typeface="Calibri"/>
+              </a:rPr>
+              <a:t>China</a:t>
+            </a:r>
+            <a:endParaRPr sz="800" b="0" i="0" u="none" strike="noStrike" cap="none">
+              <a:solidFill>
+                <a:srgbClr val="1F2937"/>
+              </a:solidFill>
+              <a:highlight>
+                <a:srgbClr val="FFFFFF"/>
+              </a:highlight>
+              <a:latin typeface="Calibri"/>
+              <a:ea typeface="Calibri"/>
+              <a:cs typeface="Calibri"/>
+              <a:sym typeface="Calibri"/>
+            </a:endParaRPr>
+          </a:p>
+        </p:txBody>
+      </p:sp>
+      <p:sp>
+        <p:nvSpPr>
+          <p:cNvPr id="102" name="Google Shape;102;p16"/>
           <p:cNvSpPr/>
           <p:nvPr/>
         </p:nvSpPr>
         <p:spPr>
           <a:xfrm>
-            <a:off x="596014" y="3469973"/>
+            <a:off x="3748954" y="3306232"/>
             <a:ext cx="125400" cy="125400"/>
           </a:xfrm>
           <a:prstGeom prst="ellipse">
@@ -27591,13 +27502,13 @@
       </p:sp>
       <p:sp>
         <p:nvSpPr>
-          <p:cNvPr id="105" name="Google Shape;105;p16"/>
+          <p:cNvPr id="103" name="Google Shape;103;p16"/>
           <p:cNvSpPr txBox="1"/>
           <p:nvPr/>
         </p:nvSpPr>
         <p:spPr>
           <a:xfrm>
-            <a:off x="3448497" y="3476478"/>
+            <a:off x="3593814" y="1669393"/>
             <a:ext cx="288900" cy="141600"/>
           </a:xfrm>
           <a:prstGeom prst="rect">
@@ -27669,147 +27580,7 @@
       </p:sp>
       <p:sp>
         <p:nvSpPr>
-          <p:cNvPr id="106" name="Google Shape;106;p16"/>
-          <p:cNvSpPr/>
-          <p:nvPr/>
-        </p:nvSpPr>
-        <p:spPr>
-          <a:xfrm>
-            <a:off x="3748954" y="3487767"/>
-            <a:ext cx="125400" cy="125400"/>
-          </a:xfrm>
-          <a:prstGeom prst="ellipse">
-            <a:avLst/>
-          </a:prstGeom>
-          <a:solidFill>
-            <a:srgbClr val="6AA84F"/>
-          </a:solidFill>
-          <a:ln w="9525" cap="flat" cmpd="sng">
-            <a:solidFill>
-              <a:srgbClr val="595959"/>
-            </a:solidFill>
-            <a:prstDash val="solid"/>
-            <a:round/>
-            <a:headEnd type="none" w="sm" len="sm"/>
-            <a:tailEnd type="none" w="sm" len="sm"/>
-          </a:ln>
-        </p:spPr>
-        <p:txBody>
-          <a:bodyPr spcFirstLastPara="1" wrap="square" lIns="91425" tIns="91425" rIns="91425" bIns="91425" anchor="ctr" anchorCtr="0">
-            <a:noAutofit/>
-          </a:bodyPr>
-          <a:lstStyle/>
-          <a:p>
-            <a:pPr marL="0" marR="0" lvl="0" indent="0" algn="ctr" rtl="0">
-              <a:lnSpc>
-                <a:spcPct val="100000"/>
-              </a:lnSpc>
-              <a:spcBef>
-                <a:spcPts val="0"/>
-              </a:spcBef>
-              <a:spcAft>
-                <a:spcPts val="0"/>
-              </a:spcAft>
-              <a:buClr>
-                <a:srgbClr val="000000"/>
-              </a:buClr>
-              <a:buSzPts val="1400"/>
-              <a:buFont typeface="Arial"/>
-              <a:buNone/>
-            </a:pPr>
-            <a:endParaRPr sz="1400" b="0" i="0" u="none" strike="noStrike" cap="none">
-              <a:solidFill>
-                <a:srgbClr val="000000"/>
-              </a:solidFill>
-              <a:latin typeface="Arial"/>
-              <a:ea typeface="Arial"/>
-              <a:cs typeface="Arial"/>
-              <a:sym typeface="Arial"/>
-            </a:endParaRPr>
-          </a:p>
-        </p:txBody>
-      </p:sp>
-      <p:sp>
-        <p:nvSpPr>
-          <p:cNvPr id="107" name="Google Shape;107;p16"/>
-          <p:cNvSpPr txBox="1"/>
-          <p:nvPr/>
-        </p:nvSpPr>
-        <p:spPr>
-          <a:xfrm>
-            <a:off x="3592839" y="1485668"/>
-            <a:ext cx="288900" cy="141600"/>
-          </a:xfrm>
-          <a:prstGeom prst="rect">
-            <a:avLst/>
-          </a:prstGeom>
-          <a:noFill/>
-          <a:ln w="9525" cap="flat" cmpd="sng">
-            <a:solidFill>
-              <a:srgbClr val="FF0000"/>
-            </a:solidFill>
-            <a:prstDash val="solid"/>
-            <a:round/>
-            <a:headEnd type="none" w="sm" len="sm"/>
-            <a:tailEnd type="none" w="sm" len="sm"/>
-          </a:ln>
-        </p:spPr>
-        <p:txBody>
-          <a:bodyPr spcFirstLastPara="1" wrap="square" lIns="9125" tIns="9125" rIns="9125" bIns="9125" anchor="t" anchorCtr="0">
-            <a:spAutoFit/>
-          </a:bodyPr>
-          <a:lstStyle/>
-          <a:p>
-            <a:pPr marL="0" marR="0" lvl="0" indent="0" algn="l" rtl="0">
-              <a:lnSpc>
-                <a:spcPct val="100000"/>
-              </a:lnSpc>
-              <a:spcBef>
-                <a:spcPts val="0"/>
-              </a:spcBef>
-              <a:spcAft>
-                <a:spcPts val="0"/>
-              </a:spcAft>
-              <a:buClr>
-                <a:srgbClr val="000000"/>
-              </a:buClr>
-              <a:buSzPts val="1100"/>
-              <a:buFont typeface="Arial"/>
-              <a:buNone/>
-            </a:pPr>
-            <a:r>
-              <a:rPr lang="en" sz="800" b="0" i="0" u="none" strike="noStrike" cap="none">
-                <a:solidFill>
-                  <a:srgbClr val="1F2937"/>
-                </a:solidFill>
-                <a:highlight>
-                  <a:srgbClr val="FFFFFF"/>
-                </a:highlight>
-                <a:latin typeface="Calibri"/>
-                <a:ea typeface="Calibri"/>
-                <a:cs typeface="Calibri"/>
-                <a:sym typeface="Calibri"/>
-              </a:rPr>
-              <a:t>China</a:t>
-            </a:r>
-            <a:endParaRPr sz="800" b="0" i="0" u="none" strike="noStrike" cap="none">
-              <a:solidFill>
-                <a:srgbClr val="1F2937"/>
-              </a:solidFill>
-              <a:highlight>
-                <a:srgbClr val="FFFFFF"/>
-              </a:highlight>
-              <a:latin typeface="Calibri"/>
-              <a:ea typeface="Calibri"/>
-              <a:cs typeface="Calibri"/>
-              <a:sym typeface="Calibri"/>
-            </a:endParaRPr>
-          </a:p>
-        </p:txBody>
-      </p:sp>
-      <p:sp>
-        <p:nvSpPr>
-          <p:cNvPr id="108" name="Google Shape;108;p16"/>
+          <p:cNvPr id="104" name="Google Shape;104;p16"/>
           <p:cNvSpPr txBox="1"/>
           <p:nvPr/>
         </p:nvSpPr>
@@ -27887,7 +27658,7 @@
       </p:sp>
       <p:sp>
         <p:nvSpPr>
-          <p:cNvPr id="109" name="Google Shape;109;p16"/>
+          <p:cNvPr id="105" name="Google Shape;105;p16"/>
           <p:cNvSpPr txBox="1"/>
           <p:nvPr/>
         </p:nvSpPr>
@@ -27965,7 +27736,7 @@
       </p:sp>
       <p:sp>
         <p:nvSpPr>
-          <p:cNvPr id="110" name="Google Shape;110;p16"/>
+          <p:cNvPr id="106" name="Google Shape;106;p16"/>
           <p:cNvSpPr/>
           <p:nvPr/>
         </p:nvSpPr>
@@ -28027,7 +27798,7 @@
       </p:sp>
       <p:sp>
         <p:nvSpPr>
-          <p:cNvPr id="111" name="Google Shape;111;p16"/>
+          <p:cNvPr id="107" name="Google Shape;107;p16"/>
           <p:cNvSpPr txBox="1"/>
           <p:nvPr/>
         </p:nvSpPr>
@@ -28105,7 +27876,7 @@
       </p:sp>
       <p:sp>
         <p:nvSpPr>
-          <p:cNvPr id="112" name="Google Shape;112;p16"/>
+          <p:cNvPr id="108" name="Google Shape;108;p16"/>
           <p:cNvSpPr/>
           <p:nvPr/>
         </p:nvSpPr>
@@ -28167,13 +27938,13 @@
       </p:sp>
       <p:sp>
         <p:nvSpPr>
-          <p:cNvPr id="113" name="Google Shape;113;p16"/>
+          <p:cNvPr id="109" name="Google Shape;109;p16"/>
           <p:cNvSpPr txBox="1"/>
           <p:nvPr/>
         </p:nvSpPr>
         <p:spPr>
           <a:xfrm flipH="1">
-            <a:off x="534531" y="3649751"/>
+            <a:off x="539953" y="4013903"/>
             <a:ext cx="194400" cy="141600"/>
           </a:xfrm>
           <a:prstGeom prst="rect">
@@ -28241,7 +28012,7 @@
       </p:sp>
       <p:sp>
         <p:nvSpPr>
-          <p:cNvPr id="114" name="Google Shape;114;p16"/>
+          <p:cNvPr id="110" name="Google Shape;110;p16"/>
           <p:cNvSpPr/>
           <p:nvPr/>
         </p:nvSpPr>
@@ -28303,13 +28074,13 @@
       </p:sp>
       <p:sp>
         <p:nvSpPr>
-          <p:cNvPr id="115" name="Google Shape;115;p16"/>
+          <p:cNvPr id="111" name="Google Shape;111;p16"/>
           <p:cNvSpPr txBox="1"/>
           <p:nvPr/>
         </p:nvSpPr>
         <p:spPr>
           <a:xfrm>
-            <a:off x="3593829" y="2202188"/>
+            <a:off x="3593829" y="2025226"/>
             <a:ext cx="288900" cy="141600"/>
           </a:xfrm>
           <a:prstGeom prst="rect">
@@ -28381,13 +28152,13 @@
       </p:sp>
       <p:sp>
         <p:nvSpPr>
-          <p:cNvPr id="116" name="Google Shape;116;p16"/>
+          <p:cNvPr id="112" name="Google Shape;112;p16"/>
           <p:cNvSpPr/>
           <p:nvPr/>
         </p:nvSpPr>
         <p:spPr>
           <a:xfrm>
-            <a:off x="3748244" y="1667197"/>
+            <a:off x="3750579" y="1487224"/>
             <a:ext cx="125400" cy="125400"/>
           </a:xfrm>
           <a:prstGeom prst="ellipse">
@@ -28443,7 +28214,7 @@
       </p:sp>
       <p:sp>
         <p:nvSpPr>
-          <p:cNvPr id="117" name="Google Shape;117;p16"/>
+          <p:cNvPr id="113" name="Google Shape;113;p16"/>
           <p:cNvSpPr txBox="1"/>
           <p:nvPr/>
         </p:nvSpPr>
@@ -28521,7 +28292,7 @@
       </p:sp>
       <p:sp>
         <p:nvSpPr>
-          <p:cNvPr id="118" name="Google Shape;118;p16"/>
+          <p:cNvPr id="114" name="Google Shape;114;p16"/>
           <p:cNvSpPr/>
           <p:nvPr/>
         </p:nvSpPr>
@@ -28583,13 +28354,13 @@
       </p:sp>
       <p:sp>
         <p:nvSpPr>
-          <p:cNvPr id="119" name="Google Shape;119;p16"/>
+          <p:cNvPr id="115" name="Google Shape;115;p16"/>
           <p:cNvSpPr/>
           <p:nvPr/>
         </p:nvSpPr>
         <p:spPr>
           <a:xfrm>
-            <a:off x="590309" y="2019443"/>
+            <a:off x="588584" y="1666806"/>
             <a:ext cx="125400" cy="125400"/>
           </a:xfrm>
           <a:prstGeom prst="ellipse">
@@ -28645,7 +28416,7 @@
       </p:sp>
       <p:sp>
         <p:nvSpPr>
-          <p:cNvPr id="120" name="Google Shape;120;p16"/>
+          <p:cNvPr id="116" name="Google Shape;116;p16"/>
           <p:cNvSpPr/>
           <p:nvPr/>
         </p:nvSpPr>
@@ -28707,13 +28478,13 @@
       </p:sp>
       <p:sp>
         <p:nvSpPr>
-          <p:cNvPr id="121" name="Google Shape;121;p16"/>
+          <p:cNvPr id="117" name="Google Shape;117;p16"/>
           <p:cNvSpPr txBox="1"/>
           <p:nvPr/>
         </p:nvSpPr>
         <p:spPr>
           <a:xfrm>
-            <a:off x="296748" y="4014818"/>
+            <a:off x="296748" y="3641662"/>
             <a:ext cx="287100" cy="141600"/>
           </a:xfrm>
           <a:prstGeom prst="rect">
@@ -28785,13 +28556,13 @@
       </p:sp>
       <p:sp>
         <p:nvSpPr>
-          <p:cNvPr id="122" name="Google Shape;122;p16"/>
+          <p:cNvPr id="118" name="Google Shape;118;p16"/>
           <p:cNvSpPr/>
           <p:nvPr/>
         </p:nvSpPr>
         <p:spPr>
           <a:xfrm>
-            <a:off x="596014" y="4022065"/>
+            <a:off x="596014" y="3648909"/>
             <a:ext cx="125400" cy="125400"/>
           </a:xfrm>
           <a:prstGeom prst="ellipse">
@@ -28847,7 +28618,7 @@
       </p:sp>
       <p:sp>
         <p:nvSpPr>
-          <p:cNvPr id="123" name="Google Shape;123;p16"/>
+          <p:cNvPr id="119" name="Google Shape;119;p16"/>
           <p:cNvSpPr txBox="1"/>
           <p:nvPr/>
         </p:nvSpPr>
@@ -28925,7 +28696,7 @@
       </p:sp>
       <p:sp>
         <p:nvSpPr>
-          <p:cNvPr id="124" name="Google Shape;124;p16"/>
+          <p:cNvPr id="120" name="Google Shape;120;p16"/>
           <p:cNvSpPr/>
           <p:nvPr/>
         </p:nvSpPr>
@@ -28987,7 +28758,7 @@
       </p:sp>
       <p:sp>
         <p:nvSpPr>
-          <p:cNvPr id="125" name="Google Shape;125;p16"/>
+          <p:cNvPr id="121" name="Google Shape;121;p16"/>
           <p:cNvSpPr txBox="1"/>
           <p:nvPr/>
         </p:nvSpPr>
@@ -29065,7 +28836,7 @@
       </p:sp>
       <p:sp>
         <p:nvSpPr>
-          <p:cNvPr id="126" name="Google Shape;126;p16"/>
+          <p:cNvPr id="122" name="Google Shape;122;p16"/>
           <p:cNvSpPr/>
           <p:nvPr/>
         </p:nvSpPr>
@@ -29127,7 +28898,7 @@
       </p:sp>
       <p:sp>
         <p:nvSpPr>
-          <p:cNvPr id="127" name="Google Shape;127;p16"/>
+          <p:cNvPr id="123" name="Google Shape;123;p16"/>
           <p:cNvSpPr txBox="1"/>
           <p:nvPr/>
         </p:nvSpPr>
@@ -29205,7 +28976,7 @@
       </p:sp>
       <p:sp>
         <p:nvSpPr>
-          <p:cNvPr id="128" name="Google Shape;128;p16"/>
+          <p:cNvPr id="124" name="Google Shape;124;p16"/>
           <p:cNvSpPr/>
           <p:nvPr/>
         </p:nvSpPr>
@@ -29267,7 +29038,7 @@
       </p:sp>
       <p:sp>
         <p:nvSpPr>
-          <p:cNvPr id="129" name="Google Shape;129;p16"/>
+          <p:cNvPr id="125" name="Google Shape;125;p16"/>
           <p:cNvSpPr txBox="1"/>
           <p:nvPr/>
         </p:nvSpPr>
@@ -29345,7 +29116,7 @@
       </p:sp>
       <p:sp>
         <p:nvSpPr>
-          <p:cNvPr id="130" name="Google Shape;130;p16"/>
+          <p:cNvPr id="126" name="Google Shape;126;p16"/>
           <p:cNvSpPr/>
           <p:nvPr/>
         </p:nvSpPr>
@@ -29407,7 +29178,7 @@
       </p:sp>
       <p:sp>
         <p:nvSpPr>
-          <p:cNvPr id="131" name="Google Shape;131;p16"/>
+          <p:cNvPr id="127" name="Google Shape;127;p16"/>
           <p:cNvSpPr txBox="1"/>
           <p:nvPr/>
         </p:nvSpPr>
@@ -29485,14 +29256,76 @@
       </p:sp>
       <p:sp>
         <p:nvSpPr>
-          <p:cNvPr id="132" name="Google Shape;132;p16"/>
+          <p:cNvPr id="128" name="Google Shape;128;p16"/>
+          <p:cNvSpPr/>
+          <p:nvPr/>
+        </p:nvSpPr>
+        <p:spPr>
+          <a:xfrm>
+            <a:off x="3758343" y="3478678"/>
+            <a:ext cx="125400" cy="125400"/>
+          </a:xfrm>
+          <a:prstGeom prst="ellipse">
+            <a:avLst/>
+          </a:prstGeom>
+          <a:solidFill>
+            <a:srgbClr val="3C78D8"/>
+          </a:solidFill>
+          <a:ln w="9525" cap="flat" cmpd="sng">
+            <a:solidFill>
+              <a:srgbClr val="595959"/>
+            </a:solidFill>
+            <a:prstDash val="solid"/>
+            <a:round/>
+            <a:headEnd type="none" w="sm" len="sm"/>
+            <a:tailEnd type="none" w="sm" len="sm"/>
+          </a:ln>
+        </p:spPr>
+        <p:txBody>
+          <a:bodyPr spcFirstLastPara="1" wrap="square" lIns="91425" tIns="91425" rIns="91425" bIns="91425" anchor="ctr" anchorCtr="0">
+            <a:noAutofit/>
+          </a:bodyPr>
+          <a:lstStyle/>
+          <a:p>
+            <a:pPr marL="0" marR="0" lvl="0" indent="0" algn="ctr" rtl="0">
+              <a:lnSpc>
+                <a:spcPct val="100000"/>
+              </a:lnSpc>
+              <a:spcBef>
+                <a:spcPts val="0"/>
+              </a:spcBef>
+              <a:spcAft>
+                <a:spcPts val="0"/>
+              </a:spcAft>
+              <a:buClr>
+                <a:srgbClr val="000000"/>
+              </a:buClr>
+              <a:buSzPts val="1400"/>
+              <a:buFont typeface="Arial"/>
+              <a:buNone/>
+            </a:pPr>
+            <a:endParaRPr sz="1400" b="0" i="0" u="none" strike="noStrike" cap="none">
+              <a:solidFill>
+                <a:srgbClr val="000000"/>
+              </a:solidFill>
+              <a:latin typeface="Arial"/>
+              <a:ea typeface="Arial"/>
+              <a:cs typeface="Arial"/>
+              <a:sym typeface="Arial"/>
+            </a:endParaRPr>
+          </a:p>
+        </p:txBody>
+      </p:sp>
+      <p:sp>
+        <p:nvSpPr>
+          <p:cNvPr id="129" name="Google Shape;129;p16"/>
           <p:cNvSpPr txBox="1"/>
           <p:nvPr/>
         </p:nvSpPr>
         <p:spPr>
           <a:xfrm>
-            <a:off x="3440038" y="2014085"/>
-            <a:ext cx="288900" cy="141600"/>
+            <a:off x="3458789" y="3829654"/>
+            <a:ext cx="287100" cy="141600"/>
           </a:xfrm>
           <a:prstGeom prst="rect">
             <a:avLst/>
@@ -29563,13 +29396,13 @@
       </p:sp>
       <p:sp>
         <p:nvSpPr>
-          <p:cNvPr id="133" name="Google Shape;133;p16"/>
+          <p:cNvPr id="130" name="Google Shape;130;p16"/>
           <p:cNvSpPr/>
           <p:nvPr/>
         </p:nvSpPr>
         <p:spPr>
           <a:xfrm>
-            <a:off x="3740495" y="2025374"/>
+            <a:off x="3749658" y="3838048"/>
             <a:ext cx="125400" cy="125400"/>
           </a:xfrm>
           <a:prstGeom prst="ellipse">
@@ -29625,137 +29458,13 @@
       </p:sp>
       <p:sp>
         <p:nvSpPr>
-          <p:cNvPr id="134" name="Google Shape;134;p16"/>
-          <p:cNvSpPr/>
-          <p:nvPr/>
-        </p:nvSpPr>
-        <p:spPr>
-          <a:xfrm>
-            <a:off x="3748386" y="3295662"/>
-            <a:ext cx="125400" cy="125400"/>
-          </a:xfrm>
-          <a:prstGeom prst="ellipse">
-            <a:avLst/>
-          </a:prstGeom>
-          <a:solidFill>
-            <a:srgbClr val="3C78D8"/>
-          </a:solidFill>
-          <a:ln w="9525" cap="flat" cmpd="sng">
-            <a:solidFill>
-              <a:srgbClr val="595959"/>
-            </a:solidFill>
-            <a:prstDash val="solid"/>
-            <a:round/>
-            <a:headEnd type="none" w="sm" len="sm"/>
-            <a:tailEnd type="none" w="sm" len="sm"/>
-          </a:ln>
-        </p:spPr>
-        <p:txBody>
-          <a:bodyPr spcFirstLastPara="1" wrap="square" lIns="91425" tIns="91425" rIns="91425" bIns="91425" anchor="ctr" anchorCtr="0">
-            <a:noAutofit/>
-          </a:bodyPr>
-          <a:lstStyle/>
-          <a:p>
-            <a:pPr marL="0" marR="0" lvl="0" indent="0" algn="ctr" rtl="0">
-              <a:lnSpc>
-                <a:spcPct val="100000"/>
-              </a:lnSpc>
-              <a:spcBef>
-                <a:spcPts val="0"/>
-              </a:spcBef>
-              <a:spcAft>
-                <a:spcPts val="0"/>
-              </a:spcAft>
-              <a:buClr>
-                <a:srgbClr val="000000"/>
-              </a:buClr>
-              <a:buSzPts val="1400"/>
-              <a:buFont typeface="Arial"/>
-              <a:buNone/>
-            </a:pPr>
-            <a:endParaRPr sz="1400" b="0" i="0" u="none" strike="noStrike" cap="none">
-              <a:solidFill>
-                <a:srgbClr val="000000"/>
-              </a:solidFill>
-              <a:latin typeface="Arial"/>
-              <a:ea typeface="Arial"/>
-              <a:cs typeface="Arial"/>
-              <a:sym typeface="Arial"/>
-            </a:endParaRPr>
-          </a:p>
-        </p:txBody>
-      </p:sp>
-      <p:sp>
-        <p:nvSpPr>
-          <p:cNvPr id="135" name="Google Shape;135;p16"/>
-          <p:cNvSpPr/>
-          <p:nvPr/>
-        </p:nvSpPr>
-        <p:spPr>
-          <a:xfrm>
-            <a:off x="3748244" y="2942146"/>
-            <a:ext cx="125400" cy="125400"/>
-          </a:xfrm>
-          <a:prstGeom prst="ellipse">
-            <a:avLst/>
-          </a:prstGeom>
-          <a:solidFill>
-            <a:srgbClr val="3C78D8"/>
-          </a:solidFill>
-          <a:ln w="9525" cap="flat" cmpd="sng">
-            <a:solidFill>
-              <a:srgbClr val="595959"/>
-            </a:solidFill>
-            <a:prstDash val="solid"/>
-            <a:round/>
-            <a:headEnd type="none" w="sm" len="sm"/>
-            <a:tailEnd type="none" w="sm" len="sm"/>
-          </a:ln>
-        </p:spPr>
-        <p:txBody>
-          <a:bodyPr spcFirstLastPara="1" wrap="square" lIns="91425" tIns="91425" rIns="91425" bIns="91425" anchor="ctr" anchorCtr="0">
-            <a:noAutofit/>
-          </a:bodyPr>
-          <a:lstStyle/>
-          <a:p>
-            <a:pPr marL="0" marR="0" lvl="0" indent="0" algn="ctr" rtl="0">
-              <a:lnSpc>
-                <a:spcPct val="100000"/>
-              </a:lnSpc>
-              <a:spcBef>
-                <a:spcPts val="0"/>
-              </a:spcBef>
-              <a:spcAft>
-                <a:spcPts val="0"/>
-              </a:spcAft>
-              <a:buClr>
-                <a:srgbClr val="000000"/>
-              </a:buClr>
-              <a:buSzPts val="1400"/>
-              <a:buFont typeface="Arial"/>
-              <a:buNone/>
-            </a:pPr>
-            <a:endParaRPr sz="1400" b="0" i="0" u="none" strike="noStrike" cap="none">
-              <a:solidFill>
-                <a:srgbClr val="000000"/>
-              </a:solidFill>
-              <a:latin typeface="Arial"/>
-              <a:ea typeface="Arial"/>
-              <a:cs typeface="Arial"/>
-              <a:sym typeface="Arial"/>
-            </a:endParaRPr>
-          </a:p>
-        </p:txBody>
-      </p:sp>
-      <p:sp>
-        <p:nvSpPr>
-          <p:cNvPr id="136" name="Google Shape;136;p16"/>
+          <p:cNvPr id="131" name="Google Shape;131;p16"/>
           <p:cNvSpPr txBox="1"/>
           <p:nvPr/>
         </p:nvSpPr>
         <p:spPr>
           <a:xfrm>
-            <a:off x="3458789" y="4011189"/>
+            <a:off x="3458789" y="4188510"/>
             <a:ext cx="287100" cy="141600"/>
           </a:xfrm>
           <a:prstGeom prst="rect">
@@ -29827,13 +29536,13 @@
       </p:sp>
       <p:sp>
         <p:nvSpPr>
-          <p:cNvPr id="137" name="Google Shape;137;p16"/>
+          <p:cNvPr id="132" name="Google Shape;132;p16"/>
           <p:cNvSpPr/>
           <p:nvPr/>
         </p:nvSpPr>
         <p:spPr>
           <a:xfrm>
-            <a:off x="3749658" y="4019583"/>
+            <a:off x="3749658" y="4196904"/>
             <a:ext cx="125400" cy="125400"/>
           </a:xfrm>
           <a:prstGeom prst="ellipse">
@@ -29889,147 +29598,7 @@
       </p:sp>
       <p:sp>
         <p:nvSpPr>
-          <p:cNvPr id="138" name="Google Shape;138;p16"/>
-          <p:cNvSpPr txBox="1"/>
-          <p:nvPr/>
-        </p:nvSpPr>
-        <p:spPr>
-          <a:xfrm>
-            <a:off x="3458789" y="4561666"/>
-            <a:ext cx="287100" cy="141600"/>
-          </a:xfrm>
-          <a:prstGeom prst="rect">
-            <a:avLst/>
-          </a:prstGeom>
-          <a:noFill/>
-          <a:ln w="9525" cap="flat" cmpd="sng">
-            <a:solidFill>
-              <a:srgbClr val="FF0000"/>
-            </a:solidFill>
-            <a:prstDash val="solid"/>
-            <a:round/>
-            <a:headEnd type="none" w="sm" len="sm"/>
-            <a:tailEnd type="none" w="sm" len="sm"/>
-          </a:ln>
-        </p:spPr>
-        <p:txBody>
-          <a:bodyPr spcFirstLastPara="1" wrap="square" lIns="9125" tIns="9125" rIns="9125" bIns="9125" anchor="t" anchorCtr="0">
-            <a:spAutoFit/>
-          </a:bodyPr>
-          <a:lstStyle/>
-          <a:p>
-            <a:pPr marL="0" marR="0" lvl="0" indent="0" algn="l" rtl="0">
-              <a:lnSpc>
-                <a:spcPct val="100000"/>
-              </a:lnSpc>
-              <a:spcBef>
-                <a:spcPts val="0"/>
-              </a:spcBef>
-              <a:spcAft>
-                <a:spcPts val="0"/>
-              </a:spcAft>
-              <a:buClr>
-                <a:srgbClr val="000000"/>
-              </a:buClr>
-              <a:buSzPts val="1100"/>
-              <a:buFont typeface="Arial"/>
-              <a:buNone/>
-            </a:pPr>
-            <a:r>
-              <a:rPr lang="en" sz="800" b="0" i="0" u="none" strike="noStrike" cap="none">
-                <a:solidFill>
-                  <a:srgbClr val="1F2937"/>
-                </a:solidFill>
-                <a:highlight>
-                  <a:srgbClr val="FFFFFF"/>
-                </a:highlight>
-                <a:latin typeface="Calibri"/>
-                <a:ea typeface="Calibri"/>
-                <a:cs typeface="Calibri"/>
-                <a:sym typeface="Calibri"/>
-              </a:rPr>
-              <a:t>China</a:t>
-            </a:r>
-            <a:endParaRPr sz="800" b="0" i="0" u="none" strike="noStrike" cap="none">
-              <a:solidFill>
-                <a:srgbClr val="1F2937"/>
-              </a:solidFill>
-              <a:highlight>
-                <a:srgbClr val="FFFFFF"/>
-              </a:highlight>
-              <a:latin typeface="Calibri"/>
-              <a:ea typeface="Calibri"/>
-              <a:cs typeface="Calibri"/>
-              <a:sym typeface="Calibri"/>
-            </a:endParaRPr>
-          </a:p>
-        </p:txBody>
-      </p:sp>
-      <p:sp>
-        <p:nvSpPr>
-          <p:cNvPr id="139" name="Google Shape;139;p16"/>
-          <p:cNvSpPr/>
-          <p:nvPr/>
-        </p:nvSpPr>
-        <p:spPr>
-          <a:xfrm>
-            <a:off x="3749658" y="4570060"/>
-            <a:ext cx="125400" cy="125400"/>
-          </a:xfrm>
-          <a:prstGeom prst="ellipse">
-            <a:avLst/>
-          </a:prstGeom>
-          <a:solidFill>
-            <a:srgbClr val="6AA84F"/>
-          </a:solidFill>
-          <a:ln w="9525" cap="flat" cmpd="sng">
-            <a:solidFill>
-              <a:srgbClr val="595959"/>
-            </a:solidFill>
-            <a:prstDash val="solid"/>
-            <a:round/>
-            <a:headEnd type="none" w="sm" len="sm"/>
-            <a:tailEnd type="none" w="sm" len="sm"/>
-          </a:ln>
-        </p:spPr>
-        <p:txBody>
-          <a:bodyPr spcFirstLastPara="1" wrap="square" lIns="91425" tIns="91425" rIns="91425" bIns="91425" anchor="ctr" anchorCtr="0">
-            <a:noAutofit/>
-          </a:bodyPr>
-          <a:lstStyle/>
-          <a:p>
-            <a:pPr marL="0" marR="0" lvl="0" indent="0" algn="ctr" rtl="0">
-              <a:lnSpc>
-                <a:spcPct val="100000"/>
-              </a:lnSpc>
-              <a:spcBef>
-                <a:spcPts val="0"/>
-              </a:spcBef>
-              <a:spcAft>
-                <a:spcPts val="0"/>
-              </a:spcAft>
-              <a:buClr>
-                <a:srgbClr val="000000"/>
-              </a:buClr>
-              <a:buSzPts val="1400"/>
-              <a:buFont typeface="Arial"/>
-              <a:buNone/>
-            </a:pPr>
-            <a:endParaRPr sz="1400" b="0" i="0" u="none" strike="noStrike" cap="none">
-              <a:solidFill>
-                <a:srgbClr val="000000"/>
-              </a:solidFill>
-              <a:latin typeface="Arial"/>
-              <a:ea typeface="Arial"/>
-              <a:cs typeface="Arial"/>
-              <a:sym typeface="Arial"/>
-            </a:endParaRPr>
-          </a:p>
-        </p:txBody>
-      </p:sp>
-      <p:sp>
-        <p:nvSpPr>
-          <p:cNvPr id="140" name="Google Shape;140;p16"/>
+          <p:cNvPr id="133" name="Google Shape;133;p16"/>
           <p:cNvSpPr txBox="1"/>
           <p:nvPr/>
         </p:nvSpPr>
@@ -30084,7 +29653,7 @@
                 <a:cs typeface="Calibri"/>
                 <a:sym typeface="Calibri"/>
               </a:rPr>
-              <a:t>Data for November 5</a:t>
+              <a:t>Data for November 9</a:t>
             </a:r>
             <a:endParaRPr sz="1000">
               <a:solidFill>
@@ -30098,14 +29667,278 @@
           </a:p>
         </p:txBody>
       </p:sp>
+      <p:sp>
+        <p:nvSpPr>
+          <p:cNvPr id="134" name="Google Shape;134;p16"/>
+          <p:cNvSpPr/>
+          <p:nvPr/>
+        </p:nvSpPr>
+        <p:spPr>
+          <a:xfrm>
+            <a:off x="3759407" y="3131057"/>
+            <a:ext cx="125400" cy="125400"/>
+          </a:xfrm>
+          <a:prstGeom prst="ellipse">
+            <a:avLst/>
+          </a:prstGeom>
+          <a:solidFill>
+            <a:srgbClr val="FFFF00"/>
+          </a:solidFill>
+          <a:ln w="9525" cap="flat" cmpd="sng">
+            <a:solidFill>
+              <a:srgbClr val="595959"/>
+            </a:solidFill>
+            <a:prstDash val="solid"/>
+            <a:round/>
+            <a:headEnd type="none" w="sm" len="sm"/>
+            <a:tailEnd type="none" w="sm" len="sm"/>
+          </a:ln>
+        </p:spPr>
+        <p:txBody>
+          <a:bodyPr spcFirstLastPara="1" wrap="square" lIns="91425" tIns="91425" rIns="91425" bIns="91425" anchor="ctr" anchorCtr="0">
+            <a:noAutofit/>
+          </a:bodyPr>
+          <a:lstStyle/>
+          <a:p>
+            <a:pPr marL="0" marR="0" lvl="0" indent="0" algn="ctr" rtl="0">
+              <a:lnSpc>
+                <a:spcPct val="100000"/>
+              </a:lnSpc>
+              <a:spcBef>
+                <a:spcPts val="0"/>
+              </a:spcBef>
+              <a:spcAft>
+                <a:spcPts val="0"/>
+              </a:spcAft>
+              <a:buClr>
+                <a:srgbClr val="000000"/>
+              </a:buClr>
+              <a:buSzPts val="1400"/>
+              <a:buFont typeface="Arial"/>
+              <a:buNone/>
+            </a:pPr>
+            <a:endParaRPr sz="1400" b="0" i="0" u="none" strike="noStrike" cap="none">
+              <a:solidFill>
+                <a:srgbClr val="000000"/>
+              </a:solidFill>
+              <a:latin typeface="Arial"/>
+              <a:ea typeface="Arial"/>
+              <a:cs typeface="Arial"/>
+              <a:sym typeface="Arial"/>
+            </a:endParaRPr>
+          </a:p>
+        </p:txBody>
+      </p:sp>
+      <p:sp>
+        <p:nvSpPr>
+          <p:cNvPr id="135" name="Google Shape;135;p16"/>
+          <p:cNvSpPr txBox="1"/>
+          <p:nvPr/>
+        </p:nvSpPr>
+        <p:spPr>
+          <a:xfrm>
+            <a:off x="3448497" y="2919701"/>
+            <a:ext cx="288900" cy="141600"/>
+          </a:xfrm>
+          <a:prstGeom prst="rect">
+            <a:avLst/>
+          </a:prstGeom>
+          <a:noFill/>
+          <a:ln w="9525" cap="flat" cmpd="sng">
+            <a:solidFill>
+              <a:srgbClr val="FF0000"/>
+            </a:solidFill>
+            <a:prstDash val="solid"/>
+            <a:round/>
+            <a:headEnd type="none" w="sm" len="sm"/>
+            <a:tailEnd type="none" w="sm" len="sm"/>
+          </a:ln>
+        </p:spPr>
+        <p:txBody>
+          <a:bodyPr spcFirstLastPara="1" wrap="square" lIns="9125" tIns="9125" rIns="9125" bIns="9125" anchor="t" anchorCtr="0">
+            <a:spAutoFit/>
+          </a:bodyPr>
+          <a:lstStyle/>
+          <a:p>
+            <a:pPr marL="0" marR="0" lvl="0" indent="0" algn="l" rtl="0">
+              <a:lnSpc>
+                <a:spcPct val="100000"/>
+              </a:lnSpc>
+              <a:spcBef>
+                <a:spcPts val="0"/>
+              </a:spcBef>
+              <a:spcAft>
+                <a:spcPts val="0"/>
+              </a:spcAft>
+              <a:buClr>
+                <a:srgbClr val="000000"/>
+              </a:buClr>
+              <a:buSzPts val="1100"/>
+              <a:buFont typeface="Arial"/>
+              <a:buNone/>
+            </a:pPr>
+            <a:r>
+              <a:rPr lang="en" sz="800" b="0" i="0" u="none" strike="noStrike" cap="none">
+                <a:solidFill>
+                  <a:srgbClr val="1F2937"/>
+                </a:solidFill>
+                <a:highlight>
+                  <a:srgbClr val="FFFFFF"/>
+                </a:highlight>
+                <a:latin typeface="Calibri"/>
+                <a:ea typeface="Calibri"/>
+                <a:cs typeface="Calibri"/>
+                <a:sym typeface="Calibri"/>
+              </a:rPr>
+              <a:t>China</a:t>
+            </a:r>
+            <a:endParaRPr sz="800" b="0" i="0" u="none" strike="noStrike" cap="none">
+              <a:solidFill>
+                <a:srgbClr val="1F2937"/>
+              </a:solidFill>
+              <a:highlight>
+                <a:srgbClr val="FFFFFF"/>
+              </a:highlight>
+              <a:latin typeface="Calibri"/>
+              <a:ea typeface="Calibri"/>
+              <a:cs typeface="Calibri"/>
+              <a:sym typeface="Calibri"/>
+            </a:endParaRPr>
+          </a:p>
+        </p:txBody>
+      </p:sp>
+      <p:sp>
+        <p:nvSpPr>
+          <p:cNvPr id="136" name="Google Shape;136;p16"/>
+          <p:cNvSpPr/>
+          <p:nvPr/>
+        </p:nvSpPr>
+        <p:spPr>
+          <a:xfrm>
+            <a:off x="3748954" y="2930990"/>
+            <a:ext cx="125400" cy="125400"/>
+          </a:xfrm>
+          <a:prstGeom prst="ellipse">
+            <a:avLst/>
+          </a:prstGeom>
+          <a:solidFill>
+            <a:srgbClr val="6AA84F"/>
+          </a:solidFill>
+          <a:ln w="9525" cap="flat" cmpd="sng">
+            <a:solidFill>
+              <a:srgbClr val="595959"/>
+            </a:solidFill>
+            <a:prstDash val="solid"/>
+            <a:round/>
+            <a:headEnd type="none" w="sm" len="sm"/>
+            <a:tailEnd type="none" w="sm" len="sm"/>
+          </a:ln>
+        </p:spPr>
+        <p:txBody>
+          <a:bodyPr spcFirstLastPara="1" wrap="square" lIns="91425" tIns="91425" rIns="91425" bIns="91425" anchor="ctr" anchorCtr="0">
+            <a:noAutofit/>
+          </a:bodyPr>
+          <a:lstStyle/>
+          <a:p>
+            <a:pPr marL="0" marR="0" lvl="0" indent="0" algn="ctr" rtl="0">
+              <a:lnSpc>
+                <a:spcPct val="100000"/>
+              </a:lnSpc>
+              <a:spcBef>
+                <a:spcPts val="0"/>
+              </a:spcBef>
+              <a:spcAft>
+                <a:spcPts val="0"/>
+              </a:spcAft>
+              <a:buClr>
+                <a:srgbClr val="000000"/>
+              </a:buClr>
+              <a:buSzPts val="1400"/>
+              <a:buFont typeface="Arial"/>
+              <a:buNone/>
+            </a:pPr>
+            <a:endParaRPr sz="1400" b="0" i="0" u="none" strike="noStrike" cap="none">
+              <a:solidFill>
+                <a:srgbClr val="000000"/>
+              </a:solidFill>
+              <a:latin typeface="Arial"/>
+              <a:ea typeface="Arial"/>
+              <a:cs typeface="Arial"/>
+              <a:sym typeface="Arial"/>
+            </a:endParaRPr>
+          </a:p>
+        </p:txBody>
+      </p:sp>
+      <p:sp>
+        <p:nvSpPr>
+          <p:cNvPr id="137" name="Google Shape;137;p16"/>
+          <p:cNvSpPr/>
+          <p:nvPr/>
+        </p:nvSpPr>
+        <p:spPr>
+          <a:xfrm>
+            <a:off x="3749702" y="4925370"/>
+            <a:ext cx="125400" cy="125400"/>
+          </a:xfrm>
+          <a:prstGeom prst="ellipse">
+            <a:avLst/>
+          </a:prstGeom>
+          <a:solidFill>
+            <a:srgbClr val="FFFF00"/>
+          </a:solidFill>
+          <a:ln w="9525" cap="flat" cmpd="sng">
+            <a:solidFill>
+              <a:srgbClr val="595959"/>
+            </a:solidFill>
+            <a:prstDash val="solid"/>
+            <a:round/>
+            <a:headEnd type="none" w="sm" len="sm"/>
+            <a:tailEnd type="none" w="sm" len="sm"/>
+          </a:ln>
+        </p:spPr>
+        <p:txBody>
+          <a:bodyPr spcFirstLastPara="1" wrap="square" lIns="91425" tIns="91425" rIns="91425" bIns="91425" anchor="ctr" anchorCtr="0">
+            <a:noAutofit/>
+          </a:bodyPr>
+          <a:lstStyle/>
+          <a:p>
+            <a:pPr marL="0" marR="0" lvl="0" indent="0" algn="ctr" rtl="0">
+              <a:lnSpc>
+                <a:spcPct val="100000"/>
+              </a:lnSpc>
+              <a:spcBef>
+                <a:spcPts val="0"/>
+              </a:spcBef>
+              <a:spcAft>
+                <a:spcPts val="0"/>
+              </a:spcAft>
+              <a:buClr>
+                <a:srgbClr val="000000"/>
+              </a:buClr>
+              <a:buSzPts val="1400"/>
+              <a:buFont typeface="Arial"/>
+              <a:buNone/>
+            </a:pPr>
+            <a:endParaRPr sz="1400" b="0" i="0" u="none" strike="noStrike" cap="none">
+              <a:solidFill>
+                <a:srgbClr val="000000"/>
+              </a:solidFill>
+              <a:latin typeface="Arial"/>
+              <a:ea typeface="Arial"/>
+              <a:cs typeface="Arial"/>
+              <a:sym typeface="Arial"/>
+            </a:endParaRPr>
+          </a:p>
+        </p:txBody>
+      </p:sp>
       <p:graphicFrame>
         <p:nvGraphicFramePr>
-          <p:cNvPr id="141" name="Google Shape;141;p16"/>
+          <p:cNvPr id="138" name="Google Shape;138;p16"/>
           <p:cNvGraphicFramePr/>
           <p:nvPr/>
         </p:nvGraphicFramePr>
         <p:xfrm>
-          <a:off x="731370" y="550745"/>
+          <a:off x="739489" y="556318"/>
           <a:ext cx="3000000" cy="3000000"/>
         </p:xfrm>
         <a:graphic>
@@ -30113,7 +29946,7 @@
             <a:tbl>
               <a:tblPr>
                 <a:noFill/>
-                <a:tableStyleId>{7B9B5A43-BCD1-46C5-A69A-043282906BB4}</a:tableStyleId>
+                <a:tableStyleId>{BBA01CF2-6966-4529-83C5-4C20ACC215FD}</a:tableStyleId>
               </a:tblPr>
               <a:tblGrid>
                 <a:gridCol w="1828800">
@@ -30131,7 +29964,7 @@
                   </a:extLst>
                 </a:gridCol>
               </a:tblGrid>
-              <a:tr h="136275">
+              <a:tr h="156025">
                 <a:tc>
                   <a:txBody>
                     <a:bodyPr/>
@@ -30290,7 +30123,7 @@
                   </a:ext>
                 </a:extLst>
               </a:tr>
-              <a:tr h="136275">
+              <a:tr h="156025">
                 <a:tc>
                   <a:txBody>
                     <a:bodyPr/>
@@ -30468,7 +30301,7 @@
                   </a:ext>
                 </a:extLst>
               </a:tr>
-              <a:tr h="136275">
+              <a:tr h="156025">
                 <a:tc>
                   <a:txBody>
                     <a:bodyPr/>
@@ -30496,6 +30329,184 @@
                           <a:cs typeface="Calibri"/>
                           <a:sym typeface="Calibri"/>
                           <a:hlinkClick r:id="rId18">
+                            <a:extLst>
+                              <a:ext uri="{A12FA001-AC4F-418D-AE19-62706E023703}">
+                                <ahyp:hlinkClr xmlns:ahyp="http://schemas.microsoft.com/office/drawing/2018/hyperlinkcolor" val="tx"/>
+                              </a:ext>
+                            </a:extLst>
+                          </a:hlinkClick>
+                        </a:rPr>
+                        <a:t>claude-sonnet-4-5-20250929-thinking-32k</a:t>
+                      </a:r>
+                      <a:endParaRPr sz="800" u="sng">
+                        <a:solidFill>
+                          <a:srgbClr val="1155CC"/>
+                        </a:solidFill>
+                        <a:latin typeface="Calibri"/>
+                        <a:ea typeface="Calibri"/>
+                        <a:cs typeface="Calibri"/>
+                        <a:sym typeface="Calibri"/>
+                      </a:endParaRPr>
+                    </a:p>
+                  </a:txBody>
+                  <a:tcPr marL="28575" marR="28575" marT="19050" marB="19050" anchor="b">
+                    <a:lnL w="9525" cap="flat" cmpd="sng">
+                      <a:solidFill>
+                        <a:srgbClr val="FF0000"/>
+                      </a:solidFill>
+                      <a:prstDash val="solid"/>
+                      <a:round/>
+                      <a:headEnd type="none" w="sm" len="sm"/>
+                      <a:tailEnd type="none" w="sm" len="sm"/>
+                    </a:lnL>
+                    <a:lnR w="9525" cap="flat" cmpd="sng">
+                      <a:solidFill>
+                        <a:srgbClr val="FF0000"/>
+                      </a:solidFill>
+                      <a:prstDash val="solid"/>
+                      <a:round/>
+                      <a:headEnd type="none" w="sm" len="sm"/>
+                      <a:tailEnd type="none" w="sm" len="sm"/>
+                    </a:lnR>
+                    <a:lnT w="9525" cap="flat" cmpd="sng">
+                      <a:solidFill>
+                        <a:srgbClr val="FF0000"/>
+                      </a:solidFill>
+                      <a:prstDash val="solid"/>
+                      <a:round/>
+                      <a:headEnd type="none" w="sm" len="sm"/>
+                      <a:tailEnd type="none" w="sm" len="sm"/>
+                    </a:lnT>
+                    <a:lnB w="9525" cap="flat" cmpd="sng">
+                      <a:solidFill>
+                        <a:srgbClr val="FF0000"/>
+                      </a:solidFill>
+                      <a:prstDash val="solid"/>
+                      <a:round/>
+                      <a:headEnd type="none" w="sm" len="sm"/>
+                      <a:tailEnd type="none" w="sm" len="sm"/>
+                    </a:lnB>
+                    <a:solidFill>
+                      <a:srgbClr val="FFFFFF"/>
+                    </a:solidFill>
+                  </a:tcPr>
+                </a:tc>
+                <a:tc>
+                  <a:txBody>
+                    <a:bodyPr/>
+                    <a:lstStyle/>
+                    <a:p>
+                      <a:pPr marL="0" lvl="0" indent="0" algn="r" rtl="0">
+                        <a:lnSpc>
+                          <a:spcPct val="115000"/>
+                        </a:lnSpc>
+                        <a:spcBef>
+                          <a:spcPts val="0"/>
+                        </a:spcBef>
+                        <a:spcAft>
+                          <a:spcPts val="0"/>
+                        </a:spcAft>
+                        <a:buNone/>
+                      </a:pPr>
+                      <a:r>
+                        <a:rPr lang="en" sz="800">
+                          <a:solidFill>
+                            <a:srgbClr val="636879"/>
+                          </a:solidFill>
+                          <a:latin typeface="Calibri"/>
+                          <a:ea typeface="Calibri"/>
+                          <a:cs typeface="Calibri"/>
+                          <a:sym typeface="Calibri"/>
+                        </a:rPr>
+                        <a:t>1449</a:t>
+                      </a:r>
+                      <a:endParaRPr sz="800">
+                        <a:solidFill>
+                          <a:srgbClr val="636879"/>
+                        </a:solidFill>
+                        <a:latin typeface="Calibri"/>
+                        <a:ea typeface="Calibri"/>
+                        <a:cs typeface="Calibri"/>
+                        <a:sym typeface="Calibri"/>
+                      </a:endParaRPr>
+                    </a:p>
+                  </a:txBody>
+                  <a:tcPr marL="28575" marR="28575" marT="19050" marB="19050" anchor="b">
+                    <a:lnL w="9525" cap="flat" cmpd="sng">
+                      <a:solidFill>
+                        <a:srgbClr val="FF0000"/>
+                      </a:solidFill>
+                      <a:prstDash val="solid"/>
+                      <a:round/>
+                      <a:headEnd type="none" w="sm" len="sm"/>
+                      <a:tailEnd type="none" w="sm" len="sm"/>
+                    </a:lnL>
+                    <a:lnR w="9525" cap="flat" cmpd="sng">
+                      <a:solidFill>
+                        <a:srgbClr val="FF0000"/>
+                      </a:solidFill>
+                      <a:prstDash val="solid"/>
+                      <a:round/>
+                      <a:headEnd type="none" w="sm" len="sm"/>
+                      <a:tailEnd type="none" w="sm" len="sm"/>
+                    </a:lnR>
+                    <a:lnT w="9525" cap="flat" cmpd="sng">
+                      <a:solidFill>
+                        <a:srgbClr val="FF0000"/>
+                      </a:solidFill>
+                      <a:prstDash val="solid"/>
+                      <a:round/>
+                      <a:headEnd type="none" w="sm" len="sm"/>
+                      <a:tailEnd type="none" w="sm" len="sm"/>
+                    </a:lnT>
+                    <a:lnB w="9525" cap="flat" cmpd="sng">
+                      <a:solidFill>
+                        <a:srgbClr val="FF0000"/>
+                      </a:solidFill>
+                      <a:prstDash val="solid"/>
+                      <a:round/>
+                      <a:headEnd type="none" w="sm" len="sm"/>
+                      <a:tailEnd type="none" w="sm" len="sm"/>
+                    </a:lnB>
+                    <a:solidFill>
+                      <a:srgbClr val="FFFFFF"/>
+                    </a:solidFill>
+                  </a:tcPr>
+                </a:tc>
+                <a:extLst>
+                  <a:ext uri="{0D108BD9-81ED-4DB2-BD59-A6C34878D82A}">
+                    <a16:rowId xmlns:a16="http://schemas.microsoft.com/office/drawing/2014/main" val="10002"/>
+                  </a:ext>
+                </a:extLst>
+              </a:tr>
+              <a:tr h="156025">
+                <a:tc>
+                  <a:txBody>
+                    <a:bodyPr/>
+                    <a:lstStyle/>
+                    <a:p>
+                      <a:pPr marL="0" lvl="0" indent="0" algn="l" rtl="0">
+                        <a:lnSpc>
+                          <a:spcPct val="115000"/>
+                        </a:lnSpc>
+                        <a:spcBef>
+                          <a:spcPts val="0"/>
+                        </a:spcBef>
+                        <a:spcAft>
+                          <a:spcPts val="0"/>
+                        </a:spcAft>
+                        <a:buNone/>
+                      </a:pPr>
+                      <a:r>
+                        <a:rPr lang="en" sz="800" u="sng">
+                          <a:solidFill>
+                            <a:srgbClr val="1155CC"/>
+                          </a:solidFill>
+                          <a:latin typeface="Calibri"/>
+                          <a:ea typeface="Calibri"/>
+                          <a:cs typeface="Calibri"/>
+                          <a:sym typeface="Calibri"/>
+                          <a:hlinkClick r:id="rId19">
                             <a:extLst>
                               <a:ext uri="{A12FA001-AC4F-418D-AE19-62706E023703}">
                                 <ahyp:hlinkClr xmlns:ahyp="http://schemas.microsoft.com/office/drawing/2018/hyperlinkcolor" val="tx"/>
@@ -30642,11 +30653,11 @@
                 </a:tc>
                 <a:extLst>
                   <a:ext uri="{0D108BD9-81ED-4DB2-BD59-A6C34878D82A}">
-                    <a16:rowId xmlns:a16="http://schemas.microsoft.com/office/drawing/2014/main" val="10002"/>
+                    <a16:rowId xmlns:a16="http://schemas.microsoft.com/office/drawing/2014/main" val="10003"/>
                   </a:ext>
                 </a:extLst>
               </a:tr>
-              <a:tr h="136275">
+              <a:tr h="156025">
                 <a:tc>
                   <a:txBody>
                     <a:bodyPr/>
@@ -30673,7 +30684,7 @@
                           <a:ea typeface="Calibri"/>
                           <a:cs typeface="Calibri"/>
                           <a:sym typeface="Calibri"/>
-                          <a:hlinkClick r:id="rId19">
+                          <a:hlinkClick r:id="rId18">
                             <a:extLst>
                               <a:ext uri="{A12FA001-AC4F-418D-AE19-62706E023703}">
                                 <ahyp:hlinkClr xmlns:ahyp="http://schemas.microsoft.com/office/drawing/2018/hyperlinkcolor" val="tx"/>
@@ -30681,7 +30692,7 @@
                             </a:extLst>
                           </a:hlinkClick>
                         </a:rPr>
-                        <a:t>claude-sonnet-4-5-20250929-thinking-32k</a:t>
+                        <a:t>claude-sonnet-4-5-20250929</a:t>
                       </a:r>
                       <a:endParaRPr sz="800" u="sng">
                         <a:solidFill>
@@ -30763,7 +30774,7 @@
                           <a:cs typeface="Calibri"/>
                           <a:sym typeface="Calibri"/>
                         </a:rPr>
-                        <a:t>1448</a:t>
+                        <a:t>1444</a:t>
                       </a:r>
                       <a:endParaRPr sz="800">
                         <a:solidFill>
@@ -30820,11 +30831,11 @@
                 </a:tc>
                 <a:extLst>
                   <a:ext uri="{0D108BD9-81ED-4DB2-BD59-A6C34878D82A}">
-                    <a16:rowId xmlns:a16="http://schemas.microsoft.com/office/drawing/2014/main" val="10003"/>
+                    <a16:rowId xmlns:a16="http://schemas.microsoft.com/office/drawing/2014/main" val="10004"/>
                   </a:ext>
                 </a:extLst>
               </a:tr>
-              <a:tr h="136275">
+              <a:tr h="156025">
                 <a:tc>
                   <a:txBody>
                     <a:bodyPr/>
@@ -30998,11 +31009,11 @@
                 </a:tc>
                 <a:extLst>
                   <a:ext uri="{0D108BD9-81ED-4DB2-BD59-A6C34878D82A}">
-                    <a16:rowId xmlns:a16="http://schemas.microsoft.com/office/drawing/2014/main" val="10004"/>
+                    <a16:rowId xmlns:a16="http://schemas.microsoft.com/office/drawing/2014/main" val="10005"/>
                   </a:ext>
                 </a:extLst>
               </a:tr>
-              <a:tr h="136275">
+              <a:tr h="156025">
                 <a:tc>
                   <a:txBody>
                     <a:bodyPr/>
@@ -31029,7 +31040,7 @@
                           <a:ea typeface="Calibri"/>
                           <a:cs typeface="Calibri"/>
                           <a:sym typeface="Calibri"/>
-                          <a:hlinkClick r:id="rId18">
+                          <a:hlinkClick r:id="rId19">
                             <a:extLst>
                               <a:ext uri="{A12FA001-AC4F-418D-AE19-62706E023703}">
                                 <ahyp:hlinkClr xmlns:ahyp="http://schemas.microsoft.com/office/drawing/2018/hyperlinkcolor" val="tx"/>
@@ -31176,11 +31187,11 @@
                 </a:tc>
                 <a:extLst>
                   <a:ext uri="{0D108BD9-81ED-4DB2-BD59-A6C34878D82A}">
-                    <a16:rowId xmlns:a16="http://schemas.microsoft.com/office/drawing/2014/main" val="10005"/>
+                    <a16:rowId xmlns:a16="http://schemas.microsoft.com/office/drawing/2014/main" val="10006"/>
                   </a:ext>
                 </a:extLst>
               </a:tr>
-              <a:tr h="136275">
+              <a:tr h="156025">
                 <a:tc>
                   <a:txBody>
                     <a:bodyPr/>
@@ -31354,11 +31365,11 @@
                 </a:tc>
                 <a:extLst>
                   <a:ext uri="{0D108BD9-81ED-4DB2-BD59-A6C34878D82A}">
-                    <a16:rowId xmlns:a16="http://schemas.microsoft.com/office/drawing/2014/main" val="10006"/>
+                    <a16:rowId xmlns:a16="http://schemas.microsoft.com/office/drawing/2014/main" val="10007"/>
                   </a:ext>
                 </a:extLst>
               </a:tr>
-              <a:tr h="136275">
+              <a:tr h="156025">
                 <a:tc>
                   <a:txBody>
                     <a:bodyPr/>
@@ -31532,189 +31543,11 @@
                 </a:tc>
                 <a:extLst>
                   <a:ext uri="{0D108BD9-81ED-4DB2-BD59-A6C34878D82A}">
-                    <a16:rowId xmlns:a16="http://schemas.microsoft.com/office/drawing/2014/main" val="10007"/>
-                  </a:ext>
-                </a:extLst>
-              </a:tr>
-              <a:tr h="136275">
-                <a:tc>
-                  <a:txBody>
-                    <a:bodyPr/>
-                    <a:lstStyle/>
-                    <a:p>
-                      <a:pPr marL="0" lvl="0" indent="0" algn="l" rtl="0">
-                        <a:lnSpc>
-                          <a:spcPct val="115000"/>
-                        </a:lnSpc>
-                        <a:spcBef>
-                          <a:spcPts val="0"/>
-                        </a:spcBef>
-                        <a:spcAft>
-                          <a:spcPts val="0"/>
-                        </a:spcAft>
-                        <a:buNone/>
-                      </a:pPr>
-                      <a:r>
-                        <a:rPr lang="en" sz="800" u="sng">
-                          <a:solidFill>
-                            <a:srgbClr val="1155CC"/>
-                          </a:solidFill>
-                          <a:latin typeface="Calibri"/>
-                          <a:ea typeface="Calibri"/>
-                          <a:cs typeface="Calibri"/>
-                          <a:sym typeface="Calibri"/>
-                          <a:hlinkClick r:id="rId19">
-                            <a:extLst>
-                              <a:ext uri="{A12FA001-AC4F-418D-AE19-62706E023703}">
-                                <ahyp:hlinkClr xmlns:ahyp="http://schemas.microsoft.com/office/drawing/2018/hyperlinkcolor" val="tx"/>
-                              </a:ext>
-                            </a:extLst>
-                          </a:hlinkClick>
-                        </a:rPr>
-                        <a:t>claude-sonnet-4-5-20250929</a:t>
-                      </a:r>
-                      <a:endParaRPr sz="800" u="sng">
-                        <a:solidFill>
-                          <a:srgbClr val="1155CC"/>
-                        </a:solidFill>
-                        <a:latin typeface="Calibri"/>
-                        <a:ea typeface="Calibri"/>
-                        <a:cs typeface="Calibri"/>
-                        <a:sym typeface="Calibri"/>
-                      </a:endParaRPr>
-                    </a:p>
-                  </a:txBody>
-                  <a:tcPr marL="28575" marR="28575" marT="19050" marB="19050" anchor="b">
-                    <a:lnL w="9525" cap="flat" cmpd="sng">
-                      <a:solidFill>
-                        <a:srgbClr val="FF0000"/>
-                      </a:solidFill>
-                      <a:prstDash val="solid"/>
-                      <a:round/>
-                      <a:headEnd type="none" w="sm" len="sm"/>
-                      <a:tailEnd type="none" w="sm" len="sm"/>
-                    </a:lnL>
-                    <a:lnR w="9525" cap="flat" cmpd="sng">
-                      <a:solidFill>
-                        <a:srgbClr val="FF0000"/>
-                      </a:solidFill>
-                      <a:prstDash val="solid"/>
-                      <a:round/>
-                      <a:headEnd type="none" w="sm" len="sm"/>
-                      <a:tailEnd type="none" w="sm" len="sm"/>
-                    </a:lnR>
-                    <a:lnT w="9525" cap="flat" cmpd="sng">
-                      <a:solidFill>
-                        <a:srgbClr val="FF0000"/>
-                      </a:solidFill>
-                      <a:prstDash val="solid"/>
-                      <a:round/>
-                      <a:headEnd type="none" w="sm" len="sm"/>
-                      <a:tailEnd type="none" w="sm" len="sm"/>
-                    </a:lnT>
-                    <a:lnB w="9525" cap="flat" cmpd="sng">
-                      <a:solidFill>
-                        <a:srgbClr val="FF0000"/>
-                      </a:solidFill>
-                      <a:prstDash val="solid"/>
-                      <a:round/>
-                      <a:headEnd type="none" w="sm" len="sm"/>
-                      <a:tailEnd type="none" w="sm" len="sm"/>
-                    </a:lnB>
-                    <a:solidFill>
-                      <a:srgbClr val="FFFFFF"/>
-                    </a:solidFill>
-                  </a:tcPr>
-                </a:tc>
-                <a:tc>
-                  <a:txBody>
-                    <a:bodyPr/>
-                    <a:lstStyle/>
-                    <a:p>
-                      <a:pPr marL="0" lvl="0" indent="0" algn="r" rtl="0">
-                        <a:lnSpc>
-                          <a:spcPct val="115000"/>
-                        </a:lnSpc>
-                        <a:spcBef>
-                          <a:spcPts val="0"/>
-                        </a:spcBef>
-                        <a:spcAft>
-                          <a:spcPts val="0"/>
-                        </a:spcAft>
-                        <a:buNone/>
-                      </a:pPr>
-                      <a:r>
-                        <a:rPr lang="en" sz="800">
-                          <a:solidFill>
-                            <a:srgbClr val="636879"/>
-                          </a:solidFill>
-                          <a:latin typeface="Calibri"/>
-                          <a:ea typeface="Calibri"/>
-                          <a:cs typeface="Calibri"/>
-                          <a:sym typeface="Calibri"/>
-                        </a:rPr>
-                        <a:t>1436</a:t>
-                      </a:r>
-                      <a:endParaRPr sz="800">
-                        <a:solidFill>
-                          <a:srgbClr val="636879"/>
-                        </a:solidFill>
-                        <a:latin typeface="Calibri"/>
-                        <a:ea typeface="Calibri"/>
-                        <a:cs typeface="Calibri"/>
-                        <a:sym typeface="Calibri"/>
-                      </a:endParaRPr>
-                    </a:p>
-                  </a:txBody>
-                  <a:tcPr marL="28575" marR="28575" marT="19050" marB="19050" anchor="b">
-                    <a:lnL w="9525" cap="flat" cmpd="sng">
-                      <a:solidFill>
-                        <a:srgbClr val="FF0000"/>
-                      </a:solidFill>
-                      <a:prstDash val="solid"/>
-                      <a:round/>
-                      <a:headEnd type="none" w="sm" len="sm"/>
-                      <a:tailEnd type="none" w="sm" len="sm"/>
-                    </a:lnL>
-                    <a:lnR w="9525" cap="flat" cmpd="sng">
-                      <a:solidFill>
-                        <a:srgbClr val="FF0000"/>
-                      </a:solidFill>
-                      <a:prstDash val="solid"/>
-                      <a:round/>
-                      <a:headEnd type="none" w="sm" len="sm"/>
-                      <a:tailEnd type="none" w="sm" len="sm"/>
-                    </a:lnR>
-                    <a:lnT w="9525" cap="flat" cmpd="sng">
-                      <a:solidFill>
-                        <a:srgbClr val="FF0000"/>
-                      </a:solidFill>
-                      <a:prstDash val="solid"/>
-                      <a:round/>
-                      <a:headEnd type="none" w="sm" len="sm"/>
-                      <a:tailEnd type="none" w="sm" len="sm"/>
-                    </a:lnT>
-                    <a:lnB w="9525" cap="flat" cmpd="sng">
-                      <a:solidFill>
-                        <a:srgbClr val="FF0000"/>
-                      </a:solidFill>
-                      <a:prstDash val="solid"/>
-                      <a:round/>
-                      <a:headEnd type="none" w="sm" len="sm"/>
-                      <a:tailEnd type="none" w="sm" len="sm"/>
-                    </a:lnB>
-                    <a:solidFill>
-                      <a:srgbClr val="FFFFFF"/>
-                    </a:solidFill>
-                  </a:tcPr>
-                </a:tc>
-                <a:extLst>
-                  <a:ext uri="{0D108BD9-81ED-4DB2-BD59-A6C34878D82A}">
                     <a16:rowId xmlns:a16="http://schemas.microsoft.com/office/drawing/2014/main" val="10008"/>
                   </a:ext>
                 </a:extLst>
               </a:tr>
-              <a:tr h="136275">
+              <a:tr h="156025">
                 <a:tc>
                   <a:txBody>
                     <a:bodyPr/>
@@ -31831,7 +31664,7 @@
                           <a:cs typeface="Calibri"/>
                           <a:sym typeface="Calibri"/>
                         </a:rPr>
-                        <a:t>1435</a:t>
+                        <a:t>1434</a:t>
                       </a:r>
                       <a:endParaRPr sz="800">
                         <a:solidFill>
@@ -31892,7 +31725,7 @@
                   </a:ext>
                 </a:extLst>
               </a:tr>
-              <a:tr h="136275">
+              <a:tr h="156025">
                 <a:tc>
                   <a:txBody>
                     <a:bodyPr/>
@@ -32009,7 +31842,7 @@
                           <a:cs typeface="Calibri"/>
                           <a:sym typeface="Calibri"/>
                         </a:rPr>
-                        <a:t>1433</a:t>
+                        <a:t>1432</a:t>
                       </a:r>
                       <a:endParaRPr sz="800">
                         <a:solidFill>
@@ -32070,7 +31903,7 @@
                   </a:ext>
                 </a:extLst>
               </a:tr>
-              <a:tr h="136275">
+              <a:tr h="156025">
                 <a:tc>
                   <a:txBody>
                     <a:bodyPr/>
@@ -32248,7 +32081,7 @@
                   </a:ext>
                 </a:extLst>
               </a:tr>
-              <a:tr h="136275">
+              <a:tr h="156025">
                 <a:tc>
                   <a:txBody>
                     <a:bodyPr/>
@@ -32365,7 +32198,7 @@
                           <a:cs typeface="Calibri"/>
                           <a:sym typeface="Calibri"/>
                         </a:rPr>
-                        <a:t>1425</a:t>
+                        <a:t>1424</a:t>
                       </a:r>
                       <a:endParaRPr sz="800">
                         <a:solidFill>
@@ -32426,7 +32259,7 @@
                   </a:ext>
                 </a:extLst>
               </a:tr>
-              <a:tr h="136275">
+              <a:tr h="156025">
                 <a:tc>
                   <a:txBody>
                     <a:bodyPr/>
@@ -32604,7 +32437,7 @@
                   </a:ext>
                 </a:extLst>
               </a:tr>
-              <a:tr h="136275">
+              <a:tr h="156025">
                 <a:tc>
                   <a:txBody>
                     <a:bodyPr/>
@@ -32782,7 +32615,7 @@
                   </a:ext>
                 </a:extLst>
               </a:tr>
-              <a:tr h="136275">
+              <a:tr h="156025">
                 <a:tc>
                   <a:txBody>
                     <a:bodyPr/>
@@ -32810,6 +32643,362 @@
                           <a:cs typeface="Calibri"/>
                           <a:sym typeface="Calibri"/>
                           <a:hlinkClick r:id="rId29">
+                            <a:extLst>
+                              <a:ext uri="{A12FA001-AC4F-418D-AE19-62706E023703}">
+                                <ahyp:hlinkClr xmlns:ahyp="http://schemas.microsoft.com/office/drawing/2018/hyperlinkcolor" val="tx"/>
+                              </a:ext>
+                            </a:extLst>
+                          </a:hlinkClick>
+                        </a:rPr>
+                        <a:t>kimi-k2-thinking</a:t>
+                      </a:r>
+                      <a:endParaRPr sz="800" u="sng">
+                        <a:solidFill>
+                          <a:srgbClr val="1155CC"/>
+                        </a:solidFill>
+                        <a:latin typeface="Calibri"/>
+                        <a:ea typeface="Calibri"/>
+                        <a:cs typeface="Calibri"/>
+                        <a:sym typeface="Calibri"/>
+                      </a:endParaRPr>
+                    </a:p>
+                  </a:txBody>
+                  <a:tcPr marL="28575" marR="28575" marT="19050" marB="19050" anchor="b">
+                    <a:lnL w="9525" cap="flat" cmpd="sng">
+                      <a:solidFill>
+                        <a:srgbClr val="FF0000"/>
+                      </a:solidFill>
+                      <a:prstDash val="solid"/>
+                      <a:round/>
+                      <a:headEnd type="none" w="sm" len="sm"/>
+                      <a:tailEnd type="none" w="sm" len="sm"/>
+                    </a:lnL>
+                    <a:lnR w="9525" cap="flat" cmpd="sng">
+                      <a:solidFill>
+                        <a:srgbClr val="FF0000"/>
+                      </a:solidFill>
+                      <a:prstDash val="solid"/>
+                      <a:round/>
+                      <a:headEnd type="none" w="sm" len="sm"/>
+                      <a:tailEnd type="none" w="sm" len="sm"/>
+                    </a:lnR>
+                    <a:lnT w="9525" cap="flat" cmpd="sng">
+                      <a:solidFill>
+                        <a:srgbClr val="FF0000"/>
+                      </a:solidFill>
+                      <a:prstDash val="solid"/>
+                      <a:round/>
+                      <a:headEnd type="none" w="sm" len="sm"/>
+                      <a:tailEnd type="none" w="sm" len="sm"/>
+                    </a:lnT>
+                    <a:lnB w="9525" cap="flat" cmpd="sng">
+                      <a:solidFill>
+                        <a:srgbClr val="FF0000"/>
+                      </a:solidFill>
+                      <a:prstDash val="solid"/>
+                      <a:round/>
+                      <a:headEnd type="none" w="sm" len="sm"/>
+                      <a:tailEnd type="none" w="sm" len="sm"/>
+                    </a:lnB>
+                    <a:solidFill>
+                      <a:srgbClr val="FFFFFF"/>
+                    </a:solidFill>
+                  </a:tcPr>
+                </a:tc>
+                <a:tc>
+                  <a:txBody>
+                    <a:bodyPr/>
+                    <a:lstStyle/>
+                    <a:p>
+                      <a:pPr marL="0" lvl="0" indent="0" algn="r" rtl="0">
+                        <a:lnSpc>
+                          <a:spcPct val="115000"/>
+                        </a:lnSpc>
+                        <a:spcBef>
+                          <a:spcPts val="0"/>
+                        </a:spcBef>
+                        <a:spcAft>
+                          <a:spcPts val="0"/>
+                        </a:spcAft>
+                        <a:buNone/>
+                      </a:pPr>
+                      <a:r>
+                        <a:rPr lang="en" sz="800">
+                          <a:solidFill>
+                            <a:srgbClr val="636879"/>
+                          </a:solidFill>
+                          <a:latin typeface="Calibri"/>
+                          <a:ea typeface="Calibri"/>
+                          <a:cs typeface="Calibri"/>
+                          <a:sym typeface="Calibri"/>
+                        </a:rPr>
+                        <a:t>1422</a:t>
+                      </a:r>
+                      <a:endParaRPr sz="800">
+                        <a:solidFill>
+                          <a:srgbClr val="636879"/>
+                        </a:solidFill>
+                        <a:latin typeface="Calibri"/>
+                        <a:ea typeface="Calibri"/>
+                        <a:cs typeface="Calibri"/>
+                        <a:sym typeface="Calibri"/>
+                      </a:endParaRPr>
+                    </a:p>
+                  </a:txBody>
+                  <a:tcPr marL="28575" marR="28575" marT="19050" marB="19050" anchor="b">
+                    <a:lnL w="9525" cap="flat" cmpd="sng">
+                      <a:solidFill>
+                        <a:srgbClr val="FF0000"/>
+                      </a:solidFill>
+                      <a:prstDash val="solid"/>
+                      <a:round/>
+                      <a:headEnd type="none" w="sm" len="sm"/>
+                      <a:tailEnd type="none" w="sm" len="sm"/>
+                    </a:lnL>
+                    <a:lnR w="9525" cap="flat" cmpd="sng">
+                      <a:solidFill>
+                        <a:srgbClr val="FF0000"/>
+                      </a:solidFill>
+                      <a:prstDash val="solid"/>
+                      <a:round/>
+                      <a:headEnd type="none" w="sm" len="sm"/>
+                      <a:tailEnd type="none" w="sm" len="sm"/>
+                    </a:lnR>
+                    <a:lnT w="9525" cap="flat" cmpd="sng">
+                      <a:solidFill>
+                        <a:srgbClr val="FF0000"/>
+                      </a:solidFill>
+                      <a:prstDash val="solid"/>
+                      <a:round/>
+                      <a:headEnd type="none" w="sm" len="sm"/>
+                      <a:tailEnd type="none" w="sm" len="sm"/>
+                    </a:lnT>
+                    <a:lnB w="9525" cap="flat" cmpd="sng">
+                      <a:solidFill>
+                        <a:srgbClr val="FF0000"/>
+                      </a:solidFill>
+                      <a:prstDash val="solid"/>
+                      <a:round/>
+                      <a:headEnd type="none" w="sm" len="sm"/>
+                      <a:tailEnd type="none" w="sm" len="sm"/>
+                    </a:lnB>
+                    <a:solidFill>
+                      <a:srgbClr val="FFFFFF"/>
+                    </a:solidFill>
+                  </a:tcPr>
+                </a:tc>
+                <a:extLst>
+                  <a:ext uri="{0D108BD9-81ED-4DB2-BD59-A6C34878D82A}">
+                    <a16:rowId xmlns:a16="http://schemas.microsoft.com/office/drawing/2014/main" val="10015"/>
+                  </a:ext>
+                </a:extLst>
+              </a:tr>
+              <a:tr h="156025">
+                <a:tc>
+                  <a:txBody>
+                    <a:bodyPr/>
+                    <a:lstStyle/>
+                    <a:p>
+                      <a:pPr marL="0" lvl="0" indent="0" algn="l" rtl="0">
+                        <a:lnSpc>
+                          <a:spcPct val="115000"/>
+                        </a:lnSpc>
+                        <a:spcBef>
+                          <a:spcPts val="0"/>
+                        </a:spcBef>
+                        <a:spcAft>
+                          <a:spcPts val="0"/>
+                        </a:spcAft>
+                        <a:buNone/>
+                      </a:pPr>
+                      <a:r>
+                        <a:rPr lang="en" sz="800" u="sng">
+                          <a:solidFill>
+                            <a:srgbClr val="1155CC"/>
+                          </a:solidFill>
+                          <a:latin typeface="Calibri"/>
+                          <a:ea typeface="Calibri"/>
+                          <a:cs typeface="Calibri"/>
+                          <a:sym typeface="Calibri"/>
+                          <a:hlinkClick r:id="rId30">
+                            <a:extLst>
+                              <a:ext uri="{A12FA001-AC4F-418D-AE19-62706E023703}">
+                                <ahyp:hlinkClr xmlns:ahyp="http://schemas.microsoft.com/office/drawing/2018/hyperlinkcolor" val="tx"/>
+                              </a:ext>
+                            </a:extLst>
+                          </a:hlinkClick>
+                        </a:rPr>
+                        <a:t>ernie-5.0-preview-1022</a:t>
+                      </a:r>
+                      <a:endParaRPr sz="800" u="sng">
+                        <a:solidFill>
+                          <a:srgbClr val="1155CC"/>
+                        </a:solidFill>
+                        <a:latin typeface="Calibri"/>
+                        <a:ea typeface="Calibri"/>
+                        <a:cs typeface="Calibri"/>
+                        <a:sym typeface="Calibri"/>
+                      </a:endParaRPr>
+                    </a:p>
+                  </a:txBody>
+                  <a:tcPr marL="28575" marR="28575" marT="19050" marB="19050" anchor="b">
+                    <a:lnL w="9525" cap="flat" cmpd="sng">
+                      <a:solidFill>
+                        <a:srgbClr val="FF0000"/>
+                      </a:solidFill>
+                      <a:prstDash val="solid"/>
+                      <a:round/>
+                      <a:headEnd type="none" w="sm" len="sm"/>
+                      <a:tailEnd type="none" w="sm" len="sm"/>
+                    </a:lnL>
+                    <a:lnR w="9525" cap="flat" cmpd="sng">
+                      <a:solidFill>
+                        <a:srgbClr val="FF0000"/>
+                      </a:solidFill>
+                      <a:prstDash val="solid"/>
+                      <a:round/>
+                      <a:headEnd type="none" w="sm" len="sm"/>
+                      <a:tailEnd type="none" w="sm" len="sm"/>
+                    </a:lnR>
+                    <a:lnT w="9525" cap="flat" cmpd="sng">
+                      <a:solidFill>
+                        <a:srgbClr val="FF0000"/>
+                      </a:solidFill>
+                      <a:prstDash val="solid"/>
+                      <a:round/>
+                      <a:headEnd type="none" w="sm" len="sm"/>
+                      <a:tailEnd type="none" w="sm" len="sm"/>
+                    </a:lnT>
+                    <a:lnB w="9525" cap="flat" cmpd="sng">
+                      <a:solidFill>
+                        <a:srgbClr val="FF0000"/>
+                      </a:solidFill>
+                      <a:prstDash val="solid"/>
+                      <a:round/>
+                      <a:headEnd type="none" w="sm" len="sm"/>
+                      <a:tailEnd type="none" w="sm" len="sm"/>
+                    </a:lnB>
+                    <a:solidFill>
+                      <a:srgbClr val="FFFFFF"/>
+                    </a:solidFill>
+                  </a:tcPr>
+                </a:tc>
+                <a:tc>
+                  <a:txBody>
+                    <a:bodyPr/>
+                    <a:lstStyle/>
+                    <a:p>
+                      <a:pPr marL="0" lvl="0" indent="0" algn="r" rtl="0">
+                        <a:lnSpc>
+                          <a:spcPct val="115000"/>
+                        </a:lnSpc>
+                        <a:spcBef>
+                          <a:spcPts val="0"/>
+                        </a:spcBef>
+                        <a:spcAft>
+                          <a:spcPts val="0"/>
+                        </a:spcAft>
+                        <a:buNone/>
+                      </a:pPr>
+                      <a:r>
+                        <a:rPr lang="en" sz="800">
+                          <a:solidFill>
+                            <a:srgbClr val="636879"/>
+                          </a:solidFill>
+                          <a:latin typeface="Calibri"/>
+                          <a:ea typeface="Calibri"/>
+                          <a:cs typeface="Calibri"/>
+                          <a:sym typeface="Calibri"/>
+                        </a:rPr>
+                        <a:t>1421</a:t>
+                      </a:r>
+                      <a:endParaRPr sz="800">
+                        <a:solidFill>
+                          <a:srgbClr val="636879"/>
+                        </a:solidFill>
+                        <a:latin typeface="Calibri"/>
+                        <a:ea typeface="Calibri"/>
+                        <a:cs typeface="Calibri"/>
+                        <a:sym typeface="Calibri"/>
+                      </a:endParaRPr>
+                    </a:p>
+                  </a:txBody>
+                  <a:tcPr marL="28575" marR="28575" marT="19050" marB="19050" anchor="b">
+                    <a:lnL w="9525" cap="flat" cmpd="sng">
+                      <a:solidFill>
+                        <a:srgbClr val="FF0000"/>
+                      </a:solidFill>
+                      <a:prstDash val="solid"/>
+                      <a:round/>
+                      <a:headEnd type="none" w="sm" len="sm"/>
+                      <a:tailEnd type="none" w="sm" len="sm"/>
+                    </a:lnL>
+                    <a:lnR w="9525" cap="flat" cmpd="sng">
+                      <a:solidFill>
+                        <a:srgbClr val="FF0000"/>
+                      </a:solidFill>
+                      <a:prstDash val="solid"/>
+                      <a:round/>
+                      <a:headEnd type="none" w="sm" len="sm"/>
+                      <a:tailEnd type="none" w="sm" len="sm"/>
+                    </a:lnR>
+                    <a:lnT w="9525" cap="flat" cmpd="sng">
+                      <a:solidFill>
+                        <a:srgbClr val="FF0000"/>
+                      </a:solidFill>
+                      <a:prstDash val="solid"/>
+                      <a:round/>
+                      <a:headEnd type="none" w="sm" len="sm"/>
+                      <a:tailEnd type="none" w="sm" len="sm"/>
+                    </a:lnT>
+                    <a:lnB w="9525" cap="flat" cmpd="sng">
+                      <a:solidFill>
+                        <a:srgbClr val="FF0000"/>
+                      </a:solidFill>
+                      <a:prstDash val="solid"/>
+                      <a:round/>
+                      <a:headEnd type="none" w="sm" len="sm"/>
+                      <a:tailEnd type="none" w="sm" len="sm"/>
+                    </a:lnB>
+                    <a:solidFill>
+                      <a:srgbClr val="FFFFFF"/>
+                    </a:solidFill>
+                  </a:tcPr>
+                </a:tc>
+                <a:extLst>
+                  <a:ext uri="{0D108BD9-81ED-4DB2-BD59-A6C34878D82A}">
+                    <a16:rowId xmlns:a16="http://schemas.microsoft.com/office/drawing/2014/main" val="10016"/>
+                  </a:ext>
+                </a:extLst>
+              </a:tr>
+              <a:tr h="156025">
+                <a:tc>
+                  <a:txBody>
+                    <a:bodyPr/>
+                    <a:lstStyle/>
+                    <a:p>
+                      <a:pPr marL="0" lvl="0" indent="0" algn="l" rtl="0">
+                        <a:lnSpc>
+                          <a:spcPct val="115000"/>
+                        </a:lnSpc>
+                        <a:spcBef>
+                          <a:spcPts val="0"/>
+                        </a:spcBef>
+                        <a:spcAft>
+                          <a:spcPts val="0"/>
+                        </a:spcAft>
+                        <a:buNone/>
+                      </a:pPr>
+                      <a:r>
+                        <a:rPr lang="en" sz="800" u="sng">
+                          <a:solidFill>
+                            <a:srgbClr val="1155CC"/>
+                          </a:solidFill>
+                          <a:latin typeface="Calibri"/>
+                          <a:ea typeface="Calibri"/>
+                          <a:cs typeface="Calibri"/>
+                          <a:sym typeface="Calibri"/>
+                          <a:hlinkClick r:id="rId31">
                             <a:extLst>
                               <a:ext uri="{A12FA001-AC4F-418D-AE19-62706E023703}">
                                 <ahyp:hlinkClr xmlns:ahyp="http://schemas.microsoft.com/office/drawing/2018/hyperlinkcolor" val="tx"/>
@@ -32956,11 +33145,11 @@
                 </a:tc>
                 <a:extLst>
                   <a:ext uri="{0D108BD9-81ED-4DB2-BD59-A6C34878D82A}">
-                    <a16:rowId xmlns:a16="http://schemas.microsoft.com/office/drawing/2014/main" val="10015"/>
+                    <a16:rowId xmlns:a16="http://schemas.microsoft.com/office/drawing/2014/main" val="10017"/>
                   </a:ext>
                 </a:extLst>
               </a:tr>
-              <a:tr h="136275">
+              <a:tr h="156025">
                 <a:tc>
                   <a:txBody>
                     <a:bodyPr/>
@@ -32987,7 +33176,7 @@
                           <a:ea typeface="Calibri"/>
                           <a:cs typeface="Calibri"/>
                           <a:sym typeface="Calibri"/>
-                          <a:hlinkClick r:id="rId30">
+                          <a:hlinkClick r:id="rId32">
                             <a:extLst>
                               <a:ext uri="{A12FA001-AC4F-418D-AE19-62706E023703}">
                                 <ahyp:hlinkClr xmlns:ahyp="http://schemas.microsoft.com/office/drawing/2018/hyperlinkcolor" val="tx"/>
@@ -33134,11 +33323,11 @@
                 </a:tc>
                 <a:extLst>
                   <a:ext uri="{0D108BD9-81ED-4DB2-BD59-A6C34878D82A}">
-                    <a16:rowId xmlns:a16="http://schemas.microsoft.com/office/drawing/2014/main" val="10016"/>
+                    <a16:rowId xmlns:a16="http://schemas.microsoft.com/office/drawing/2014/main" val="10018"/>
                   </a:ext>
                 </a:extLst>
               </a:tr>
-              <a:tr h="136275">
+              <a:tr h="156025">
                 <a:tc>
                   <a:txBody>
                     <a:bodyPr/>
@@ -33165,7 +33354,7 @@
                           <a:ea typeface="Calibri"/>
                           <a:cs typeface="Calibri"/>
                           <a:sym typeface="Calibri"/>
-                          <a:hlinkClick r:id="rId31">
+                          <a:hlinkClick r:id="rId33">
                             <a:extLst>
                               <a:ext uri="{A12FA001-AC4F-418D-AE19-62706E023703}">
                                 <ahyp:hlinkClr xmlns:ahyp="http://schemas.microsoft.com/office/drawing/2018/hyperlinkcolor" val="tx"/>
@@ -33312,11 +33501,11 @@
                 </a:tc>
                 <a:extLst>
                   <a:ext uri="{0D108BD9-81ED-4DB2-BD59-A6C34878D82A}">
-                    <a16:rowId xmlns:a16="http://schemas.microsoft.com/office/drawing/2014/main" val="10017"/>
+                    <a16:rowId xmlns:a16="http://schemas.microsoft.com/office/drawing/2014/main" val="10019"/>
                   </a:ext>
                 </a:extLst>
               </a:tr>
-              <a:tr h="136275">
+              <a:tr h="156025">
                 <a:tc>
                   <a:txBody>
                     <a:bodyPr/>
@@ -33343,7 +33532,7 @@
                           <a:ea typeface="Calibri"/>
                           <a:cs typeface="Calibri"/>
                           <a:sym typeface="Calibri"/>
-                          <a:hlinkClick r:id="rId32">
+                          <a:hlinkClick r:id="rId34">
                             <a:extLst>
                               <a:ext uri="{A12FA001-AC4F-418D-AE19-62706E023703}">
                                 <ahyp:hlinkClr xmlns:ahyp="http://schemas.microsoft.com/office/drawing/2018/hyperlinkcolor" val="tx"/>
@@ -33352,184 +33541,6 @@
                           </a:hlinkClick>
                         </a:rPr>
                         <a:t>deepseek-r1-0528</a:t>
-                      </a:r>
-                      <a:endParaRPr sz="800" u="sng">
-                        <a:solidFill>
-                          <a:srgbClr val="1155CC"/>
-                        </a:solidFill>
-                        <a:latin typeface="Calibri"/>
-                        <a:ea typeface="Calibri"/>
-                        <a:cs typeface="Calibri"/>
-                        <a:sym typeface="Calibri"/>
-                      </a:endParaRPr>
-                    </a:p>
-                  </a:txBody>
-                  <a:tcPr marL="28575" marR="28575" marT="19050" marB="19050" anchor="b">
-                    <a:lnL w="9525" cap="flat" cmpd="sng">
-                      <a:solidFill>
-                        <a:srgbClr val="FF0000"/>
-                      </a:solidFill>
-                      <a:prstDash val="solid"/>
-                      <a:round/>
-                      <a:headEnd type="none" w="sm" len="sm"/>
-                      <a:tailEnd type="none" w="sm" len="sm"/>
-                    </a:lnL>
-                    <a:lnR w="9525" cap="flat" cmpd="sng">
-                      <a:solidFill>
-                        <a:srgbClr val="FF0000"/>
-                      </a:solidFill>
-                      <a:prstDash val="solid"/>
-                      <a:round/>
-                      <a:headEnd type="none" w="sm" len="sm"/>
-                      <a:tailEnd type="none" w="sm" len="sm"/>
-                    </a:lnR>
-                    <a:lnT w="9525" cap="flat" cmpd="sng">
-                      <a:solidFill>
-                        <a:srgbClr val="FF0000"/>
-                      </a:solidFill>
-                      <a:prstDash val="solid"/>
-                      <a:round/>
-                      <a:headEnd type="none" w="sm" len="sm"/>
-                      <a:tailEnd type="none" w="sm" len="sm"/>
-                    </a:lnT>
-                    <a:lnB w="9525" cap="flat" cmpd="sng">
-                      <a:solidFill>
-                        <a:srgbClr val="FF0000"/>
-                      </a:solidFill>
-                      <a:prstDash val="solid"/>
-                      <a:round/>
-                      <a:headEnd type="none" w="sm" len="sm"/>
-                      <a:tailEnd type="none" w="sm" len="sm"/>
-                    </a:lnB>
-                    <a:solidFill>
-                      <a:srgbClr val="FFFFFF"/>
-                    </a:solidFill>
-                  </a:tcPr>
-                </a:tc>
-                <a:tc>
-                  <a:txBody>
-                    <a:bodyPr/>
-                    <a:lstStyle/>
-                    <a:p>
-                      <a:pPr marL="0" lvl="0" indent="0" algn="r" rtl="0">
-                        <a:lnSpc>
-                          <a:spcPct val="115000"/>
-                        </a:lnSpc>
-                        <a:spcBef>
-                          <a:spcPts val="0"/>
-                        </a:spcBef>
-                        <a:spcAft>
-                          <a:spcPts val="0"/>
-                        </a:spcAft>
-                        <a:buNone/>
-                      </a:pPr>
-                      <a:r>
-                        <a:rPr lang="en" sz="800">
-                          <a:solidFill>
-                            <a:srgbClr val="636879"/>
-                          </a:solidFill>
-                          <a:latin typeface="Calibri"/>
-                          <a:ea typeface="Calibri"/>
-                          <a:cs typeface="Calibri"/>
-                          <a:sym typeface="Calibri"/>
-                        </a:rPr>
-                        <a:t>1418</a:t>
-                      </a:r>
-                      <a:endParaRPr sz="800">
-                        <a:solidFill>
-                          <a:srgbClr val="636879"/>
-                        </a:solidFill>
-                        <a:latin typeface="Calibri"/>
-                        <a:ea typeface="Calibri"/>
-                        <a:cs typeface="Calibri"/>
-                        <a:sym typeface="Calibri"/>
-                      </a:endParaRPr>
-                    </a:p>
-                  </a:txBody>
-                  <a:tcPr marL="28575" marR="28575" marT="19050" marB="19050" anchor="b">
-                    <a:lnL w="9525" cap="flat" cmpd="sng">
-                      <a:solidFill>
-                        <a:srgbClr val="FF0000"/>
-                      </a:solidFill>
-                      <a:prstDash val="solid"/>
-                      <a:round/>
-                      <a:headEnd type="none" w="sm" len="sm"/>
-                      <a:tailEnd type="none" w="sm" len="sm"/>
-                    </a:lnL>
-                    <a:lnR w="9525" cap="flat" cmpd="sng">
-                      <a:solidFill>
-                        <a:srgbClr val="FF0000"/>
-                      </a:solidFill>
-                      <a:prstDash val="solid"/>
-                      <a:round/>
-                      <a:headEnd type="none" w="sm" len="sm"/>
-                      <a:tailEnd type="none" w="sm" len="sm"/>
-                    </a:lnR>
-                    <a:lnT w="9525" cap="flat" cmpd="sng">
-                      <a:solidFill>
-                        <a:srgbClr val="FF0000"/>
-                      </a:solidFill>
-                      <a:prstDash val="solid"/>
-                      <a:round/>
-                      <a:headEnd type="none" w="sm" len="sm"/>
-                      <a:tailEnd type="none" w="sm" len="sm"/>
-                    </a:lnT>
-                    <a:lnB w="9525" cap="flat" cmpd="sng">
-                      <a:solidFill>
-                        <a:srgbClr val="FF0000"/>
-                      </a:solidFill>
-                      <a:prstDash val="solid"/>
-                      <a:round/>
-                      <a:headEnd type="none" w="sm" len="sm"/>
-                      <a:tailEnd type="none" w="sm" len="sm"/>
-                    </a:lnB>
-                    <a:solidFill>
-                      <a:srgbClr val="FFFFFF"/>
-                    </a:solidFill>
-                  </a:tcPr>
-                </a:tc>
-                <a:extLst>
-                  <a:ext uri="{0D108BD9-81ED-4DB2-BD59-A6C34878D82A}">
-                    <a16:rowId xmlns:a16="http://schemas.microsoft.com/office/drawing/2014/main" val="10018"/>
-                  </a:ext>
-                </a:extLst>
-              </a:tr>
-              <a:tr h="136275">
-                <a:tc>
-                  <a:txBody>
-                    <a:bodyPr/>
-                    <a:lstStyle/>
-                    <a:p>
-                      <a:pPr marL="0" lvl="0" indent="0" algn="l" rtl="0">
-                        <a:lnSpc>
-                          <a:spcPct val="115000"/>
-                        </a:lnSpc>
-                        <a:spcBef>
-                          <a:spcPts val="0"/>
-                        </a:spcBef>
-                        <a:spcAft>
-                          <a:spcPts val="0"/>
-                        </a:spcAft>
-                        <a:buNone/>
-                      </a:pPr>
-                      <a:r>
-                        <a:rPr lang="en" sz="800" u="sng">
-                          <a:solidFill>
-                            <a:srgbClr val="1155CC"/>
-                          </a:solidFill>
-                          <a:latin typeface="Calibri"/>
-                          <a:ea typeface="Calibri"/>
-                          <a:cs typeface="Calibri"/>
-                          <a:sym typeface="Calibri"/>
-                          <a:hlinkClick r:id="rId33">
-                            <a:extLst>
-                              <a:ext uri="{A12FA001-AC4F-418D-AE19-62706E023703}">
-                                <ahyp:hlinkClr xmlns:ahyp="http://schemas.microsoft.com/office/drawing/2018/hyperlinkcolor" val="tx"/>
-                              </a:ext>
-                            </a:extLst>
-                          </a:hlinkClick>
-                        </a:rPr>
-                        <a:t>kimi-k2-0905-preview</a:t>
                       </a:r>
                       <a:endParaRPr sz="800" u="sng">
                         <a:solidFill>
@@ -33668,11 +33679,11 @@
                 </a:tc>
                 <a:extLst>
                   <a:ext uri="{0D108BD9-81ED-4DB2-BD59-A6C34878D82A}">
-                    <a16:rowId xmlns:a16="http://schemas.microsoft.com/office/drawing/2014/main" val="10019"/>
+                    <a16:rowId xmlns:a16="http://schemas.microsoft.com/office/drawing/2014/main" val="10020"/>
                   </a:ext>
                 </a:extLst>
               </a:tr>
-              <a:tr h="136275">
+              <a:tr h="156025">
                 <a:tc>
                   <a:txBody>
                     <a:bodyPr/>
@@ -33699,7 +33710,185 @@
                           <a:ea typeface="Calibri"/>
                           <a:cs typeface="Calibri"/>
                           <a:sym typeface="Calibri"/>
-                          <a:hlinkClick r:id="rId34">
+                          <a:hlinkClick r:id="rId35">
+                            <a:extLst>
+                              <a:ext uri="{A12FA001-AC4F-418D-AE19-62706E023703}">
+                                <ahyp:hlinkClr xmlns:ahyp="http://schemas.microsoft.com/office/drawing/2018/hyperlinkcolor" val="tx"/>
+                              </a:ext>
+                            </a:extLst>
+                          </a:hlinkClick>
+                        </a:rPr>
+                        <a:t>kimi-k2-0905-preview</a:t>
+                      </a:r>
+                      <a:endParaRPr sz="800" u="sng">
+                        <a:solidFill>
+                          <a:srgbClr val="1155CC"/>
+                        </a:solidFill>
+                        <a:latin typeface="Calibri"/>
+                        <a:ea typeface="Calibri"/>
+                        <a:cs typeface="Calibri"/>
+                        <a:sym typeface="Calibri"/>
+                      </a:endParaRPr>
+                    </a:p>
+                  </a:txBody>
+                  <a:tcPr marL="28575" marR="28575" marT="19050" marB="19050" anchor="b">
+                    <a:lnL w="9525" cap="flat" cmpd="sng">
+                      <a:solidFill>
+                        <a:srgbClr val="FF0000"/>
+                      </a:solidFill>
+                      <a:prstDash val="solid"/>
+                      <a:round/>
+                      <a:headEnd type="none" w="sm" len="sm"/>
+                      <a:tailEnd type="none" w="sm" len="sm"/>
+                    </a:lnL>
+                    <a:lnR w="9525" cap="flat" cmpd="sng">
+                      <a:solidFill>
+                        <a:srgbClr val="FF0000"/>
+                      </a:solidFill>
+                      <a:prstDash val="solid"/>
+                      <a:round/>
+                      <a:headEnd type="none" w="sm" len="sm"/>
+                      <a:tailEnd type="none" w="sm" len="sm"/>
+                    </a:lnR>
+                    <a:lnT w="9525" cap="flat" cmpd="sng">
+                      <a:solidFill>
+                        <a:srgbClr val="FF0000"/>
+                      </a:solidFill>
+                      <a:prstDash val="solid"/>
+                      <a:round/>
+                      <a:headEnd type="none" w="sm" len="sm"/>
+                      <a:tailEnd type="none" w="sm" len="sm"/>
+                    </a:lnT>
+                    <a:lnB w="9525" cap="flat" cmpd="sng">
+                      <a:solidFill>
+                        <a:srgbClr val="FF0000"/>
+                      </a:solidFill>
+                      <a:prstDash val="solid"/>
+                      <a:round/>
+                      <a:headEnd type="none" w="sm" len="sm"/>
+                      <a:tailEnd type="none" w="sm" len="sm"/>
+                    </a:lnB>
+                    <a:solidFill>
+                      <a:srgbClr val="FFFFFF"/>
+                    </a:solidFill>
+                  </a:tcPr>
+                </a:tc>
+                <a:tc>
+                  <a:txBody>
+                    <a:bodyPr/>
+                    <a:lstStyle/>
+                    <a:p>
+                      <a:pPr marL="0" lvl="0" indent="0" algn="r" rtl="0">
+                        <a:lnSpc>
+                          <a:spcPct val="115000"/>
+                        </a:lnSpc>
+                        <a:spcBef>
+                          <a:spcPts val="0"/>
+                        </a:spcBef>
+                        <a:spcAft>
+                          <a:spcPts val="0"/>
+                        </a:spcAft>
+                        <a:buNone/>
+                      </a:pPr>
+                      <a:r>
+                        <a:rPr lang="en" sz="800">
+                          <a:solidFill>
+                            <a:srgbClr val="636879"/>
+                          </a:solidFill>
+                          <a:latin typeface="Calibri"/>
+                          <a:ea typeface="Calibri"/>
+                          <a:cs typeface="Calibri"/>
+                          <a:sym typeface="Calibri"/>
+                        </a:rPr>
+                        <a:t>1416</a:t>
+                      </a:r>
+                      <a:endParaRPr sz="800">
+                        <a:solidFill>
+                          <a:srgbClr val="636879"/>
+                        </a:solidFill>
+                        <a:latin typeface="Calibri"/>
+                        <a:ea typeface="Calibri"/>
+                        <a:cs typeface="Calibri"/>
+                        <a:sym typeface="Calibri"/>
+                      </a:endParaRPr>
+                    </a:p>
+                  </a:txBody>
+                  <a:tcPr marL="28575" marR="28575" marT="19050" marB="19050" anchor="b">
+                    <a:lnL w="9525" cap="flat" cmpd="sng">
+                      <a:solidFill>
+                        <a:srgbClr val="FF0000"/>
+                      </a:solidFill>
+                      <a:prstDash val="solid"/>
+                      <a:round/>
+                      <a:headEnd type="none" w="sm" len="sm"/>
+                      <a:tailEnd type="none" w="sm" len="sm"/>
+                    </a:lnL>
+                    <a:lnR w="9525" cap="flat" cmpd="sng">
+                      <a:solidFill>
+                        <a:srgbClr val="FF0000"/>
+                      </a:solidFill>
+                      <a:prstDash val="solid"/>
+                      <a:round/>
+                      <a:headEnd type="none" w="sm" len="sm"/>
+                      <a:tailEnd type="none" w="sm" len="sm"/>
+                    </a:lnR>
+                    <a:lnT w="9525" cap="flat" cmpd="sng">
+                      <a:solidFill>
+                        <a:srgbClr val="FF0000"/>
+                      </a:solidFill>
+                      <a:prstDash val="solid"/>
+                      <a:round/>
+                      <a:headEnd type="none" w="sm" len="sm"/>
+                      <a:tailEnd type="none" w="sm" len="sm"/>
+                    </a:lnT>
+                    <a:lnB w="9525" cap="flat" cmpd="sng">
+                      <a:solidFill>
+                        <a:srgbClr val="FF0000"/>
+                      </a:solidFill>
+                      <a:prstDash val="solid"/>
+                      <a:round/>
+                      <a:headEnd type="none" w="sm" len="sm"/>
+                      <a:tailEnd type="none" w="sm" len="sm"/>
+                    </a:lnB>
+                    <a:solidFill>
+                      <a:srgbClr val="FFFFFF"/>
+                    </a:solidFill>
+                  </a:tcPr>
+                </a:tc>
+                <a:extLst>
+                  <a:ext uri="{0D108BD9-81ED-4DB2-BD59-A6C34878D82A}">
+                    <a16:rowId xmlns:a16="http://schemas.microsoft.com/office/drawing/2014/main" val="10021"/>
+                  </a:ext>
+                </a:extLst>
+              </a:tr>
+              <a:tr h="156025">
+                <a:tc>
+                  <a:txBody>
+                    <a:bodyPr/>
+                    <a:lstStyle/>
+                    <a:p>
+                      <a:pPr marL="0" lvl="0" indent="0" algn="l" rtl="0">
+                        <a:lnSpc>
+                          <a:spcPct val="115000"/>
+                        </a:lnSpc>
+                        <a:spcBef>
+                          <a:spcPts val="0"/>
+                        </a:spcBef>
+                        <a:spcAft>
+                          <a:spcPts val="0"/>
+                        </a:spcAft>
+                        <a:buNone/>
+                      </a:pPr>
+                      <a:r>
+                        <a:rPr lang="en" sz="800" u="sng">
+                          <a:solidFill>
+                            <a:srgbClr val="1155CC"/>
+                          </a:solidFill>
+                          <a:latin typeface="Calibri"/>
+                          <a:ea typeface="Calibri"/>
+                          <a:cs typeface="Calibri"/>
+                          <a:sym typeface="Calibri"/>
+                          <a:hlinkClick r:id="rId36">
                             <a:extLst>
                               <a:ext uri="{A12FA001-AC4F-418D-AE19-62706E023703}">
                                 <ahyp:hlinkClr xmlns:ahyp="http://schemas.microsoft.com/office/drawing/2018/hyperlinkcolor" val="tx"/>
@@ -33846,11 +34035,11 @@
                 </a:tc>
                 <a:extLst>
                   <a:ext uri="{0D108BD9-81ED-4DB2-BD59-A6C34878D82A}">
-                    <a16:rowId xmlns:a16="http://schemas.microsoft.com/office/drawing/2014/main" val="10020"/>
+                    <a16:rowId xmlns:a16="http://schemas.microsoft.com/office/drawing/2014/main" val="10022"/>
                   </a:ext>
                 </a:extLst>
               </a:tr>
-              <a:tr h="136275">
+              <a:tr h="156025">
                 <a:tc>
                   <a:txBody>
                     <a:bodyPr/>
@@ -33877,7 +34066,7 @@
                           <a:ea typeface="Calibri"/>
                           <a:cs typeface="Calibri"/>
                           <a:sym typeface="Calibri"/>
-                          <a:hlinkClick r:id="rId34">
+                          <a:hlinkClick r:id="rId36">
                             <a:extLst>
                               <a:ext uri="{A12FA001-AC4F-418D-AE19-62706E023703}">
                                 <ahyp:hlinkClr xmlns:ahyp="http://schemas.microsoft.com/office/drawing/2018/hyperlinkcolor" val="tx"/>
@@ -34024,367 +34213,11 @@
                 </a:tc>
                 <a:extLst>
                   <a:ext uri="{0D108BD9-81ED-4DB2-BD59-A6C34878D82A}">
-                    <a16:rowId xmlns:a16="http://schemas.microsoft.com/office/drawing/2014/main" val="10021"/>
-                  </a:ext>
-                </a:extLst>
-              </a:tr>
-              <a:tr h="136275">
-                <a:tc>
-                  <a:txBody>
-                    <a:bodyPr/>
-                    <a:lstStyle/>
-                    <a:p>
-                      <a:pPr marL="0" lvl="0" indent="0" algn="l" rtl="0">
-                        <a:lnSpc>
-                          <a:spcPct val="115000"/>
-                        </a:lnSpc>
-                        <a:spcBef>
-                          <a:spcPts val="0"/>
-                        </a:spcBef>
-                        <a:spcAft>
-                          <a:spcPts val="0"/>
-                        </a:spcAft>
-                        <a:buNone/>
-                      </a:pPr>
-                      <a:r>
-                        <a:rPr lang="en" sz="800" u="sng">
-                          <a:solidFill>
-                            <a:srgbClr val="1155CC"/>
-                          </a:solidFill>
-                          <a:latin typeface="Calibri"/>
-                          <a:ea typeface="Calibri"/>
-                          <a:cs typeface="Calibri"/>
-                          <a:sym typeface="Calibri"/>
-                          <a:hlinkClick r:id="rId35">
-                            <a:extLst>
-                              <a:ext uri="{A12FA001-AC4F-418D-AE19-62706E023703}">
-                                <ahyp:hlinkClr xmlns:ahyp="http://schemas.microsoft.com/office/drawing/2018/hyperlinkcolor" val="tx"/>
-                              </a:ext>
-                            </a:extLst>
-                          </a:hlinkClick>
-                        </a:rPr>
-                        <a:t>kimi-k2-0711-preview</a:t>
-                      </a:r>
-                      <a:endParaRPr sz="800" u="sng">
-                        <a:solidFill>
-                          <a:srgbClr val="1155CC"/>
-                        </a:solidFill>
-                        <a:latin typeface="Calibri"/>
-                        <a:ea typeface="Calibri"/>
-                        <a:cs typeface="Calibri"/>
-                        <a:sym typeface="Calibri"/>
-                      </a:endParaRPr>
-                    </a:p>
-                  </a:txBody>
-                  <a:tcPr marL="28575" marR="28575" marT="19050" marB="19050" anchor="b">
-                    <a:lnL w="9525" cap="flat" cmpd="sng">
-                      <a:solidFill>
-                        <a:srgbClr val="FF0000"/>
-                      </a:solidFill>
-                      <a:prstDash val="solid"/>
-                      <a:round/>
-                      <a:headEnd type="none" w="sm" len="sm"/>
-                      <a:tailEnd type="none" w="sm" len="sm"/>
-                    </a:lnL>
-                    <a:lnR w="9525" cap="flat" cmpd="sng">
-                      <a:solidFill>
-                        <a:srgbClr val="FF0000"/>
-                      </a:solidFill>
-                      <a:prstDash val="solid"/>
-                      <a:round/>
-                      <a:headEnd type="none" w="sm" len="sm"/>
-                      <a:tailEnd type="none" w="sm" len="sm"/>
-                    </a:lnR>
-                    <a:lnT w="9525" cap="flat" cmpd="sng">
-                      <a:solidFill>
-                        <a:srgbClr val="FF0000"/>
-                      </a:solidFill>
-                      <a:prstDash val="solid"/>
-                      <a:round/>
-                      <a:headEnd type="none" w="sm" len="sm"/>
-                      <a:tailEnd type="none" w="sm" len="sm"/>
-                    </a:lnT>
-                    <a:lnB w="9525" cap="flat" cmpd="sng">
-                      <a:solidFill>
-                        <a:srgbClr val="FF0000"/>
-                      </a:solidFill>
-                      <a:prstDash val="solid"/>
-                      <a:round/>
-                      <a:headEnd type="none" w="sm" len="sm"/>
-                      <a:tailEnd type="none" w="sm" len="sm"/>
-                    </a:lnB>
-                    <a:solidFill>
-                      <a:srgbClr val="FFFFFF"/>
-                    </a:solidFill>
-                  </a:tcPr>
-                </a:tc>
-                <a:tc>
-                  <a:txBody>
-                    <a:bodyPr/>
-                    <a:lstStyle/>
-                    <a:p>
-                      <a:pPr marL="0" lvl="0" indent="0" algn="r" rtl="0">
-                        <a:lnSpc>
-                          <a:spcPct val="115000"/>
-                        </a:lnSpc>
-                        <a:spcBef>
-                          <a:spcPts val="0"/>
-                        </a:spcBef>
-                        <a:spcAft>
-                          <a:spcPts val="0"/>
-                        </a:spcAft>
-                        <a:buNone/>
-                      </a:pPr>
-                      <a:r>
-                        <a:rPr lang="en" sz="800">
-                          <a:solidFill>
-                            <a:srgbClr val="636879"/>
-                          </a:solidFill>
-                          <a:latin typeface="Calibri"/>
-                          <a:ea typeface="Calibri"/>
-                          <a:cs typeface="Calibri"/>
-                          <a:sym typeface="Calibri"/>
-                        </a:rPr>
-                        <a:t>1416</a:t>
-                      </a:r>
-                      <a:endParaRPr sz="800">
-                        <a:solidFill>
-                          <a:srgbClr val="636879"/>
-                        </a:solidFill>
-                        <a:latin typeface="Calibri"/>
-                        <a:ea typeface="Calibri"/>
-                        <a:cs typeface="Calibri"/>
-                        <a:sym typeface="Calibri"/>
-                      </a:endParaRPr>
-                    </a:p>
-                  </a:txBody>
-                  <a:tcPr marL="28575" marR="28575" marT="19050" marB="19050" anchor="b">
-                    <a:lnL w="9525" cap="flat" cmpd="sng">
-                      <a:solidFill>
-                        <a:srgbClr val="FF0000"/>
-                      </a:solidFill>
-                      <a:prstDash val="solid"/>
-                      <a:round/>
-                      <a:headEnd type="none" w="sm" len="sm"/>
-                      <a:tailEnd type="none" w="sm" len="sm"/>
-                    </a:lnL>
-                    <a:lnR w="9525" cap="flat" cmpd="sng">
-                      <a:solidFill>
-                        <a:srgbClr val="FF0000"/>
-                      </a:solidFill>
-                      <a:prstDash val="solid"/>
-                      <a:round/>
-                      <a:headEnd type="none" w="sm" len="sm"/>
-                      <a:tailEnd type="none" w="sm" len="sm"/>
-                    </a:lnR>
-                    <a:lnT w="9525" cap="flat" cmpd="sng">
-                      <a:solidFill>
-                        <a:srgbClr val="FF0000"/>
-                      </a:solidFill>
-                      <a:prstDash val="solid"/>
-                      <a:round/>
-                      <a:headEnd type="none" w="sm" len="sm"/>
-                      <a:tailEnd type="none" w="sm" len="sm"/>
-                    </a:lnT>
-                    <a:lnB w="9525" cap="flat" cmpd="sng">
-                      <a:solidFill>
-                        <a:srgbClr val="FF0000"/>
-                      </a:solidFill>
-                      <a:prstDash val="solid"/>
-                      <a:round/>
-                      <a:headEnd type="none" w="sm" len="sm"/>
-                      <a:tailEnd type="none" w="sm" len="sm"/>
-                    </a:lnB>
-                    <a:solidFill>
-                      <a:srgbClr val="FFFFFF"/>
-                    </a:solidFill>
-                  </a:tcPr>
-                </a:tc>
-                <a:extLst>
-                  <a:ext uri="{0D108BD9-81ED-4DB2-BD59-A6C34878D82A}">
-                    <a16:rowId xmlns:a16="http://schemas.microsoft.com/office/drawing/2014/main" val="10022"/>
-                  </a:ext>
-                </a:extLst>
-              </a:tr>
-              <a:tr h="136275">
-                <a:tc>
-                  <a:txBody>
-                    <a:bodyPr/>
-                    <a:lstStyle/>
-                    <a:p>
-                      <a:pPr marL="0" lvl="0" indent="0" algn="l" rtl="0">
-                        <a:lnSpc>
-                          <a:spcPct val="115000"/>
-                        </a:lnSpc>
-                        <a:spcBef>
-                          <a:spcPts val="0"/>
-                        </a:spcBef>
-                        <a:spcAft>
-                          <a:spcPts val="0"/>
-                        </a:spcAft>
-                        <a:buNone/>
-                      </a:pPr>
-                      <a:r>
-                        <a:rPr lang="en" sz="800" u="sng">
-                          <a:solidFill>
-                            <a:srgbClr val="1155CC"/>
-                          </a:solidFill>
-                          <a:latin typeface="Calibri"/>
-                          <a:ea typeface="Calibri"/>
-                          <a:cs typeface="Calibri"/>
-                          <a:sym typeface="Calibri"/>
-                          <a:hlinkClick r:id="rId36">
-                            <a:extLst>
-                              <a:ext uri="{A12FA001-AC4F-418D-AE19-62706E023703}">
-                                <ahyp:hlinkClr xmlns:ahyp="http://schemas.microsoft.com/office/drawing/2018/hyperlinkcolor" val="tx"/>
-                              </a:ext>
-                            </a:extLst>
-                          </a:hlinkClick>
-                        </a:rPr>
-                        <a:t>qwen3-vl-235b-a22b-instruct</a:t>
-                      </a:r>
-                      <a:endParaRPr sz="800" u="sng">
-                        <a:solidFill>
-                          <a:srgbClr val="1155CC"/>
-                        </a:solidFill>
-                        <a:latin typeface="Calibri"/>
-                        <a:ea typeface="Calibri"/>
-                        <a:cs typeface="Calibri"/>
-                        <a:sym typeface="Calibri"/>
-                      </a:endParaRPr>
-                    </a:p>
-                  </a:txBody>
-                  <a:tcPr marL="28575" marR="28575" marT="19050" marB="19050" anchor="b">
-                    <a:lnL w="9525" cap="flat" cmpd="sng">
-                      <a:solidFill>
-                        <a:srgbClr val="FF0000"/>
-                      </a:solidFill>
-                      <a:prstDash val="solid"/>
-                      <a:round/>
-                      <a:headEnd type="none" w="sm" len="sm"/>
-                      <a:tailEnd type="none" w="sm" len="sm"/>
-                    </a:lnL>
-                    <a:lnR w="9525" cap="flat" cmpd="sng">
-                      <a:solidFill>
-                        <a:srgbClr val="FF0000"/>
-                      </a:solidFill>
-                      <a:prstDash val="solid"/>
-                      <a:round/>
-                      <a:headEnd type="none" w="sm" len="sm"/>
-                      <a:tailEnd type="none" w="sm" len="sm"/>
-                    </a:lnR>
-                    <a:lnT w="9525" cap="flat" cmpd="sng">
-                      <a:solidFill>
-                        <a:srgbClr val="FF0000"/>
-                      </a:solidFill>
-                      <a:prstDash val="solid"/>
-                      <a:round/>
-                      <a:headEnd type="none" w="sm" len="sm"/>
-                      <a:tailEnd type="none" w="sm" len="sm"/>
-                    </a:lnT>
-                    <a:lnB w="9525" cap="flat" cmpd="sng">
-                      <a:solidFill>
-                        <a:srgbClr val="FF0000"/>
-                      </a:solidFill>
-                      <a:prstDash val="solid"/>
-                      <a:round/>
-                      <a:headEnd type="none" w="sm" len="sm"/>
-                      <a:tailEnd type="none" w="sm" len="sm"/>
-                    </a:lnB>
-                    <a:solidFill>
-                      <a:srgbClr val="FFFFFF"/>
-                    </a:solidFill>
-                  </a:tcPr>
-                </a:tc>
-                <a:tc>
-                  <a:txBody>
-                    <a:bodyPr/>
-                    <a:lstStyle/>
-                    <a:p>
-                      <a:pPr marL="0" lvl="0" indent="0" algn="r" rtl="0">
-                        <a:lnSpc>
-                          <a:spcPct val="115000"/>
-                        </a:lnSpc>
-                        <a:spcBef>
-                          <a:spcPts val="0"/>
-                        </a:spcBef>
-                        <a:spcAft>
-                          <a:spcPts val="0"/>
-                        </a:spcAft>
-                        <a:buNone/>
-                      </a:pPr>
-                      <a:r>
-                        <a:rPr lang="en" sz="800">
-                          <a:solidFill>
-                            <a:srgbClr val="636879"/>
-                          </a:solidFill>
-                          <a:latin typeface="Calibri"/>
-                          <a:ea typeface="Calibri"/>
-                          <a:cs typeface="Calibri"/>
-                          <a:sym typeface="Calibri"/>
-                        </a:rPr>
-                        <a:t>1415</a:t>
-                      </a:r>
-                      <a:endParaRPr sz="800">
-                        <a:solidFill>
-                          <a:srgbClr val="636879"/>
-                        </a:solidFill>
-                        <a:latin typeface="Calibri"/>
-                        <a:ea typeface="Calibri"/>
-                        <a:cs typeface="Calibri"/>
-                        <a:sym typeface="Calibri"/>
-                      </a:endParaRPr>
-                    </a:p>
-                  </a:txBody>
-                  <a:tcPr marL="28575" marR="28575" marT="19050" marB="19050" anchor="b">
-                    <a:lnL w="9525" cap="flat" cmpd="sng">
-                      <a:solidFill>
-                        <a:srgbClr val="FF0000"/>
-                      </a:solidFill>
-                      <a:prstDash val="solid"/>
-                      <a:round/>
-                      <a:headEnd type="none" w="sm" len="sm"/>
-                      <a:tailEnd type="none" w="sm" len="sm"/>
-                    </a:lnL>
-                    <a:lnR w="9525" cap="flat" cmpd="sng">
-                      <a:solidFill>
-                        <a:srgbClr val="FF0000"/>
-                      </a:solidFill>
-                      <a:prstDash val="solid"/>
-                      <a:round/>
-                      <a:headEnd type="none" w="sm" len="sm"/>
-                      <a:tailEnd type="none" w="sm" len="sm"/>
-                    </a:lnR>
-                    <a:lnT w="9525" cap="flat" cmpd="sng">
-                      <a:solidFill>
-                        <a:srgbClr val="FF0000"/>
-                      </a:solidFill>
-                      <a:prstDash val="solid"/>
-                      <a:round/>
-                      <a:headEnd type="none" w="sm" len="sm"/>
-                      <a:tailEnd type="none" w="sm" len="sm"/>
-                    </a:lnT>
-                    <a:lnB w="9525" cap="flat" cmpd="sng">
-                      <a:solidFill>
-                        <a:srgbClr val="FF0000"/>
-                      </a:solidFill>
-                      <a:prstDash val="solid"/>
-                      <a:round/>
-                      <a:headEnd type="none" w="sm" len="sm"/>
-                      <a:tailEnd type="none" w="sm" len="sm"/>
-                    </a:lnB>
-                    <a:solidFill>
-                      <a:srgbClr val="FFFFFF"/>
-                    </a:solidFill>
-                  </a:tcPr>
-                </a:tc>
-                <a:extLst>
-                  <a:ext uri="{0D108BD9-81ED-4DB2-BD59-A6C34878D82A}">
                     <a16:rowId xmlns:a16="http://schemas.microsoft.com/office/drawing/2014/main" val="10023"/>
                   </a:ext>
                 </a:extLst>
               </a:tr>
-              <a:tr h="136275">
+              <a:tr h="156025">
                 <a:tc>
                   <a:txBody>
                     <a:bodyPr/>
@@ -34419,7 +34252,7 @@
                             </a:extLst>
                           </a:hlinkClick>
                         </a:rPr>
-                        <a:t>deepseek-v3.1-terminus</a:t>
+                        <a:t>kimi-k2-0711-preview</a:t>
                       </a:r>
                       <a:endParaRPr sz="800" u="sng">
                         <a:solidFill>
@@ -34568,12 +34401,12 @@
       </p:graphicFrame>
       <p:graphicFrame>
         <p:nvGraphicFramePr>
-          <p:cNvPr id="142" name="Google Shape;142;p16"/>
+          <p:cNvPr id="139" name="Google Shape;139;p16"/>
           <p:cNvGraphicFramePr/>
           <p:nvPr/>
         </p:nvGraphicFramePr>
         <p:xfrm>
-          <a:off x="3881740" y="558207"/>
+          <a:off x="3888885" y="559810"/>
           <a:ext cx="3000000" cy="3000000"/>
         </p:xfrm>
         <a:graphic>
@@ -34581,7 +34414,7 @@
             <a:tbl>
               <a:tblPr>
                 <a:noFill/>
-                <a:tableStyleId>{7B9B5A43-BCD1-46C5-A69A-043282906BB4}</a:tableStyleId>
+                <a:tableStyleId>{BBA01CF2-6966-4529-83C5-4C20ACC215FD}</a:tableStyleId>
               </a:tblPr>
               <a:tblGrid>
                 <a:gridCol w="1828800">
@@ -34599,7 +34432,7 @@
                   </a:extLst>
                 </a:gridCol>
               </a:tblGrid>
-              <a:tr h="153850">
+              <a:tr h="148350">
                 <a:tc>
                   <a:txBody>
                     <a:bodyPr/>
@@ -34758,7 +34591,7 @@
                   </a:ext>
                 </a:extLst>
               </a:tr>
-              <a:tr h="153850">
+              <a:tr h="148350">
                 <a:tc>
                   <a:txBody>
                     <a:bodyPr/>
@@ -34785,7 +34618,7 @@
                           <a:ea typeface="Calibri"/>
                           <a:cs typeface="Calibri"/>
                           <a:sym typeface="Calibri"/>
-                          <a:hlinkClick r:id="rId19">
+                          <a:hlinkClick r:id="rId18">
                             <a:extLst>
                               <a:ext uri="{A12FA001-AC4F-418D-AE19-62706E023703}">
                                 <ahyp:hlinkClr xmlns:ahyp="http://schemas.microsoft.com/office/drawing/2018/hyperlinkcolor" val="tx"/>
@@ -34875,7 +34708,7 @@
                           <a:cs typeface="Calibri"/>
                           <a:sym typeface="Calibri"/>
                         </a:rPr>
-                        <a:t>1524</a:t>
+                        <a:t>1525</a:t>
                       </a:r>
                       <a:endParaRPr sz="800">
                         <a:solidFill>
@@ -34936,7 +34769,7 @@
                   </a:ext>
                 </a:extLst>
               </a:tr>
-              <a:tr h="153850">
+              <a:tr h="148350">
                 <a:tc>
                   <a:txBody>
                     <a:bodyPr/>
@@ -34963,7 +34796,7 @@
                           <a:ea typeface="Calibri"/>
                           <a:cs typeface="Calibri"/>
                           <a:sym typeface="Calibri"/>
-                          <a:hlinkClick r:id="rId18">
+                          <a:hlinkClick r:id="rId19">
                             <a:extLst>
                               <a:ext uri="{A12FA001-AC4F-418D-AE19-62706E023703}">
                                 <ahyp:hlinkClr xmlns:ahyp="http://schemas.microsoft.com/office/drawing/2018/hyperlinkcolor" val="tx"/>
@@ -35053,7 +34886,7 @@
                           <a:cs typeface="Calibri"/>
                           <a:sym typeface="Calibri"/>
                         </a:rPr>
-                        <a:t>1516</a:t>
+                        <a:t>1514</a:t>
                       </a:r>
                       <a:endParaRPr sz="800">
                         <a:solidFill>
@@ -35114,7 +34947,7 @@
                   </a:ext>
                 </a:extLst>
               </a:tr>
-              <a:tr h="153850">
+              <a:tr h="148350">
                 <a:tc>
                   <a:txBody>
                     <a:bodyPr/>
@@ -35141,7 +34974,7 @@
                           <a:ea typeface="Calibri"/>
                           <a:cs typeface="Calibri"/>
                           <a:sym typeface="Calibri"/>
-                          <a:hlinkClick r:id="rId18">
+                          <a:hlinkClick r:id="rId19">
                             <a:extLst>
                               <a:ext uri="{A12FA001-AC4F-418D-AE19-62706E023703}">
                                 <ahyp:hlinkClr xmlns:ahyp="http://schemas.microsoft.com/office/drawing/2018/hyperlinkcolor" val="tx"/>
@@ -35292,7 +35125,185 @@
                   </a:ext>
                 </a:extLst>
               </a:tr>
-              <a:tr h="153850">
+              <a:tr h="148350">
+                <a:tc>
+                  <a:txBody>
+                    <a:bodyPr/>
+                    <a:lstStyle/>
+                    <a:p>
+                      <a:pPr marL="0" lvl="0" indent="0" algn="l" rtl="0">
+                        <a:lnSpc>
+                          <a:spcPct val="115000"/>
+                        </a:lnSpc>
+                        <a:spcBef>
+                          <a:spcPts val="0"/>
+                        </a:spcBef>
+                        <a:spcAft>
+                          <a:spcPts val="0"/>
+                        </a:spcAft>
+                        <a:buNone/>
+                      </a:pPr>
+                      <a:r>
+                        <a:rPr lang="en" sz="800" u="sng">
+                          <a:solidFill>
+                            <a:srgbClr val="1155CC"/>
+                          </a:solidFill>
+                          <a:latin typeface="Calibri"/>
+                          <a:ea typeface="Calibri"/>
+                          <a:cs typeface="Calibri"/>
+                          <a:sym typeface="Calibri"/>
+                          <a:hlinkClick r:id="rId18">
+                            <a:extLst>
+                              <a:ext uri="{A12FA001-AC4F-418D-AE19-62706E023703}">
+                                <ahyp:hlinkClr xmlns:ahyp="http://schemas.microsoft.com/office/drawing/2018/hyperlinkcolor" val="tx"/>
+                              </a:ext>
+                            </a:extLst>
+                          </a:hlinkClick>
+                        </a:rPr>
+                        <a:t>claude-sonnet-4-5-20250929</a:t>
+                      </a:r>
+                      <a:endParaRPr sz="800" u="sng">
+                        <a:solidFill>
+                          <a:srgbClr val="1155CC"/>
+                        </a:solidFill>
+                        <a:latin typeface="Calibri"/>
+                        <a:ea typeface="Calibri"/>
+                        <a:cs typeface="Calibri"/>
+                        <a:sym typeface="Calibri"/>
+                      </a:endParaRPr>
+                    </a:p>
+                  </a:txBody>
+                  <a:tcPr marL="28575" marR="28575" marT="19050" marB="19050" anchor="b">
+                    <a:lnL w="9525" cap="flat" cmpd="sng">
+                      <a:solidFill>
+                        <a:srgbClr val="FF0000"/>
+                      </a:solidFill>
+                      <a:prstDash val="solid"/>
+                      <a:round/>
+                      <a:headEnd type="none" w="sm" len="sm"/>
+                      <a:tailEnd type="none" w="sm" len="sm"/>
+                    </a:lnL>
+                    <a:lnR w="9525" cap="flat" cmpd="sng">
+                      <a:solidFill>
+                        <a:srgbClr val="FF0000"/>
+                      </a:solidFill>
+                      <a:prstDash val="solid"/>
+                      <a:round/>
+                      <a:headEnd type="none" w="sm" len="sm"/>
+                      <a:tailEnd type="none" w="sm" len="sm"/>
+                    </a:lnR>
+                    <a:lnT w="9525" cap="flat" cmpd="sng">
+                      <a:solidFill>
+                        <a:srgbClr val="FF0000"/>
+                      </a:solidFill>
+                      <a:prstDash val="solid"/>
+                      <a:round/>
+                      <a:headEnd type="none" w="sm" len="sm"/>
+                      <a:tailEnd type="none" w="sm" len="sm"/>
+                    </a:lnT>
+                    <a:lnB w="9525" cap="flat" cmpd="sng">
+                      <a:solidFill>
+                        <a:srgbClr val="FF0000"/>
+                      </a:solidFill>
+                      <a:prstDash val="solid"/>
+                      <a:round/>
+                      <a:headEnd type="none" w="sm" len="sm"/>
+                      <a:tailEnd type="none" w="sm" len="sm"/>
+                    </a:lnB>
+                    <a:solidFill>
+                      <a:srgbClr val="FFFFFF"/>
+                    </a:solidFill>
+                  </a:tcPr>
+                </a:tc>
+                <a:tc>
+                  <a:txBody>
+                    <a:bodyPr/>
+                    <a:lstStyle/>
+                    <a:p>
+                      <a:pPr marL="0" lvl="0" indent="0" algn="r" rtl="0">
+                        <a:lnSpc>
+                          <a:spcPct val="115000"/>
+                        </a:lnSpc>
+                        <a:spcBef>
+                          <a:spcPts val="0"/>
+                        </a:spcBef>
+                        <a:spcAft>
+                          <a:spcPts val="0"/>
+                        </a:spcAft>
+                        <a:buNone/>
+                      </a:pPr>
+                      <a:r>
+                        <a:rPr lang="en" sz="800">
+                          <a:solidFill>
+                            <a:srgbClr val="636879"/>
+                          </a:solidFill>
+                          <a:latin typeface="Calibri"/>
+                          <a:ea typeface="Calibri"/>
+                          <a:cs typeface="Calibri"/>
+                          <a:sym typeface="Calibri"/>
+                        </a:rPr>
+                        <a:t>1495</a:t>
+                      </a:r>
+                      <a:endParaRPr sz="800">
+                        <a:solidFill>
+                          <a:srgbClr val="636879"/>
+                        </a:solidFill>
+                        <a:latin typeface="Calibri"/>
+                        <a:ea typeface="Calibri"/>
+                        <a:cs typeface="Calibri"/>
+                        <a:sym typeface="Calibri"/>
+                      </a:endParaRPr>
+                    </a:p>
+                  </a:txBody>
+                  <a:tcPr marL="28575" marR="28575" marT="19050" marB="19050" anchor="b">
+                    <a:lnL w="9525" cap="flat" cmpd="sng">
+                      <a:solidFill>
+                        <a:srgbClr val="FF0000"/>
+                      </a:solidFill>
+                      <a:prstDash val="solid"/>
+                      <a:round/>
+                      <a:headEnd type="none" w="sm" len="sm"/>
+                      <a:tailEnd type="none" w="sm" len="sm"/>
+                    </a:lnL>
+                    <a:lnR w="9525" cap="flat" cmpd="sng">
+                      <a:solidFill>
+                        <a:srgbClr val="FF0000"/>
+                      </a:solidFill>
+                      <a:prstDash val="solid"/>
+                      <a:round/>
+                      <a:headEnd type="none" w="sm" len="sm"/>
+                      <a:tailEnd type="none" w="sm" len="sm"/>
+                    </a:lnR>
+                    <a:lnT w="9525" cap="flat" cmpd="sng">
+                      <a:solidFill>
+                        <a:srgbClr val="FF0000"/>
+                      </a:solidFill>
+                      <a:prstDash val="solid"/>
+                      <a:round/>
+                      <a:headEnd type="none" w="sm" len="sm"/>
+                      <a:tailEnd type="none" w="sm" len="sm"/>
+                    </a:lnT>
+                    <a:lnB w="9525" cap="flat" cmpd="sng">
+                      <a:solidFill>
+                        <a:srgbClr val="FF0000"/>
+                      </a:solidFill>
+                      <a:prstDash val="solid"/>
+                      <a:round/>
+                      <a:headEnd type="none" w="sm" len="sm"/>
+                      <a:tailEnd type="none" w="sm" len="sm"/>
+                    </a:lnB>
+                    <a:solidFill>
+                      <a:srgbClr val="FFFFFF"/>
+                    </a:solidFill>
+                  </a:tcPr>
+                </a:tc>
+                <a:extLst>
+                  <a:ext uri="{0D108BD9-81ED-4DB2-BD59-A6C34878D82A}">
+                    <a16:rowId xmlns:a16="http://schemas.microsoft.com/office/drawing/2014/main" val="10004"/>
+                  </a:ext>
+                </a:extLst>
+              </a:tr>
+              <a:tr h="148350">
                 <a:tc>
                   <a:txBody>
                     <a:bodyPr/>
@@ -35409,7 +35420,7 @@
                           <a:cs typeface="Calibri"/>
                           <a:sym typeface="Calibri"/>
                         </a:rPr>
-                        <a:t>1496</a:t>
+                        <a:t>1495</a:t>
                       </a:r>
                       <a:endParaRPr sz="800">
                         <a:solidFill>
@@ -35466,11 +35477,11 @@
                 </a:tc>
                 <a:extLst>
                   <a:ext uri="{0D108BD9-81ED-4DB2-BD59-A6C34878D82A}">
-                    <a16:rowId xmlns:a16="http://schemas.microsoft.com/office/drawing/2014/main" val="10004"/>
+                    <a16:rowId xmlns:a16="http://schemas.microsoft.com/office/drawing/2014/main" val="10005"/>
                   </a:ext>
                 </a:extLst>
               </a:tr>
-              <a:tr h="153850">
+              <a:tr h="148350">
                 <a:tc>
                   <a:txBody>
                     <a:bodyPr/>
@@ -35587,7 +35598,7 @@
                           <a:cs typeface="Calibri"/>
                           <a:sym typeface="Calibri"/>
                         </a:rPr>
-                        <a:t>1483</a:t>
+                        <a:t>1482</a:t>
                       </a:r>
                       <a:endParaRPr sz="800">
                         <a:solidFill>
@@ -35644,11 +35655,11 @@
                 </a:tc>
                 <a:extLst>
                   <a:ext uri="{0D108BD9-81ED-4DB2-BD59-A6C34878D82A}">
-                    <a16:rowId xmlns:a16="http://schemas.microsoft.com/office/drawing/2014/main" val="10005"/>
+                    <a16:rowId xmlns:a16="http://schemas.microsoft.com/office/drawing/2014/main" val="10006"/>
                   </a:ext>
                 </a:extLst>
               </a:tr>
-              <a:tr h="153850">
+              <a:tr h="148350">
                 <a:tc>
                   <a:txBody>
                     <a:bodyPr/>
@@ -35765,7 +35776,7 @@
                           <a:cs typeface="Calibri"/>
                           <a:sym typeface="Calibri"/>
                         </a:rPr>
-                        <a:t>1481</a:t>
+                        <a:t>1476</a:t>
                       </a:r>
                       <a:endParaRPr sz="800">
                         <a:solidFill>
@@ -35822,11 +35833,11 @@
                 </a:tc>
                 <a:extLst>
                   <a:ext uri="{0D108BD9-81ED-4DB2-BD59-A6C34878D82A}">
-                    <a16:rowId xmlns:a16="http://schemas.microsoft.com/office/drawing/2014/main" val="10006"/>
+                    <a16:rowId xmlns:a16="http://schemas.microsoft.com/office/drawing/2014/main" val="10007"/>
                   </a:ext>
                 </a:extLst>
               </a:tr>
-              <a:tr h="153850">
+              <a:tr h="148350">
                 <a:tc>
                   <a:txBody>
                     <a:bodyPr/>
@@ -35853,7 +35864,7 @@
                           <a:ea typeface="Calibri"/>
                           <a:cs typeface="Calibri"/>
                           <a:sym typeface="Calibri"/>
-                          <a:hlinkClick r:id="rId25">
+                          <a:hlinkClick r:id="rId27">
                             <a:extLst>
                               <a:ext uri="{A12FA001-AC4F-418D-AE19-62706E023703}">
                                 <ahyp:hlinkClr xmlns:ahyp="http://schemas.microsoft.com/office/drawing/2018/hyperlinkcolor" val="tx"/>
@@ -35861,7 +35872,7 @@
                             </a:extLst>
                           </a:hlinkClick>
                         </a:rPr>
-                        <a:t>glm-4.6</a:t>
+                        <a:t>qwen3-max-2025-09-23</a:t>
                       </a:r>
                       <a:endParaRPr sz="800" u="sng">
                         <a:solidFill>
@@ -36000,11 +36011,11 @@
                 </a:tc>
                 <a:extLst>
                   <a:ext uri="{0D108BD9-81ED-4DB2-BD59-A6C34878D82A}">
-                    <a16:rowId xmlns:a16="http://schemas.microsoft.com/office/drawing/2014/main" val="10007"/>
+                    <a16:rowId xmlns:a16="http://schemas.microsoft.com/office/drawing/2014/main" val="10008"/>
                   </a:ext>
                 </a:extLst>
               </a:tr>
-              <a:tr h="153850">
+              <a:tr h="148350">
                 <a:tc>
                   <a:txBody>
                     <a:bodyPr/>
@@ -36178,11 +36189,11 @@
                 </a:tc>
                 <a:extLst>
                   <a:ext uri="{0D108BD9-81ED-4DB2-BD59-A6C34878D82A}">
-                    <a16:rowId xmlns:a16="http://schemas.microsoft.com/office/drawing/2014/main" val="10008"/>
+                    <a16:rowId xmlns:a16="http://schemas.microsoft.com/office/drawing/2014/main" val="10009"/>
                   </a:ext>
                 </a:extLst>
               </a:tr>
-              <a:tr h="153850">
+              <a:tr h="148350">
                 <a:tc>
                   <a:txBody>
                     <a:bodyPr/>
@@ -36209,7 +36220,7 @@
                           <a:ea typeface="Calibri"/>
                           <a:cs typeface="Calibri"/>
                           <a:sym typeface="Calibri"/>
-                          <a:hlinkClick r:id="rId27">
+                          <a:hlinkClick r:id="rId29">
                             <a:extLst>
                               <a:ext uri="{A12FA001-AC4F-418D-AE19-62706E023703}">
                                 <ahyp:hlinkClr xmlns:ahyp="http://schemas.microsoft.com/office/drawing/2018/hyperlinkcolor" val="tx"/>
@@ -36217,7 +36228,7 @@
                             </a:extLst>
                           </a:hlinkClick>
                         </a:rPr>
-                        <a:t>qwen3-max-2025-09-23</a:t>
+                        <a:t>kimi-k2-thinking</a:t>
                       </a:r>
                       <a:endParaRPr sz="800" u="sng">
                         <a:solidFill>
@@ -36299,7 +36310,7 @@
                           <a:cs typeface="Calibri"/>
                           <a:sym typeface="Calibri"/>
                         </a:rPr>
-                        <a:t>1474</a:t>
+                        <a:t>1473</a:t>
                       </a:r>
                       <a:endParaRPr sz="800">
                         <a:solidFill>
@@ -36356,11 +36367,11 @@
                 </a:tc>
                 <a:extLst>
                   <a:ext uri="{0D108BD9-81ED-4DB2-BD59-A6C34878D82A}">
-                    <a16:rowId xmlns:a16="http://schemas.microsoft.com/office/drawing/2014/main" val="10009"/>
+                    <a16:rowId xmlns:a16="http://schemas.microsoft.com/office/drawing/2014/main" val="10010"/>
                   </a:ext>
                 </a:extLst>
               </a:tr>
-              <a:tr h="153850">
+              <a:tr h="148350">
                 <a:tc>
                   <a:txBody>
                     <a:bodyPr/>
@@ -36387,7 +36398,363 @@
                           <a:ea typeface="Calibri"/>
                           <a:cs typeface="Calibri"/>
                           <a:sym typeface="Calibri"/>
-                          <a:hlinkClick r:id="rId29">
+                          <a:hlinkClick r:id="rId25">
+                            <a:extLst>
+                              <a:ext uri="{A12FA001-AC4F-418D-AE19-62706E023703}">
+                                <ahyp:hlinkClr xmlns:ahyp="http://schemas.microsoft.com/office/drawing/2018/hyperlinkcolor" val="tx"/>
+                              </a:ext>
+                            </a:extLst>
+                          </a:hlinkClick>
+                        </a:rPr>
+                        <a:t>glm-4.6</a:t>
+                      </a:r>
+                      <a:endParaRPr sz="800" u="sng">
+                        <a:solidFill>
+                          <a:srgbClr val="1155CC"/>
+                        </a:solidFill>
+                        <a:latin typeface="Calibri"/>
+                        <a:ea typeface="Calibri"/>
+                        <a:cs typeface="Calibri"/>
+                        <a:sym typeface="Calibri"/>
+                      </a:endParaRPr>
+                    </a:p>
+                  </a:txBody>
+                  <a:tcPr marL="28575" marR="28575" marT="19050" marB="19050" anchor="b">
+                    <a:lnL w="9525" cap="flat" cmpd="sng">
+                      <a:solidFill>
+                        <a:srgbClr val="FF0000"/>
+                      </a:solidFill>
+                      <a:prstDash val="solid"/>
+                      <a:round/>
+                      <a:headEnd type="none" w="sm" len="sm"/>
+                      <a:tailEnd type="none" w="sm" len="sm"/>
+                    </a:lnL>
+                    <a:lnR w="9525" cap="flat" cmpd="sng">
+                      <a:solidFill>
+                        <a:srgbClr val="FF0000"/>
+                      </a:solidFill>
+                      <a:prstDash val="solid"/>
+                      <a:round/>
+                      <a:headEnd type="none" w="sm" len="sm"/>
+                      <a:tailEnd type="none" w="sm" len="sm"/>
+                    </a:lnR>
+                    <a:lnT w="9525" cap="flat" cmpd="sng">
+                      <a:solidFill>
+                        <a:srgbClr val="FF0000"/>
+                      </a:solidFill>
+                      <a:prstDash val="solid"/>
+                      <a:round/>
+                      <a:headEnd type="none" w="sm" len="sm"/>
+                      <a:tailEnd type="none" w="sm" len="sm"/>
+                    </a:lnT>
+                    <a:lnB w="9525" cap="flat" cmpd="sng">
+                      <a:solidFill>
+                        <a:srgbClr val="FF0000"/>
+                      </a:solidFill>
+                      <a:prstDash val="solid"/>
+                      <a:round/>
+                      <a:headEnd type="none" w="sm" len="sm"/>
+                      <a:tailEnd type="none" w="sm" len="sm"/>
+                    </a:lnB>
+                    <a:solidFill>
+                      <a:srgbClr val="FFFFFF"/>
+                    </a:solidFill>
+                  </a:tcPr>
+                </a:tc>
+                <a:tc>
+                  <a:txBody>
+                    <a:bodyPr/>
+                    <a:lstStyle/>
+                    <a:p>
+                      <a:pPr marL="0" lvl="0" indent="0" algn="r" rtl="0">
+                        <a:lnSpc>
+                          <a:spcPct val="115000"/>
+                        </a:lnSpc>
+                        <a:spcBef>
+                          <a:spcPts val="0"/>
+                        </a:spcBef>
+                        <a:spcAft>
+                          <a:spcPts val="0"/>
+                        </a:spcAft>
+                        <a:buNone/>
+                      </a:pPr>
+                      <a:r>
+                        <a:rPr lang="en" sz="800">
+                          <a:solidFill>
+                            <a:srgbClr val="636879"/>
+                          </a:solidFill>
+                          <a:latin typeface="Calibri"/>
+                          <a:ea typeface="Calibri"/>
+                          <a:cs typeface="Calibri"/>
+                          <a:sym typeface="Calibri"/>
+                        </a:rPr>
+                        <a:t>1472</a:t>
+                      </a:r>
+                      <a:endParaRPr sz="800">
+                        <a:solidFill>
+                          <a:srgbClr val="636879"/>
+                        </a:solidFill>
+                        <a:latin typeface="Calibri"/>
+                        <a:ea typeface="Calibri"/>
+                        <a:cs typeface="Calibri"/>
+                        <a:sym typeface="Calibri"/>
+                      </a:endParaRPr>
+                    </a:p>
+                  </a:txBody>
+                  <a:tcPr marL="28575" marR="28575" marT="19050" marB="19050" anchor="b">
+                    <a:lnL w="9525" cap="flat" cmpd="sng">
+                      <a:solidFill>
+                        <a:srgbClr val="FF0000"/>
+                      </a:solidFill>
+                      <a:prstDash val="solid"/>
+                      <a:round/>
+                      <a:headEnd type="none" w="sm" len="sm"/>
+                      <a:tailEnd type="none" w="sm" len="sm"/>
+                    </a:lnL>
+                    <a:lnR w="9525" cap="flat" cmpd="sng">
+                      <a:solidFill>
+                        <a:srgbClr val="FF0000"/>
+                      </a:solidFill>
+                      <a:prstDash val="solid"/>
+                      <a:round/>
+                      <a:headEnd type="none" w="sm" len="sm"/>
+                      <a:tailEnd type="none" w="sm" len="sm"/>
+                    </a:lnR>
+                    <a:lnT w="9525" cap="flat" cmpd="sng">
+                      <a:solidFill>
+                        <a:srgbClr val="FF0000"/>
+                      </a:solidFill>
+                      <a:prstDash val="solid"/>
+                      <a:round/>
+                      <a:headEnd type="none" w="sm" len="sm"/>
+                      <a:tailEnd type="none" w="sm" len="sm"/>
+                    </a:lnT>
+                    <a:lnB w="9525" cap="flat" cmpd="sng">
+                      <a:solidFill>
+                        <a:srgbClr val="FF0000"/>
+                      </a:solidFill>
+                      <a:prstDash val="solid"/>
+                      <a:round/>
+                      <a:headEnd type="none" w="sm" len="sm"/>
+                      <a:tailEnd type="none" w="sm" len="sm"/>
+                    </a:lnB>
+                    <a:solidFill>
+                      <a:srgbClr val="FFFFFF"/>
+                    </a:solidFill>
+                  </a:tcPr>
+                </a:tc>
+                <a:extLst>
+                  <a:ext uri="{0D108BD9-81ED-4DB2-BD59-A6C34878D82A}">
+                    <a16:rowId xmlns:a16="http://schemas.microsoft.com/office/drawing/2014/main" val="10011"/>
+                  </a:ext>
+                </a:extLst>
+              </a:tr>
+              <a:tr h="148350">
+                <a:tc>
+                  <a:txBody>
+                    <a:bodyPr/>
+                    <a:lstStyle/>
+                    <a:p>
+                      <a:pPr marL="0" lvl="0" indent="0" algn="l" rtl="0">
+                        <a:lnSpc>
+                          <a:spcPct val="115000"/>
+                        </a:lnSpc>
+                        <a:spcBef>
+                          <a:spcPts val="0"/>
+                        </a:spcBef>
+                        <a:spcAft>
+                          <a:spcPts val="0"/>
+                        </a:spcAft>
+                        <a:buNone/>
+                      </a:pPr>
+                      <a:r>
+                        <a:rPr lang="en" sz="800" u="sng">
+                          <a:solidFill>
+                            <a:srgbClr val="1155CC"/>
+                          </a:solidFill>
+                          <a:latin typeface="Calibri"/>
+                          <a:ea typeface="Calibri"/>
+                          <a:cs typeface="Calibri"/>
+                          <a:sym typeface="Calibri"/>
+                          <a:hlinkClick r:id="rId17">
+                            <a:extLst>
+                              <a:ext uri="{A12FA001-AC4F-418D-AE19-62706E023703}">
+                                <ahyp:hlinkClr xmlns:ahyp="http://schemas.microsoft.com/office/drawing/2018/hyperlinkcolor" val="tx"/>
+                              </a:ext>
+                            </a:extLst>
+                          </a:hlinkClick>
+                        </a:rPr>
+                        <a:t>gemini-2.5-pro</a:t>
+                      </a:r>
+                      <a:endParaRPr sz="800" u="sng">
+                        <a:solidFill>
+                          <a:srgbClr val="1155CC"/>
+                        </a:solidFill>
+                        <a:latin typeface="Calibri"/>
+                        <a:ea typeface="Calibri"/>
+                        <a:cs typeface="Calibri"/>
+                        <a:sym typeface="Calibri"/>
+                      </a:endParaRPr>
+                    </a:p>
+                  </a:txBody>
+                  <a:tcPr marL="28575" marR="28575" marT="19050" marB="19050" anchor="b">
+                    <a:lnL w="9525" cap="flat" cmpd="sng">
+                      <a:solidFill>
+                        <a:srgbClr val="FF0000"/>
+                      </a:solidFill>
+                      <a:prstDash val="solid"/>
+                      <a:round/>
+                      <a:headEnd type="none" w="sm" len="sm"/>
+                      <a:tailEnd type="none" w="sm" len="sm"/>
+                    </a:lnL>
+                    <a:lnR w="9525" cap="flat" cmpd="sng">
+                      <a:solidFill>
+                        <a:srgbClr val="FF0000"/>
+                      </a:solidFill>
+                      <a:prstDash val="solid"/>
+                      <a:round/>
+                      <a:headEnd type="none" w="sm" len="sm"/>
+                      <a:tailEnd type="none" w="sm" len="sm"/>
+                    </a:lnR>
+                    <a:lnT w="9525" cap="flat" cmpd="sng">
+                      <a:solidFill>
+                        <a:srgbClr val="FF0000"/>
+                      </a:solidFill>
+                      <a:prstDash val="solid"/>
+                      <a:round/>
+                      <a:headEnd type="none" w="sm" len="sm"/>
+                      <a:tailEnd type="none" w="sm" len="sm"/>
+                    </a:lnT>
+                    <a:lnB w="9525" cap="flat" cmpd="sng">
+                      <a:solidFill>
+                        <a:srgbClr val="FF0000"/>
+                      </a:solidFill>
+                      <a:prstDash val="solid"/>
+                      <a:round/>
+                      <a:headEnd type="none" w="sm" len="sm"/>
+                      <a:tailEnd type="none" w="sm" len="sm"/>
+                    </a:lnB>
+                    <a:solidFill>
+                      <a:srgbClr val="FFFFFF"/>
+                    </a:solidFill>
+                  </a:tcPr>
+                </a:tc>
+                <a:tc>
+                  <a:txBody>
+                    <a:bodyPr/>
+                    <a:lstStyle/>
+                    <a:p>
+                      <a:pPr marL="0" lvl="0" indent="0" algn="r" rtl="0">
+                        <a:lnSpc>
+                          <a:spcPct val="115000"/>
+                        </a:lnSpc>
+                        <a:spcBef>
+                          <a:spcPts val="0"/>
+                        </a:spcBef>
+                        <a:spcAft>
+                          <a:spcPts val="0"/>
+                        </a:spcAft>
+                        <a:buNone/>
+                      </a:pPr>
+                      <a:r>
+                        <a:rPr lang="en" sz="800">
+                          <a:solidFill>
+                            <a:srgbClr val="636879"/>
+                          </a:solidFill>
+                          <a:latin typeface="Calibri"/>
+                          <a:ea typeface="Calibri"/>
+                          <a:cs typeface="Calibri"/>
+                          <a:sym typeface="Calibri"/>
+                        </a:rPr>
+                        <a:t>1472</a:t>
+                      </a:r>
+                      <a:endParaRPr sz="800">
+                        <a:solidFill>
+                          <a:srgbClr val="636879"/>
+                        </a:solidFill>
+                        <a:latin typeface="Calibri"/>
+                        <a:ea typeface="Calibri"/>
+                        <a:cs typeface="Calibri"/>
+                        <a:sym typeface="Calibri"/>
+                      </a:endParaRPr>
+                    </a:p>
+                  </a:txBody>
+                  <a:tcPr marL="28575" marR="28575" marT="19050" marB="19050" anchor="b">
+                    <a:lnL w="9525" cap="flat" cmpd="sng">
+                      <a:solidFill>
+                        <a:srgbClr val="FF0000"/>
+                      </a:solidFill>
+                      <a:prstDash val="solid"/>
+                      <a:round/>
+                      <a:headEnd type="none" w="sm" len="sm"/>
+                      <a:tailEnd type="none" w="sm" len="sm"/>
+                    </a:lnL>
+                    <a:lnR w="9525" cap="flat" cmpd="sng">
+                      <a:solidFill>
+                        <a:srgbClr val="FF0000"/>
+                      </a:solidFill>
+                      <a:prstDash val="solid"/>
+                      <a:round/>
+                      <a:headEnd type="none" w="sm" len="sm"/>
+                      <a:tailEnd type="none" w="sm" len="sm"/>
+                    </a:lnR>
+                    <a:lnT w="9525" cap="flat" cmpd="sng">
+                      <a:solidFill>
+                        <a:srgbClr val="FF0000"/>
+                      </a:solidFill>
+                      <a:prstDash val="solid"/>
+                      <a:round/>
+                      <a:headEnd type="none" w="sm" len="sm"/>
+                      <a:tailEnd type="none" w="sm" len="sm"/>
+                    </a:lnT>
+                    <a:lnB w="9525" cap="flat" cmpd="sng">
+                      <a:solidFill>
+                        <a:srgbClr val="FF0000"/>
+                      </a:solidFill>
+                      <a:prstDash val="solid"/>
+                      <a:round/>
+                      <a:headEnd type="none" w="sm" len="sm"/>
+                      <a:tailEnd type="none" w="sm" len="sm"/>
+                    </a:lnB>
+                    <a:solidFill>
+                      <a:srgbClr val="FFFFFF"/>
+                    </a:solidFill>
+                  </a:tcPr>
+                </a:tc>
+                <a:extLst>
+                  <a:ext uri="{0D108BD9-81ED-4DB2-BD59-A6C34878D82A}">
+                    <a16:rowId xmlns:a16="http://schemas.microsoft.com/office/drawing/2014/main" val="10012"/>
+                  </a:ext>
+                </a:extLst>
+              </a:tr>
+              <a:tr h="148350">
+                <a:tc>
+                  <a:txBody>
+                    <a:bodyPr/>
+                    <a:lstStyle/>
+                    <a:p>
+                      <a:pPr marL="0" lvl="0" indent="0" algn="l" rtl="0">
+                        <a:lnSpc>
+                          <a:spcPct val="115000"/>
+                        </a:lnSpc>
+                        <a:spcBef>
+                          <a:spcPts val="0"/>
+                        </a:spcBef>
+                        <a:spcAft>
+                          <a:spcPts val="0"/>
+                        </a:spcAft>
+                        <a:buNone/>
+                      </a:pPr>
+                      <a:r>
+                        <a:rPr lang="en" sz="800" u="sng">
+                          <a:solidFill>
+                            <a:srgbClr val="1155CC"/>
+                          </a:solidFill>
+                          <a:latin typeface="Calibri"/>
+                          <a:ea typeface="Calibri"/>
+                          <a:cs typeface="Calibri"/>
+                          <a:sym typeface="Calibri"/>
+                          <a:hlinkClick r:id="rId31">
                             <a:extLst>
                               <a:ext uri="{A12FA001-AC4F-418D-AE19-62706E023703}">
                                 <ahyp:hlinkClr xmlns:ahyp="http://schemas.microsoft.com/office/drawing/2018/hyperlinkcolor" val="tx"/>
@@ -36534,11 +36901,11 @@
                 </a:tc>
                 <a:extLst>
                   <a:ext uri="{0D108BD9-81ED-4DB2-BD59-A6C34878D82A}">
-                    <a16:rowId xmlns:a16="http://schemas.microsoft.com/office/drawing/2014/main" val="10010"/>
+                    <a16:rowId xmlns:a16="http://schemas.microsoft.com/office/drawing/2014/main" val="10013"/>
                   </a:ext>
                 </a:extLst>
               </a:tr>
-              <a:tr h="153850">
+              <a:tr h="148350">
                 <a:tc>
                   <a:txBody>
                     <a:bodyPr/>
@@ -36574,6 +36941,184 @@
                           </a:hlinkClick>
                         </a:rPr>
                         <a:t>gpt-5-high</a:t>
+                      </a:r>
+                      <a:endParaRPr sz="800" u="sng">
+                        <a:solidFill>
+                          <a:srgbClr val="1155CC"/>
+                        </a:solidFill>
+                        <a:latin typeface="Calibri"/>
+                        <a:ea typeface="Calibri"/>
+                        <a:cs typeface="Calibri"/>
+                        <a:sym typeface="Calibri"/>
+                      </a:endParaRPr>
+                    </a:p>
+                  </a:txBody>
+                  <a:tcPr marL="28575" marR="28575" marT="19050" marB="19050" anchor="b">
+                    <a:lnL w="9525" cap="flat" cmpd="sng">
+                      <a:solidFill>
+                        <a:srgbClr val="FF0000"/>
+                      </a:solidFill>
+                      <a:prstDash val="solid"/>
+                      <a:round/>
+                      <a:headEnd type="none" w="sm" len="sm"/>
+                      <a:tailEnd type="none" w="sm" len="sm"/>
+                    </a:lnL>
+                    <a:lnR w="9525" cap="flat" cmpd="sng">
+                      <a:solidFill>
+                        <a:srgbClr val="FF0000"/>
+                      </a:solidFill>
+                      <a:prstDash val="solid"/>
+                      <a:round/>
+                      <a:headEnd type="none" w="sm" len="sm"/>
+                      <a:tailEnd type="none" w="sm" len="sm"/>
+                    </a:lnR>
+                    <a:lnT w="9525" cap="flat" cmpd="sng">
+                      <a:solidFill>
+                        <a:srgbClr val="FF0000"/>
+                      </a:solidFill>
+                      <a:prstDash val="solid"/>
+                      <a:round/>
+                      <a:headEnd type="none" w="sm" len="sm"/>
+                      <a:tailEnd type="none" w="sm" len="sm"/>
+                    </a:lnT>
+                    <a:lnB w="9525" cap="flat" cmpd="sng">
+                      <a:solidFill>
+                        <a:srgbClr val="FF0000"/>
+                      </a:solidFill>
+                      <a:prstDash val="solid"/>
+                      <a:round/>
+                      <a:headEnd type="none" w="sm" len="sm"/>
+                      <a:tailEnd type="none" w="sm" len="sm"/>
+                    </a:lnB>
+                    <a:solidFill>
+                      <a:srgbClr val="FFFFFF"/>
+                    </a:solidFill>
+                  </a:tcPr>
+                </a:tc>
+                <a:tc>
+                  <a:txBody>
+                    <a:bodyPr/>
+                    <a:lstStyle/>
+                    <a:p>
+                      <a:pPr marL="0" lvl="0" indent="0" algn="r" rtl="0">
+                        <a:lnSpc>
+                          <a:spcPct val="115000"/>
+                        </a:lnSpc>
+                        <a:spcBef>
+                          <a:spcPts val="0"/>
+                        </a:spcBef>
+                        <a:spcAft>
+                          <a:spcPts val="0"/>
+                        </a:spcAft>
+                        <a:buNone/>
+                      </a:pPr>
+                      <a:r>
+                        <a:rPr lang="en" sz="800">
+                          <a:solidFill>
+                            <a:srgbClr val="636879"/>
+                          </a:solidFill>
+                          <a:latin typeface="Calibri"/>
+                          <a:ea typeface="Calibri"/>
+                          <a:cs typeface="Calibri"/>
+                          <a:sym typeface="Calibri"/>
+                        </a:rPr>
+                        <a:t>1471</a:t>
+                      </a:r>
+                      <a:endParaRPr sz="800">
+                        <a:solidFill>
+                          <a:srgbClr val="636879"/>
+                        </a:solidFill>
+                        <a:latin typeface="Calibri"/>
+                        <a:ea typeface="Calibri"/>
+                        <a:cs typeface="Calibri"/>
+                        <a:sym typeface="Calibri"/>
+                      </a:endParaRPr>
+                    </a:p>
+                  </a:txBody>
+                  <a:tcPr marL="28575" marR="28575" marT="19050" marB="19050" anchor="b">
+                    <a:lnL w="9525" cap="flat" cmpd="sng">
+                      <a:solidFill>
+                        <a:srgbClr val="FF0000"/>
+                      </a:solidFill>
+                      <a:prstDash val="solid"/>
+                      <a:round/>
+                      <a:headEnd type="none" w="sm" len="sm"/>
+                      <a:tailEnd type="none" w="sm" len="sm"/>
+                    </a:lnL>
+                    <a:lnR w="9525" cap="flat" cmpd="sng">
+                      <a:solidFill>
+                        <a:srgbClr val="FF0000"/>
+                      </a:solidFill>
+                      <a:prstDash val="solid"/>
+                      <a:round/>
+                      <a:headEnd type="none" w="sm" len="sm"/>
+                      <a:tailEnd type="none" w="sm" len="sm"/>
+                    </a:lnR>
+                    <a:lnT w="9525" cap="flat" cmpd="sng">
+                      <a:solidFill>
+                        <a:srgbClr val="FF0000"/>
+                      </a:solidFill>
+                      <a:prstDash val="solid"/>
+                      <a:round/>
+                      <a:headEnd type="none" w="sm" len="sm"/>
+                      <a:tailEnd type="none" w="sm" len="sm"/>
+                    </a:lnT>
+                    <a:lnB w="9525" cap="flat" cmpd="sng">
+                      <a:solidFill>
+                        <a:srgbClr val="FF0000"/>
+                      </a:solidFill>
+                      <a:prstDash val="solid"/>
+                      <a:round/>
+                      <a:headEnd type="none" w="sm" len="sm"/>
+                      <a:tailEnd type="none" w="sm" len="sm"/>
+                    </a:lnB>
+                    <a:solidFill>
+                      <a:srgbClr val="FFFFFF"/>
+                    </a:solidFill>
+                  </a:tcPr>
+                </a:tc>
+                <a:extLst>
+                  <a:ext uri="{0D108BD9-81ED-4DB2-BD59-A6C34878D82A}">
+                    <a16:rowId xmlns:a16="http://schemas.microsoft.com/office/drawing/2014/main" val="10014"/>
+                  </a:ext>
+                </a:extLst>
+              </a:tr>
+              <a:tr h="148350">
+                <a:tc>
+                  <a:txBody>
+                    <a:bodyPr/>
+                    <a:lstStyle/>
+                    <a:p>
+                      <a:pPr marL="0" lvl="0" indent="0" algn="l" rtl="0">
+                        <a:lnSpc>
+                          <a:spcPct val="115000"/>
+                        </a:lnSpc>
+                        <a:spcBef>
+                          <a:spcPts val="0"/>
+                        </a:spcBef>
+                        <a:spcAft>
+                          <a:spcPts val="0"/>
+                        </a:spcAft>
+                        <a:buNone/>
+                      </a:pPr>
+                      <a:r>
+                        <a:rPr lang="en" sz="800" u="sng">
+                          <a:solidFill>
+                            <a:srgbClr val="1155CC"/>
+                          </a:solidFill>
+                          <a:latin typeface="Calibri"/>
+                          <a:ea typeface="Calibri"/>
+                          <a:cs typeface="Calibri"/>
+                          <a:sym typeface="Calibri"/>
+                          <a:hlinkClick r:id="rId32">
+                            <a:extLst>
+                              <a:ext uri="{A12FA001-AC4F-418D-AE19-62706E023703}">
+                                <ahyp:hlinkClr xmlns:ahyp="http://schemas.microsoft.com/office/drawing/2018/hyperlinkcolor" val="tx"/>
+                              </a:ext>
+                            </a:extLst>
+                          </a:hlinkClick>
+                        </a:rPr>
+                        <a:t>qwen3-235b-a22b-instruct-2507</a:t>
                       </a:r>
                       <a:endParaRPr sz="800" u="sng">
                         <a:solidFill>
@@ -36712,189 +37257,11 @@
                 </a:tc>
                 <a:extLst>
                   <a:ext uri="{0D108BD9-81ED-4DB2-BD59-A6C34878D82A}">
-                    <a16:rowId xmlns:a16="http://schemas.microsoft.com/office/drawing/2014/main" val="10011"/>
+                    <a16:rowId xmlns:a16="http://schemas.microsoft.com/office/drawing/2014/main" val="10015"/>
                   </a:ext>
                 </a:extLst>
               </a:tr>
-              <a:tr h="153850">
-                <a:tc>
-                  <a:txBody>
-                    <a:bodyPr/>
-                    <a:lstStyle/>
-                    <a:p>
-                      <a:pPr marL="0" lvl="0" indent="0" algn="l" rtl="0">
-                        <a:lnSpc>
-                          <a:spcPct val="115000"/>
-                        </a:lnSpc>
-                        <a:spcBef>
-                          <a:spcPts val="0"/>
-                        </a:spcBef>
-                        <a:spcAft>
-                          <a:spcPts val="0"/>
-                        </a:spcAft>
-                        <a:buNone/>
-                      </a:pPr>
-                      <a:r>
-                        <a:rPr lang="en" sz="800" u="sng">
-                          <a:solidFill>
-                            <a:srgbClr val="1155CC"/>
-                          </a:solidFill>
-                          <a:latin typeface="Calibri"/>
-                          <a:ea typeface="Calibri"/>
-                          <a:cs typeface="Calibri"/>
-                          <a:sym typeface="Calibri"/>
-                          <a:hlinkClick r:id="rId17">
-                            <a:extLst>
-                              <a:ext uri="{A12FA001-AC4F-418D-AE19-62706E023703}">
-                                <ahyp:hlinkClr xmlns:ahyp="http://schemas.microsoft.com/office/drawing/2018/hyperlinkcolor" val="tx"/>
-                              </a:ext>
-                            </a:extLst>
-                          </a:hlinkClick>
-                        </a:rPr>
-                        <a:t>gemini-2.5-pro</a:t>
-                      </a:r>
-                      <a:endParaRPr sz="800" u="sng">
-                        <a:solidFill>
-                          <a:srgbClr val="1155CC"/>
-                        </a:solidFill>
-                        <a:latin typeface="Calibri"/>
-                        <a:ea typeface="Calibri"/>
-                        <a:cs typeface="Calibri"/>
-                        <a:sym typeface="Calibri"/>
-                      </a:endParaRPr>
-                    </a:p>
-                  </a:txBody>
-                  <a:tcPr marL="28575" marR="28575" marT="19050" marB="19050" anchor="b">
-                    <a:lnL w="9525" cap="flat" cmpd="sng">
-                      <a:solidFill>
-                        <a:srgbClr val="FF0000"/>
-                      </a:solidFill>
-                      <a:prstDash val="solid"/>
-                      <a:round/>
-                      <a:headEnd type="none" w="sm" len="sm"/>
-                      <a:tailEnd type="none" w="sm" len="sm"/>
-                    </a:lnL>
-                    <a:lnR w="9525" cap="flat" cmpd="sng">
-                      <a:solidFill>
-                        <a:srgbClr val="FF0000"/>
-                      </a:solidFill>
-                      <a:prstDash val="solid"/>
-                      <a:round/>
-                      <a:headEnd type="none" w="sm" len="sm"/>
-                      <a:tailEnd type="none" w="sm" len="sm"/>
-                    </a:lnR>
-                    <a:lnT w="9525" cap="flat" cmpd="sng">
-                      <a:solidFill>
-                        <a:srgbClr val="FF0000"/>
-                      </a:solidFill>
-                      <a:prstDash val="solid"/>
-                      <a:round/>
-                      <a:headEnd type="none" w="sm" len="sm"/>
-                      <a:tailEnd type="none" w="sm" len="sm"/>
-                    </a:lnT>
-                    <a:lnB w="9525" cap="flat" cmpd="sng">
-                      <a:solidFill>
-                        <a:srgbClr val="FF0000"/>
-                      </a:solidFill>
-                      <a:prstDash val="solid"/>
-                      <a:round/>
-                      <a:headEnd type="none" w="sm" len="sm"/>
-                      <a:tailEnd type="none" w="sm" len="sm"/>
-                    </a:lnB>
-                    <a:solidFill>
-                      <a:srgbClr val="FFFFFF"/>
-                    </a:solidFill>
-                  </a:tcPr>
-                </a:tc>
-                <a:tc>
-                  <a:txBody>
-                    <a:bodyPr/>
-                    <a:lstStyle/>
-                    <a:p>
-                      <a:pPr marL="0" lvl="0" indent="0" algn="r" rtl="0">
-                        <a:lnSpc>
-                          <a:spcPct val="115000"/>
-                        </a:lnSpc>
-                        <a:spcBef>
-                          <a:spcPts val="0"/>
-                        </a:spcBef>
-                        <a:spcAft>
-                          <a:spcPts val="0"/>
-                        </a:spcAft>
-                        <a:buNone/>
-                      </a:pPr>
-                      <a:r>
-                        <a:rPr lang="en" sz="800">
-                          <a:solidFill>
-                            <a:srgbClr val="636879"/>
-                          </a:solidFill>
-                          <a:latin typeface="Calibri"/>
-                          <a:ea typeface="Calibri"/>
-                          <a:cs typeface="Calibri"/>
-                          <a:sym typeface="Calibri"/>
-                        </a:rPr>
-                        <a:t>1470</a:t>
-                      </a:r>
-                      <a:endParaRPr sz="800">
-                        <a:solidFill>
-                          <a:srgbClr val="636879"/>
-                        </a:solidFill>
-                        <a:latin typeface="Calibri"/>
-                        <a:ea typeface="Calibri"/>
-                        <a:cs typeface="Calibri"/>
-                        <a:sym typeface="Calibri"/>
-                      </a:endParaRPr>
-                    </a:p>
-                  </a:txBody>
-                  <a:tcPr marL="28575" marR="28575" marT="19050" marB="19050" anchor="b">
-                    <a:lnL w="9525" cap="flat" cmpd="sng">
-                      <a:solidFill>
-                        <a:srgbClr val="FF0000"/>
-                      </a:solidFill>
-                      <a:prstDash val="solid"/>
-                      <a:round/>
-                      <a:headEnd type="none" w="sm" len="sm"/>
-                      <a:tailEnd type="none" w="sm" len="sm"/>
-                    </a:lnL>
-                    <a:lnR w="9525" cap="flat" cmpd="sng">
-                      <a:solidFill>
-                        <a:srgbClr val="FF0000"/>
-                      </a:solidFill>
-                      <a:prstDash val="solid"/>
-                      <a:round/>
-                      <a:headEnd type="none" w="sm" len="sm"/>
-                      <a:tailEnd type="none" w="sm" len="sm"/>
-                    </a:lnR>
-                    <a:lnT w="9525" cap="flat" cmpd="sng">
-                      <a:solidFill>
-                        <a:srgbClr val="FF0000"/>
-                      </a:solidFill>
-                      <a:prstDash val="solid"/>
-                      <a:round/>
-                      <a:headEnd type="none" w="sm" len="sm"/>
-                      <a:tailEnd type="none" w="sm" len="sm"/>
-                    </a:lnT>
-                    <a:lnB w="9525" cap="flat" cmpd="sng">
-                      <a:solidFill>
-                        <a:srgbClr val="FF0000"/>
-                      </a:solidFill>
-                      <a:prstDash val="solid"/>
-                      <a:round/>
-                      <a:headEnd type="none" w="sm" len="sm"/>
-                      <a:tailEnd type="none" w="sm" len="sm"/>
-                    </a:lnB>
-                    <a:solidFill>
-                      <a:srgbClr val="FFFFFF"/>
-                    </a:solidFill>
-                  </a:tcPr>
-                </a:tc>
-                <a:extLst>
-                  <a:ext uri="{0D108BD9-81ED-4DB2-BD59-A6C34878D82A}">
-                    <a16:rowId xmlns:a16="http://schemas.microsoft.com/office/drawing/2014/main" val="10012"/>
-                  </a:ext>
-                </a:extLst>
-              </a:tr>
-              <a:tr h="153850">
+              <a:tr h="148350">
                 <a:tc>
                   <a:txBody>
                     <a:bodyPr/>
@@ -37068,11 +37435,11 @@
                 </a:tc>
                 <a:extLst>
                   <a:ext uri="{0D108BD9-81ED-4DB2-BD59-A6C34878D82A}">
-                    <a16:rowId xmlns:a16="http://schemas.microsoft.com/office/drawing/2014/main" val="10013"/>
+                    <a16:rowId xmlns:a16="http://schemas.microsoft.com/office/drawing/2014/main" val="10016"/>
                   </a:ext>
                 </a:extLst>
               </a:tr>
-              <a:tr h="153850">
+              <a:tr h="148350">
                 <a:tc>
                   <a:txBody>
                     <a:bodyPr/>
@@ -37099,363 +37466,7 @@
                           <a:ea typeface="Calibri"/>
                           <a:cs typeface="Calibri"/>
                           <a:sym typeface="Calibri"/>
-                          <a:hlinkClick r:id="rId30">
-                            <a:extLst>
-                              <a:ext uri="{A12FA001-AC4F-418D-AE19-62706E023703}">
-                                <ahyp:hlinkClr xmlns:ahyp="http://schemas.microsoft.com/office/drawing/2018/hyperlinkcolor" val="tx"/>
-                              </a:ext>
-                            </a:extLst>
-                          </a:hlinkClick>
-                        </a:rPr>
-                        <a:t>qwen3-235b-a22b-instruct-2507</a:t>
-                      </a:r>
-                      <a:endParaRPr sz="800" u="sng">
-                        <a:solidFill>
-                          <a:srgbClr val="1155CC"/>
-                        </a:solidFill>
-                        <a:latin typeface="Calibri"/>
-                        <a:ea typeface="Calibri"/>
-                        <a:cs typeface="Calibri"/>
-                        <a:sym typeface="Calibri"/>
-                      </a:endParaRPr>
-                    </a:p>
-                  </a:txBody>
-                  <a:tcPr marL="28575" marR="28575" marT="19050" marB="19050" anchor="b">
-                    <a:lnL w="9525" cap="flat" cmpd="sng">
-                      <a:solidFill>
-                        <a:srgbClr val="FF0000"/>
-                      </a:solidFill>
-                      <a:prstDash val="solid"/>
-                      <a:round/>
-                      <a:headEnd type="none" w="sm" len="sm"/>
-                      <a:tailEnd type="none" w="sm" len="sm"/>
-                    </a:lnL>
-                    <a:lnR w="9525" cap="flat" cmpd="sng">
-                      <a:solidFill>
-                        <a:srgbClr val="FF0000"/>
-                      </a:solidFill>
-                      <a:prstDash val="solid"/>
-                      <a:round/>
-                      <a:headEnd type="none" w="sm" len="sm"/>
-                      <a:tailEnd type="none" w="sm" len="sm"/>
-                    </a:lnR>
-                    <a:lnT w="9525" cap="flat" cmpd="sng">
-                      <a:solidFill>
-                        <a:srgbClr val="FF0000"/>
-                      </a:solidFill>
-                      <a:prstDash val="solid"/>
-                      <a:round/>
-                      <a:headEnd type="none" w="sm" len="sm"/>
-                      <a:tailEnd type="none" w="sm" len="sm"/>
-                    </a:lnT>
-                    <a:lnB w="9525" cap="flat" cmpd="sng">
-                      <a:solidFill>
-                        <a:srgbClr val="FF0000"/>
-                      </a:solidFill>
-                      <a:prstDash val="solid"/>
-                      <a:round/>
-                      <a:headEnd type="none" w="sm" len="sm"/>
-                      <a:tailEnd type="none" w="sm" len="sm"/>
-                    </a:lnB>
-                    <a:solidFill>
-                      <a:srgbClr val="FFFFFF"/>
-                    </a:solidFill>
-                  </a:tcPr>
-                </a:tc>
-                <a:tc>
-                  <a:txBody>
-                    <a:bodyPr/>
-                    <a:lstStyle/>
-                    <a:p>
-                      <a:pPr marL="0" lvl="0" indent="0" algn="r" rtl="0">
-                        <a:lnSpc>
-                          <a:spcPct val="115000"/>
-                        </a:lnSpc>
-                        <a:spcBef>
-                          <a:spcPts val="0"/>
-                        </a:spcBef>
-                        <a:spcAft>
-                          <a:spcPts val="0"/>
-                        </a:spcAft>
-                        <a:buNone/>
-                      </a:pPr>
-                      <a:r>
-                        <a:rPr lang="en" sz="800">
-                          <a:solidFill>
-                            <a:srgbClr val="636879"/>
-                          </a:solidFill>
-                          <a:latin typeface="Calibri"/>
-                          <a:ea typeface="Calibri"/>
-                          <a:cs typeface="Calibri"/>
-                          <a:sym typeface="Calibri"/>
-                        </a:rPr>
-                        <a:t>1468</a:t>
-                      </a:r>
-                      <a:endParaRPr sz="800">
-                        <a:solidFill>
-                          <a:srgbClr val="636879"/>
-                        </a:solidFill>
-                        <a:latin typeface="Calibri"/>
-                        <a:ea typeface="Calibri"/>
-                        <a:cs typeface="Calibri"/>
-                        <a:sym typeface="Calibri"/>
-                      </a:endParaRPr>
-                    </a:p>
-                  </a:txBody>
-                  <a:tcPr marL="28575" marR="28575" marT="19050" marB="19050" anchor="b">
-                    <a:lnL w="9525" cap="flat" cmpd="sng">
-                      <a:solidFill>
-                        <a:srgbClr val="FF0000"/>
-                      </a:solidFill>
-                      <a:prstDash val="solid"/>
-                      <a:round/>
-                      <a:headEnd type="none" w="sm" len="sm"/>
-                      <a:tailEnd type="none" w="sm" len="sm"/>
-                    </a:lnL>
-                    <a:lnR w="9525" cap="flat" cmpd="sng">
-                      <a:solidFill>
-                        <a:srgbClr val="FF0000"/>
-                      </a:solidFill>
-                      <a:prstDash val="solid"/>
-                      <a:round/>
-                      <a:headEnd type="none" w="sm" len="sm"/>
-                      <a:tailEnd type="none" w="sm" len="sm"/>
-                    </a:lnR>
-                    <a:lnT w="9525" cap="flat" cmpd="sng">
-                      <a:solidFill>
-                        <a:srgbClr val="FF0000"/>
-                      </a:solidFill>
-                      <a:prstDash val="solid"/>
-                      <a:round/>
-                      <a:headEnd type="none" w="sm" len="sm"/>
-                      <a:tailEnd type="none" w="sm" len="sm"/>
-                    </a:lnT>
-                    <a:lnB w="9525" cap="flat" cmpd="sng">
-                      <a:solidFill>
-                        <a:srgbClr val="FF0000"/>
-                      </a:solidFill>
-                      <a:prstDash val="solid"/>
-                      <a:round/>
-                      <a:headEnd type="none" w="sm" len="sm"/>
-                      <a:tailEnd type="none" w="sm" len="sm"/>
-                    </a:lnB>
-                    <a:solidFill>
-                      <a:srgbClr val="FFFFFF"/>
-                    </a:solidFill>
-                  </a:tcPr>
-                </a:tc>
-                <a:extLst>
-                  <a:ext uri="{0D108BD9-81ED-4DB2-BD59-A6C34878D82A}">
-                    <a16:rowId xmlns:a16="http://schemas.microsoft.com/office/drawing/2014/main" val="10014"/>
-                  </a:ext>
-                </a:extLst>
-              </a:tr>
-              <a:tr h="153850">
-                <a:tc>
-                  <a:txBody>
-                    <a:bodyPr/>
-                    <a:lstStyle/>
-                    <a:p>
-                      <a:pPr marL="0" lvl="0" indent="0" algn="l" rtl="0">
-                        <a:lnSpc>
-                          <a:spcPct val="115000"/>
-                        </a:lnSpc>
-                        <a:spcBef>
-                          <a:spcPts val="0"/>
-                        </a:spcBef>
-                        <a:spcAft>
-                          <a:spcPts val="0"/>
-                        </a:spcAft>
-                        <a:buNone/>
-                      </a:pPr>
-                      <a:r>
-                        <a:rPr lang="en" sz="800" u="sng">
-                          <a:solidFill>
-                            <a:srgbClr val="1155CC"/>
-                          </a:solidFill>
-                          <a:latin typeface="Calibri"/>
-                          <a:ea typeface="Calibri"/>
-                          <a:cs typeface="Calibri"/>
-                          <a:sym typeface="Calibri"/>
-                          <a:hlinkClick r:id="rId19">
-                            <a:extLst>
-                              <a:ext uri="{A12FA001-AC4F-418D-AE19-62706E023703}">
-                                <ahyp:hlinkClr xmlns:ahyp="http://schemas.microsoft.com/office/drawing/2018/hyperlinkcolor" val="tx"/>
-                              </a:ext>
-                            </a:extLst>
-                          </a:hlinkClick>
-                        </a:rPr>
-                        <a:t>claude-sonnet-4-5-20250929</a:t>
-                      </a:r>
-                      <a:endParaRPr sz="800" u="sng">
-                        <a:solidFill>
-                          <a:srgbClr val="1155CC"/>
-                        </a:solidFill>
-                        <a:latin typeface="Calibri"/>
-                        <a:ea typeface="Calibri"/>
-                        <a:cs typeface="Calibri"/>
-                        <a:sym typeface="Calibri"/>
-                      </a:endParaRPr>
-                    </a:p>
-                  </a:txBody>
-                  <a:tcPr marL="28575" marR="28575" marT="19050" marB="19050" anchor="b">
-                    <a:lnL w="9525" cap="flat" cmpd="sng">
-                      <a:solidFill>
-                        <a:srgbClr val="FF0000"/>
-                      </a:solidFill>
-                      <a:prstDash val="solid"/>
-                      <a:round/>
-                      <a:headEnd type="none" w="sm" len="sm"/>
-                      <a:tailEnd type="none" w="sm" len="sm"/>
-                    </a:lnL>
-                    <a:lnR w="9525" cap="flat" cmpd="sng">
-                      <a:solidFill>
-                        <a:srgbClr val="FF0000"/>
-                      </a:solidFill>
-                      <a:prstDash val="solid"/>
-                      <a:round/>
-                      <a:headEnd type="none" w="sm" len="sm"/>
-                      <a:tailEnd type="none" w="sm" len="sm"/>
-                    </a:lnR>
-                    <a:lnT w="9525" cap="flat" cmpd="sng">
-                      <a:solidFill>
-                        <a:srgbClr val="FF0000"/>
-                      </a:solidFill>
-                      <a:prstDash val="solid"/>
-                      <a:round/>
-                      <a:headEnd type="none" w="sm" len="sm"/>
-                      <a:tailEnd type="none" w="sm" len="sm"/>
-                    </a:lnT>
-                    <a:lnB w="9525" cap="flat" cmpd="sng">
-                      <a:solidFill>
-                        <a:srgbClr val="FF0000"/>
-                      </a:solidFill>
-                      <a:prstDash val="solid"/>
-                      <a:round/>
-                      <a:headEnd type="none" w="sm" len="sm"/>
-                      <a:tailEnd type="none" w="sm" len="sm"/>
-                    </a:lnB>
-                    <a:solidFill>
-                      <a:srgbClr val="FFFFFF"/>
-                    </a:solidFill>
-                  </a:tcPr>
-                </a:tc>
-                <a:tc>
-                  <a:txBody>
-                    <a:bodyPr/>
-                    <a:lstStyle/>
-                    <a:p>
-                      <a:pPr marL="0" lvl="0" indent="0" algn="r" rtl="0">
-                        <a:lnSpc>
-                          <a:spcPct val="115000"/>
-                        </a:lnSpc>
-                        <a:spcBef>
-                          <a:spcPts val="0"/>
-                        </a:spcBef>
-                        <a:spcAft>
-                          <a:spcPts val="0"/>
-                        </a:spcAft>
-                        <a:buNone/>
-                      </a:pPr>
-                      <a:r>
-                        <a:rPr lang="en" sz="800">
-                          <a:solidFill>
-                            <a:srgbClr val="636879"/>
-                          </a:solidFill>
-                          <a:latin typeface="Calibri"/>
-                          <a:ea typeface="Calibri"/>
-                          <a:cs typeface="Calibri"/>
-                          <a:sym typeface="Calibri"/>
-                        </a:rPr>
-                        <a:t>1466</a:t>
-                      </a:r>
-                      <a:endParaRPr sz="800">
-                        <a:solidFill>
-                          <a:srgbClr val="636879"/>
-                        </a:solidFill>
-                        <a:latin typeface="Calibri"/>
-                        <a:ea typeface="Calibri"/>
-                        <a:cs typeface="Calibri"/>
-                        <a:sym typeface="Calibri"/>
-                      </a:endParaRPr>
-                    </a:p>
-                  </a:txBody>
-                  <a:tcPr marL="28575" marR="28575" marT="19050" marB="19050" anchor="b">
-                    <a:lnL w="9525" cap="flat" cmpd="sng">
-                      <a:solidFill>
-                        <a:srgbClr val="FF0000"/>
-                      </a:solidFill>
-                      <a:prstDash val="solid"/>
-                      <a:round/>
-                      <a:headEnd type="none" w="sm" len="sm"/>
-                      <a:tailEnd type="none" w="sm" len="sm"/>
-                    </a:lnL>
-                    <a:lnR w="9525" cap="flat" cmpd="sng">
-                      <a:solidFill>
-                        <a:srgbClr val="FF0000"/>
-                      </a:solidFill>
-                      <a:prstDash val="solid"/>
-                      <a:round/>
-                      <a:headEnd type="none" w="sm" len="sm"/>
-                      <a:tailEnd type="none" w="sm" len="sm"/>
-                    </a:lnR>
-                    <a:lnT w="9525" cap="flat" cmpd="sng">
-                      <a:solidFill>
-                        <a:srgbClr val="FF0000"/>
-                      </a:solidFill>
-                      <a:prstDash val="solid"/>
-                      <a:round/>
-                      <a:headEnd type="none" w="sm" len="sm"/>
-                      <a:tailEnd type="none" w="sm" len="sm"/>
-                    </a:lnT>
-                    <a:lnB w="9525" cap="flat" cmpd="sng">
-                      <a:solidFill>
-                        <a:srgbClr val="FF0000"/>
-                      </a:solidFill>
-                      <a:prstDash val="solid"/>
-                      <a:round/>
-                      <a:headEnd type="none" w="sm" len="sm"/>
-                      <a:tailEnd type="none" w="sm" len="sm"/>
-                    </a:lnB>
-                    <a:solidFill>
-                      <a:srgbClr val="FFFFFF"/>
-                    </a:solidFill>
-                  </a:tcPr>
-                </a:tc>
-                <a:extLst>
-                  <a:ext uri="{0D108BD9-81ED-4DB2-BD59-A6C34878D82A}">
-                    <a16:rowId xmlns:a16="http://schemas.microsoft.com/office/drawing/2014/main" val="10015"/>
-                  </a:ext>
-                </a:extLst>
-              </a:tr>
-              <a:tr h="153850">
-                <a:tc>
-                  <a:txBody>
-                    <a:bodyPr/>
-                    <a:lstStyle/>
-                    <a:p>
-                      <a:pPr marL="0" lvl="0" indent="0" algn="l" rtl="0">
-                        <a:lnSpc>
-                          <a:spcPct val="115000"/>
-                        </a:lnSpc>
-                        <a:spcBef>
-                          <a:spcPts val="0"/>
-                        </a:spcBef>
-                        <a:spcAft>
-                          <a:spcPts val="0"/>
-                        </a:spcAft>
-                        <a:buNone/>
-                      </a:pPr>
-                      <a:r>
-                        <a:rPr lang="en" sz="800" u="sng">
-                          <a:solidFill>
-                            <a:srgbClr val="1155CC"/>
-                          </a:solidFill>
-                          <a:latin typeface="Calibri"/>
-                          <a:ea typeface="Calibri"/>
-                          <a:cs typeface="Calibri"/>
-                          <a:sym typeface="Calibri"/>
-                          <a:hlinkClick r:id="rId33">
+                          <a:hlinkClick r:id="rId35">
                             <a:extLst>
                               <a:ext uri="{A12FA001-AC4F-418D-AE19-62706E023703}">
                                 <ahyp:hlinkClr xmlns:ahyp="http://schemas.microsoft.com/office/drawing/2018/hyperlinkcolor" val="tx"/>
@@ -37602,11 +37613,11 @@
                 </a:tc>
                 <a:extLst>
                   <a:ext uri="{0D108BD9-81ED-4DB2-BD59-A6C34878D82A}">
-                    <a16:rowId xmlns:a16="http://schemas.microsoft.com/office/drawing/2014/main" val="10016"/>
+                    <a16:rowId xmlns:a16="http://schemas.microsoft.com/office/drawing/2014/main" val="10017"/>
                   </a:ext>
                 </a:extLst>
               </a:tr>
-              <a:tr h="153850">
+              <a:tr h="148350">
                 <a:tc>
                   <a:txBody>
                     <a:bodyPr/>
@@ -37633,7 +37644,7 @@
                           <a:ea typeface="Calibri"/>
                           <a:cs typeface="Calibri"/>
                           <a:sym typeface="Calibri"/>
-                          <a:hlinkClick r:id="rId36">
+                          <a:hlinkClick r:id="rId40">
                             <a:extLst>
                               <a:ext uri="{A12FA001-AC4F-418D-AE19-62706E023703}">
                                 <ahyp:hlinkClr xmlns:ahyp="http://schemas.microsoft.com/office/drawing/2018/hyperlinkcolor" val="tx"/>
@@ -37780,11 +37791,11 @@
                 </a:tc>
                 <a:extLst>
                   <a:ext uri="{0D108BD9-81ED-4DB2-BD59-A6C34878D82A}">
-                    <a16:rowId xmlns:a16="http://schemas.microsoft.com/office/drawing/2014/main" val="10017"/>
+                    <a16:rowId xmlns:a16="http://schemas.microsoft.com/office/drawing/2014/main" val="10018"/>
                   </a:ext>
                 </a:extLst>
               </a:tr>
-              <a:tr h="153850">
+              <a:tr h="148350">
                 <a:tc>
                   <a:txBody>
                     <a:bodyPr/>
@@ -37958,11 +37969,11 @@
                 </a:tc>
                 <a:extLst>
                   <a:ext uri="{0D108BD9-81ED-4DB2-BD59-A6C34878D82A}">
-                    <a16:rowId xmlns:a16="http://schemas.microsoft.com/office/drawing/2014/main" val="10018"/>
+                    <a16:rowId xmlns:a16="http://schemas.microsoft.com/office/drawing/2014/main" val="10019"/>
                   </a:ext>
                 </a:extLst>
               </a:tr>
-              <a:tr h="153850">
+              <a:tr h="148350">
                 <a:tc>
                   <a:txBody>
                     <a:bodyPr/>
@@ -37989,7 +38000,7 @@
                           <a:ea typeface="Calibri"/>
                           <a:cs typeface="Calibri"/>
                           <a:sym typeface="Calibri"/>
-                          <a:hlinkClick r:id="rId32">
+                          <a:hlinkClick r:id="rId34">
                             <a:extLst>
                               <a:ext uri="{A12FA001-AC4F-418D-AE19-62706E023703}">
                                 <ahyp:hlinkClr xmlns:ahyp="http://schemas.microsoft.com/office/drawing/2018/hyperlinkcolor" val="tx"/>
@@ -38136,11 +38147,11 @@
                 </a:tc>
                 <a:extLst>
                   <a:ext uri="{0D108BD9-81ED-4DB2-BD59-A6C34878D82A}">
-                    <a16:rowId xmlns:a16="http://schemas.microsoft.com/office/drawing/2014/main" val="10019"/>
+                    <a16:rowId xmlns:a16="http://schemas.microsoft.com/office/drawing/2014/main" val="10020"/>
                   </a:ext>
                 </a:extLst>
               </a:tr>
-              <a:tr h="153850">
+              <a:tr h="148350">
                 <a:tc>
                   <a:txBody>
                     <a:bodyPr/>
@@ -38314,11 +38325,11 @@
                 </a:tc>
                 <a:extLst>
                   <a:ext uri="{0D108BD9-81ED-4DB2-BD59-A6C34878D82A}">
-                    <a16:rowId xmlns:a16="http://schemas.microsoft.com/office/drawing/2014/main" val="10020"/>
+                    <a16:rowId xmlns:a16="http://schemas.microsoft.com/office/drawing/2014/main" val="10021"/>
                   </a:ext>
                 </a:extLst>
               </a:tr>
-              <a:tr h="153850">
+              <a:tr h="148350">
                 <a:tc>
                   <a:txBody>
                     <a:bodyPr/>
@@ -38492,11 +38503,11 @@
                 </a:tc>
                 <a:extLst>
                   <a:ext uri="{0D108BD9-81ED-4DB2-BD59-A6C34878D82A}">
-                    <a16:rowId xmlns:a16="http://schemas.microsoft.com/office/drawing/2014/main" val="10021"/>
+                    <a16:rowId xmlns:a16="http://schemas.microsoft.com/office/drawing/2014/main" val="10022"/>
                   </a:ext>
                 </a:extLst>
               </a:tr>
-              <a:tr h="153850">
+              <a:tr h="148350">
                 <a:tc>
                   <a:txBody>
                     <a:bodyPr/>
@@ -38523,7 +38534,7 @@
                           <a:ea typeface="Calibri"/>
                           <a:cs typeface="Calibri"/>
                           <a:sym typeface="Calibri"/>
-                          <a:hlinkClick r:id="rId37">
+                          <a:hlinkClick r:id="rId41">
                             <a:extLst>
                               <a:ext uri="{A12FA001-AC4F-418D-AE19-62706E023703}">
                                 <ahyp:hlinkClr xmlns:ahyp="http://schemas.microsoft.com/office/drawing/2018/hyperlinkcolor" val="tx"/>
@@ -38532,184 +38543,6 @@
                           </a:hlinkClick>
                         </a:rPr>
                         <a:t>deepseek-v3.1-terminus-thinking</a:t>
-                      </a:r>
-                      <a:endParaRPr sz="800" u="sng">
-                        <a:solidFill>
-                          <a:srgbClr val="1155CC"/>
-                        </a:solidFill>
-                        <a:latin typeface="Calibri"/>
-                        <a:ea typeface="Calibri"/>
-                        <a:cs typeface="Calibri"/>
-                        <a:sym typeface="Calibri"/>
-                      </a:endParaRPr>
-                    </a:p>
-                  </a:txBody>
-                  <a:tcPr marL="28575" marR="28575" marT="19050" marB="19050" anchor="b">
-                    <a:lnL w="9525" cap="flat" cmpd="sng">
-                      <a:solidFill>
-                        <a:srgbClr val="FF0000"/>
-                      </a:solidFill>
-                      <a:prstDash val="solid"/>
-                      <a:round/>
-                      <a:headEnd type="none" w="sm" len="sm"/>
-                      <a:tailEnd type="none" w="sm" len="sm"/>
-                    </a:lnL>
-                    <a:lnR w="9525" cap="flat" cmpd="sng">
-                      <a:solidFill>
-                        <a:srgbClr val="FF0000"/>
-                      </a:solidFill>
-                      <a:prstDash val="solid"/>
-                      <a:round/>
-                      <a:headEnd type="none" w="sm" len="sm"/>
-                      <a:tailEnd type="none" w="sm" len="sm"/>
-                    </a:lnR>
-                    <a:lnT w="9525" cap="flat" cmpd="sng">
-                      <a:solidFill>
-                        <a:srgbClr val="FF0000"/>
-                      </a:solidFill>
-                      <a:prstDash val="solid"/>
-                      <a:round/>
-                      <a:headEnd type="none" w="sm" len="sm"/>
-                      <a:tailEnd type="none" w="sm" len="sm"/>
-                    </a:lnT>
-                    <a:lnB w="9525" cap="flat" cmpd="sng">
-                      <a:solidFill>
-                        <a:srgbClr val="FF0000"/>
-                      </a:solidFill>
-                      <a:prstDash val="solid"/>
-                      <a:round/>
-                      <a:headEnd type="none" w="sm" len="sm"/>
-                      <a:tailEnd type="none" w="sm" len="sm"/>
-                    </a:lnB>
-                    <a:solidFill>
-                      <a:srgbClr val="FFFFFF"/>
-                    </a:solidFill>
-                  </a:tcPr>
-                </a:tc>
-                <a:tc>
-                  <a:txBody>
-                    <a:bodyPr/>
-                    <a:lstStyle/>
-                    <a:p>
-                      <a:pPr marL="0" lvl="0" indent="0" algn="r" rtl="0">
-                        <a:lnSpc>
-                          <a:spcPct val="115000"/>
-                        </a:lnSpc>
-                        <a:spcBef>
-                          <a:spcPts val="0"/>
-                        </a:spcBef>
-                        <a:spcAft>
-                          <a:spcPts val="0"/>
-                        </a:spcAft>
-                        <a:buNone/>
-                      </a:pPr>
-                      <a:r>
-                        <a:rPr lang="en" sz="800">
-                          <a:solidFill>
-                            <a:srgbClr val="636879"/>
-                          </a:solidFill>
-                          <a:latin typeface="Calibri"/>
-                          <a:ea typeface="Calibri"/>
-                          <a:cs typeface="Calibri"/>
-                          <a:sym typeface="Calibri"/>
-                        </a:rPr>
-                        <a:t>1459</a:t>
-                      </a:r>
-                      <a:endParaRPr sz="800">
-                        <a:solidFill>
-                          <a:srgbClr val="636879"/>
-                        </a:solidFill>
-                        <a:latin typeface="Calibri"/>
-                        <a:ea typeface="Calibri"/>
-                        <a:cs typeface="Calibri"/>
-                        <a:sym typeface="Calibri"/>
-                      </a:endParaRPr>
-                    </a:p>
-                  </a:txBody>
-                  <a:tcPr marL="28575" marR="28575" marT="19050" marB="19050" anchor="b">
-                    <a:lnL w="9525" cap="flat" cmpd="sng">
-                      <a:solidFill>
-                        <a:srgbClr val="FF0000"/>
-                      </a:solidFill>
-                      <a:prstDash val="solid"/>
-                      <a:round/>
-                      <a:headEnd type="none" w="sm" len="sm"/>
-                      <a:tailEnd type="none" w="sm" len="sm"/>
-                    </a:lnL>
-                    <a:lnR w="9525" cap="flat" cmpd="sng">
-                      <a:solidFill>
-                        <a:srgbClr val="FF0000"/>
-                      </a:solidFill>
-                      <a:prstDash val="solid"/>
-                      <a:round/>
-                      <a:headEnd type="none" w="sm" len="sm"/>
-                      <a:tailEnd type="none" w="sm" len="sm"/>
-                    </a:lnR>
-                    <a:lnT w="9525" cap="flat" cmpd="sng">
-                      <a:solidFill>
-                        <a:srgbClr val="FF0000"/>
-                      </a:solidFill>
-                      <a:prstDash val="solid"/>
-                      <a:round/>
-                      <a:headEnd type="none" w="sm" len="sm"/>
-                      <a:tailEnd type="none" w="sm" len="sm"/>
-                    </a:lnT>
-                    <a:lnB w="9525" cap="flat" cmpd="sng">
-                      <a:solidFill>
-                        <a:srgbClr val="FF0000"/>
-                      </a:solidFill>
-                      <a:prstDash val="solid"/>
-                      <a:round/>
-                      <a:headEnd type="none" w="sm" len="sm"/>
-                      <a:tailEnd type="none" w="sm" len="sm"/>
-                    </a:lnB>
-                    <a:solidFill>
-                      <a:srgbClr val="FFFFFF"/>
-                    </a:solidFill>
-                  </a:tcPr>
-                </a:tc>
-                <a:extLst>
-                  <a:ext uri="{0D108BD9-81ED-4DB2-BD59-A6C34878D82A}">
-                    <a16:rowId xmlns:a16="http://schemas.microsoft.com/office/drawing/2014/main" val="10022"/>
-                  </a:ext>
-                </a:extLst>
-              </a:tr>
-              <a:tr h="153850">
-                <a:tc>
-                  <a:txBody>
-                    <a:bodyPr/>
-                    <a:lstStyle/>
-                    <a:p>
-                      <a:pPr marL="0" lvl="0" indent="0" algn="l" rtl="0">
-                        <a:lnSpc>
-                          <a:spcPct val="115000"/>
-                        </a:lnSpc>
-                        <a:spcBef>
-                          <a:spcPts val="0"/>
-                        </a:spcBef>
-                        <a:spcAft>
-                          <a:spcPts val="0"/>
-                        </a:spcAft>
-                        <a:buNone/>
-                      </a:pPr>
-                      <a:r>
-                        <a:rPr lang="en" sz="800" u="sng">
-                          <a:solidFill>
-                            <a:srgbClr val="1155CC"/>
-                          </a:solidFill>
-                          <a:latin typeface="Calibri"/>
-                          <a:ea typeface="Calibri"/>
-                          <a:cs typeface="Calibri"/>
-                          <a:sym typeface="Calibri"/>
-                          <a:hlinkClick r:id="rId23">
-                            <a:extLst>
-                              <a:ext uri="{A12FA001-AC4F-418D-AE19-62706E023703}">
-                                <ahyp:hlinkClr xmlns:ahyp="http://schemas.microsoft.com/office/drawing/2018/hyperlinkcolor" val="tx"/>
-                              </a:ext>
-                            </a:extLst>
-                          </a:hlinkClick>
-                        </a:rPr>
-                        <a:t>o3-2025-04-16</a:t>
                       </a:r>
                       <a:endParaRPr sz="800" u="sng">
                         <a:solidFill>
@@ -38852,7 +38685,7 @@
                   </a:ext>
                 </a:extLst>
               </a:tr>
-              <a:tr h="153850">
+              <a:tr h="148350">
                 <a:tc>
                   <a:txBody>
                     <a:bodyPr/>
@@ -38879,7 +38712,7 @@
                           <a:ea typeface="Calibri"/>
                           <a:cs typeface="Calibri"/>
                           <a:sym typeface="Calibri"/>
-                          <a:hlinkClick r:id="rId20">
+                          <a:hlinkClick r:id="rId23">
                             <a:extLst>
                               <a:ext uri="{A12FA001-AC4F-418D-AE19-62706E023703}">
                                 <ahyp:hlinkClr xmlns:ahyp="http://schemas.microsoft.com/office/drawing/2018/hyperlinkcolor" val="tx"/>
@@ -38887,7 +38720,7 @@
                             </a:extLst>
                           </a:hlinkClick>
                         </a:rPr>
-                        <a:t>gpt-4.5-preview-2025-02-27</a:t>
+                        <a:t>o3-2025-04-16</a:t>
                       </a:r>
                       <a:endParaRPr sz="800" u="sng">
                         <a:solidFill>
@@ -38969,7 +38802,7 @@
                           <a:cs typeface="Calibri"/>
                           <a:sym typeface="Calibri"/>
                         </a:rPr>
-                        <a:t>1456</a:t>
+                        <a:t>1457</a:t>
                       </a:r>
                       <a:endParaRPr sz="800">
                         <a:solidFill>
@@ -39036,20 +38869,20 @@
       </p:graphicFrame>
       <p:sp>
         <p:nvSpPr>
-          <p:cNvPr id="143" name="Google Shape;143;p16"/>
+          <p:cNvPr id="140" name="Google Shape;140;p16"/>
           <p:cNvSpPr/>
           <p:nvPr/>
         </p:nvSpPr>
         <p:spPr>
           <a:xfrm>
-            <a:off x="3742516" y="2575342"/>
+            <a:off x="3750579" y="1848053"/>
             <a:ext cx="125400" cy="125400"/>
           </a:xfrm>
           <a:prstGeom prst="ellipse">
             <a:avLst/>
           </a:prstGeom>
           <a:solidFill>
-            <a:srgbClr val="FFFF00"/>
+            <a:srgbClr val="3C78D8"/>
           </a:solidFill>
           <a:ln w="9525" cap="flat" cmpd="sng">
             <a:solidFill>
@@ -39098,13 +38931,13 @@
       </p:sp>
       <p:sp>
         <p:nvSpPr>
-          <p:cNvPr id="144" name="Google Shape;144;p16"/>
+          <p:cNvPr id="141" name="Google Shape;141;p16"/>
           <p:cNvSpPr txBox="1"/>
           <p:nvPr/>
         </p:nvSpPr>
         <p:spPr>
           <a:xfrm>
-            <a:off x="3448497" y="3112443"/>
+            <a:off x="3441159" y="2200665"/>
             <a:ext cx="288900" cy="141600"/>
           </a:xfrm>
           <a:prstGeom prst="rect">
@@ -39176,13 +39009,13 @@
       </p:sp>
       <p:sp>
         <p:nvSpPr>
-          <p:cNvPr id="145" name="Google Shape;145;p16"/>
+          <p:cNvPr id="142" name="Google Shape;142;p16"/>
           <p:cNvSpPr/>
           <p:nvPr/>
         </p:nvSpPr>
         <p:spPr>
           <a:xfrm>
-            <a:off x="3748954" y="3123732"/>
+            <a:off x="3741616" y="2211954"/>
             <a:ext cx="125400" cy="125400"/>
           </a:xfrm>
           <a:prstGeom prst="ellipse">
@@ -39238,20 +39071,98 @@
       </p:sp>
       <p:sp>
         <p:nvSpPr>
-          <p:cNvPr id="146" name="Google Shape;146;p16"/>
+          <p:cNvPr id="143" name="Google Shape;143;p16"/>
+          <p:cNvSpPr txBox="1"/>
+          <p:nvPr/>
+        </p:nvSpPr>
+        <p:spPr>
+          <a:xfrm>
+            <a:off x="3440038" y="2569338"/>
+            <a:ext cx="288900" cy="141600"/>
+          </a:xfrm>
+          <a:prstGeom prst="rect">
+            <a:avLst/>
+          </a:prstGeom>
+          <a:noFill/>
+          <a:ln w="9525" cap="flat" cmpd="sng">
+            <a:solidFill>
+              <a:srgbClr val="FF0000"/>
+            </a:solidFill>
+            <a:prstDash val="solid"/>
+            <a:round/>
+            <a:headEnd type="none" w="sm" len="sm"/>
+            <a:tailEnd type="none" w="sm" len="sm"/>
+          </a:ln>
+        </p:spPr>
+        <p:txBody>
+          <a:bodyPr spcFirstLastPara="1" wrap="square" lIns="9125" tIns="9125" rIns="9125" bIns="9125" anchor="t" anchorCtr="0">
+            <a:spAutoFit/>
+          </a:bodyPr>
+          <a:lstStyle/>
+          <a:p>
+            <a:pPr marL="0" marR="0" lvl="0" indent="0" algn="l" rtl="0">
+              <a:lnSpc>
+                <a:spcPct val="100000"/>
+              </a:lnSpc>
+              <a:spcBef>
+                <a:spcPts val="0"/>
+              </a:spcBef>
+              <a:spcAft>
+                <a:spcPts val="0"/>
+              </a:spcAft>
+              <a:buClr>
+                <a:srgbClr val="000000"/>
+              </a:buClr>
+              <a:buSzPts val="1100"/>
+              <a:buFont typeface="Arial"/>
+              <a:buNone/>
+            </a:pPr>
+            <a:r>
+              <a:rPr lang="en" sz="800" b="0" i="0" u="none" strike="noStrike" cap="none">
+                <a:solidFill>
+                  <a:srgbClr val="1F2937"/>
+                </a:solidFill>
+                <a:highlight>
+                  <a:srgbClr val="FFFFFF"/>
+                </a:highlight>
+                <a:latin typeface="Calibri"/>
+                <a:ea typeface="Calibri"/>
+                <a:cs typeface="Calibri"/>
+                <a:sym typeface="Calibri"/>
+              </a:rPr>
+              <a:t>China</a:t>
+            </a:r>
+            <a:endParaRPr sz="800" b="0" i="0" u="none" strike="noStrike" cap="none">
+              <a:solidFill>
+                <a:srgbClr val="1F2937"/>
+              </a:solidFill>
+              <a:highlight>
+                <a:srgbClr val="FFFFFF"/>
+              </a:highlight>
+              <a:latin typeface="Calibri"/>
+              <a:ea typeface="Calibri"/>
+              <a:cs typeface="Calibri"/>
+              <a:sym typeface="Calibri"/>
+            </a:endParaRPr>
+          </a:p>
+        </p:txBody>
+      </p:sp>
+      <p:sp>
+        <p:nvSpPr>
+          <p:cNvPr id="144" name="Google Shape;144;p16"/>
           <p:cNvSpPr/>
           <p:nvPr/>
         </p:nvSpPr>
         <p:spPr>
           <a:xfrm>
-            <a:off x="3749702" y="4925370"/>
+            <a:off x="3740495" y="2580627"/>
             <a:ext cx="125400" cy="125400"/>
           </a:xfrm>
           <a:prstGeom prst="ellipse">
             <a:avLst/>
           </a:prstGeom>
           <a:solidFill>
-            <a:srgbClr val="FFFF00"/>
+            <a:srgbClr val="6AA84F"/>
           </a:solidFill>
           <a:ln w="9525" cap="flat" cmpd="sng">
             <a:solidFill>
@@ -39298,6 +39209,146 @@
           </a:p>
         </p:txBody>
       </p:sp>
+      <p:sp>
+        <p:nvSpPr>
+          <p:cNvPr id="145" name="Google Shape;145;p16"/>
+          <p:cNvSpPr txBox="1"/>
+          <p:nvPr/>
+        </p:nvSpPr>
+        <p:spPr>
+          <a:xfrm>
+            <a:off x="3458789" y="4752166"/>
+            <a:ext cx="287100" cy="141600"/>
+          </a:xfrm>
+          <a:prstGeom prst="rect">
+            <a:avLst/>
+          </a:prstGeom>
+          <a:noFill/>
+          <a:ln w="9525" cap="flat" cmpd="sng">
+            <a:solidFill>
+              <a:srgbClr val="FF0000"/>
+            </a:solidFill>
+            <a:prstDash val="solid"/>
+            <a:round/>
+            <a:headEnd type="none" w="sm" len="sm"/>
+            <a:tailEnd type="none" w="sm" len="sm"/>
+          </a:ln>
+        </p:spPr>
+        <p:txBody>
+          <a:bodyPr spcFirstLastPara="1" wrap="square" lIns="9125" tIns="9125" rIns="9125" bIns="9125" anchor="t" anchorCtr="0">
+            <a:spAutoFit/>
+          </a:bodyPr>
+          <a:lstStyle/>
+          <a:p>
+            <a:pPr marL="0" marR="0" lvl="0" indent="0" algn="l" rtl="0">
+              <a:lnSpc>
+                <a:spcPct val="100000"/>
+              </a:lnSpc>
+              <a:spcBef>
+                <a:spcPts val="0"/>
+              </a:spcBef>
+              <a:spcAft>
+                <a:spcPts val="0"/>
+              </a:spcAft>
+              <a:buClr>
+                <a:srgbClr val="000000"/>
+              </a:buClr>
+              <a:buSzPts val="1100"/>
+              <a:buFont typeface="Arial"/>
+              <a:buNone/>
+            </a:pPr>
+            <a:r>
+              <a:rPr lang="en" sz="800" b="0" i="0" u="none" strike="noStrike" cap="none">
+                <a:solidFill>
+                  <a:srgbClr val="1F2937"/>
+                </a:solidFill>
+                <a:highlight>
+                  <a:srgbClr val="FFFFFF"/>
+                </a:highlight>
+                <a:latin typeface="Calibri"/>
+                <a:ea typeface="Calibri"/>
+                <a:cs typeface="Calibri"/>
+                <a:sym typeface="Calibri"/>
+              </a:rPr>
+              <a:t>China</a:t>
+            </a:r>
+            <a:endParaRPr sz="800" b="0" i="0" u="none" strike="noStrike" cap="none">
+              <a:solidFill>
+                <a:srgbClr val="1F2937"/>
+              </a:solidFill>
+              <a:highlight>
+                <a:srgbClr val="FFFFFF"/>
+              </a:highlight>
+              <a:latin typeface="Calibri"/>
+              <a:ea typeface="Calibri"/>
+              <a:cs typeface="Calibri"/>
+              <a:sym typeface="Calibri"/>
+            </a:endParaRPr>
+          </a:p>
+        </p:txBody>
+      </p:sp>
+      <p:sp>
+        <p:nvSpPr>
+          <p:cNvPr id="146" name="Google Shape;146;p16"/>
+          <p:cNvSpPr/>
+          <p:nvPr/>
+        </p:nvSpPr>
+        <p:spPr>
+          <a:xfrm>
+            <a:off x="3749658" y="4760560"/>
+            <a:ext cx="125400" cy="125400"/>
+          </a:xfrm>
+          <a:prstGeom prst="ellipse">
+            <a:avLst/>
+          </a:prstGeom>
+          <a:solidFill>
+            <a:srgbClr val="6AA84F"/>
+          </a:solidFill>
+          <a:ln w="9525" cap="flat" cmpd="sng">
+            <a:solidFill>
+              <a:srgbClr val="595959"/>
+            </a:solidFill>
+            <a:prstDash val="solid"/>
+            <a:round/>
+            <a:headEnd type="none" w="sm" len="sm"/>
+            <a:tailEnd type="none" w="sm" len="sm"/>
+          </a:ln>
+        </p:spPr>
+        <p:txBody>
+          <a:bodyPr spcFirstLastPara="1" wrap="square" lIns="91425" tIns="91425" rIns="91425" bIns="91425" anchor="ctr" anchorCtr="0">
+            <a:noAutofit/>
+          </a:bodyPr>
+          <a:lstStyle/>
+          <a:p>
+            <a:pPr marL="0" marR="0" lvl="0" indent="0" algn="ctr" rtl="0">
+              <a:lnSpc>
+                <a:spcPct val="100000"/>
+              </a:lnSpc>
+              <a:spcBef>
+                <a:spcPts val="0"/>
+              </a:spcBef>
+              <a:spcAft>
+                <a:spcPts val="0"/>
+              </a:spcAft>
+              <a:buClr>
+                <a:srgbClr val="000000"/>
+              </a:buClr>
+              <a:buSzPts val="1400"/>
+              <a:buFont typeface="Arial"/>
+              <a:buNone/>
+            </a:pPr>
+            <a:endParaRPr sz="1400" b="0" i="0" u="none" strike="noStrike" cap="none">
+              <a:solidFill>
+                <a:srgbClr val="000000"/>
+              </a:solidFill>
+              <a:latin typeface="Arial"/>
+              <a:ea typeface="Arial"/>
+              <a:cs typeface="Arial"/>
+              <a:sym typeface="Arial"/>
+            </a:endParaRPr>
+          </a:p>
+        </p:txBody>
+      </p:sp>
     </p:spTree>
   </p:cSld>
   <p:clrMapOvr>
@@ -39311,7 +39362,7 @@
   <p:cSld>
     <p:spTree>
       <p:nvGrpSpPr>
-        <p:cNvPr id="1" name="Shape 296"/>
+        <p:cNvPr id="1" name="Shape 298"/>
         <p:cNvGrpSpPr/>
         <p:nvPr/>
       </p:nvGrpSpPr>
@@ -39325,7 +39376,7 @@
       </p:grpSpPr>
       <p:sp>
         <p:nvSpPr>
-          <p:cNvPr id="297" name="Google Shape;297;p34"/>
+          <p:cNvPr id="299" name="Google Shape;299;p34"/>
           <p:cNvSpPr txBox="1"/>
           <p:nvPr/>
         </p:nvSpPr>
@@ -39391,7 +39442,7 @@
       </p:sp>
       <p:sp>
         <p:nvSpPr>
-          <p:cNvPr id="298" name="Google Shape;298;p34"/>
+          <p:cNvPr id="300" name="Google Shape;300;p34"/>
           <p:cNvSpPr txBox="1"/>
           <p:nvPr/>
         </p:nvSpPr>
@@ -39998,7 +40049,7 @@
       </p:sp>
       <p:sp>
         <p:nvSpPr>
-          <p:cNvPr id="299" name="Google Shape;299;p34"/>
+          <p:cNvPr id="301" name="Google Shape;301;p34"/>
           <p:cNvSpPr txBox="1"/>
           <p:nvPr/>
         </p:nvSpPr>
@@ -40232,7 +40283,7 @@
       </p:sp>
       <p:pic>
         <p:nvPicPr>
-          <p:cNvPr id="300" name="Google Shape;300;p34"/>
+          <p:cNvPr id="302" name="Google Shape;302;p34"/>
           <p:cNvPicPr preferRelativeResize="0"/>
           <p:nvPr/>
         </p:nvPicPr>
@@ -40282,7 +40333,7 @@
   <p:cSld>
     <p:spTree>
       <p:nvGrpSpPr>
-        <p:cNvPr id="1" name="Shape 304"/>
+        <p:cNvPr id="1" name="Shape 306"/>
         <p:cNvGrpSpPr/>
         <p:nvPr/>
       </p:nvGrpSpPr>
@@ -40296,7 +40347,7 @@
       </p:grpSpPr>
       <p:sp>
         <p:nvSpPr>
-          <p:cNvPr id="305" name="Google Shape;305;p35"/>
+          <p:cNvPr id="307" name="Google Shape;307;p35"/>
           <p:cNvSpPr txBox="1"/>
           <p:nvPr/>
         </p:nvSpPr>
@@ -40362,7 +40413,7 @@
       </p:sp>
       <p:sp>
         <p:nvSpPr>
-          <p:cNvPr id="306" name="Google Shape;306;p35"/>
+          <p:cNvPr id="308" name="Google Shape;308;p35"/>
           <p:cNvSpPr txBox="1"/>
           <p:nvPr/>
         </p:nvSpPr>
@@ -40797,7 +40848,7 @@
       </p:sp>
       <p:sp>
         <p:nvSpPr>
-          <p:cNvPr id="307" name="Google Shape;307;p35"/>
+          <p:cNvPr id="309" name="Google Shape;309;p35"/>
           <p:cNvSpPr txBox="1"/>
           <p:nvPr/>
         </p:nvSpPr>
@@ -41084,7 +41135,7 @@
       </p:sp>
       <p:pic>
         <p:nvPicPr>
-          <p:cNvPr id="308" name="Google Shape;308;p35"/>
+          <p:cNvPr id="310" name="Google Shape;310;p35"/>
           <p:cNvPicPr preferRelativeResize="0"/>
           <p:nvPr/>
         </p:nvPicPr>
@@ -41123,7 +41174,7 @@
       </p:pic>
       <p:pic>
         <p:nvPicPr>
-          <p:cNvPr id="309" name="Google Shape;309;p35"/>
+          <p:cNvPr id="311" name="Google Shape;311;p35"/>
           <p:cNvPicPr preferRelativeResize="0"/>
           <p:nvPr/>
         </p:nvPicPr>
@@ -41173,7 +41224,7 @@
   <p:cSld>
     <p:spTree>
       <p:nvGrpSpPr>
-        <p:cNvPr id="1" name="Shape 313"/>
+        <p:cNvPr id="1" name="Shape 315"/>
         <p:cNvGrpSpPr/>
         <p:nvPr/>
       </p:nvGrpSpPr>
@@ -41187,7 +41238,7 @@
       </p:grpSpPr>
       <p:sp>
         <p:nvSpPr>
-          <p:cNvPr id="314" name="Google Shape;314;p36"/>
+          <p:cNvPr id="316" name="Google Shape;316;p36"/>
           <p:cNvSpPr txBox="1"/>
           <p:nvPr/>
         </p:nvSpPr>
@@ -41253,7 +41304,7 @@
       </p:sp>
       <p:sp>
         <p:nvSpPr>
-          <p:cNvPr id="315" name="Google Shape;315;p36"/>
+          <p:cNvPr id="317" name="Google Shape;317;p36"/>
           <p:cNvSpPr txBox="1"/>
           <p:nvPr/>
         </p:nvSpPr>
@@ -41381,7 +41432,7 @@
       </p:sp>
       <p:sp>
         <p:nvSpPr>
-          <p:cNvPr id="316" name="Google Shape;316;p36"/>
+          <p:cNvPr id="318" name="Google Shape;318;p36"/>
           <p:cNvSpPr txBox="1"/>
           <p:nvPr/>
         </p:nvSpPr>
@@ -41608,7 +41659,7 @@
       </p:sp>
       <p:sp>
         <p:nvSpPr>
-          <p:cNvPr id="317" name="Google Shape;317;p36"/>
+          <p:cNvPr id="319" name="Google Shape;319;p36"/>
           <p:cNvSpPr txBox="1"/>
           <p:nvPr/>
         </p:nvSpPr>
@@ -41781,7 +41832,7 @@
       </p:sp>
       <p:pic>
         <p:nvPicPr>
-          <p:cNvPr id="318" name="Google Shape;318;p36"/>
+          <p:cNvPr id="320" name="Google Shape;320;p36"/>
           <p:cNvPicPr preferRelativeResize="0"/>
           <p:nvPr/>
         </p:nvPicPr>
@@ -41820,7 +41871,7 @@
       </p:pic>
       <p:pic>
         <p:nvPicPr>
-          <p:cNvPr id="319" name="Google Shape;319;p36"/>
+          <p:cNvPr id="321" name="Google Shape;321;p36"/>
           <p:cNvPicPr preferRelativeResize="0"/>
           <p:nvPr/>
         </p:nvPicPr>
@@ -41870,7 +41921,7 @@
   <p:cSld>
     <p:spTree>
       <p:nvGrpSpPr>
-        <p:cNvPr id="1" name="Shape 323"/>
+        <p:cNvPr id="1" name="Shape 325"/>
         <p:cNvGrpSpPr/>
         <p:nvPr/>
       </p:nvGrpSpPr>
@@ -41884,7 +41935,7 @@
       </p:grpSpPr>
       <p:pic>
         <p:nvPicPr>
-          <p:cNvPr id="324" name="Google Shape;324;p37"/>
+          <p:cNvPr id="326" name="Google Shape;326;p37"/>
           <p:cNvPicPr preferRelativeResize="0"/>
           <p:nvPr/>
         </p:nvPicPr>
@@ -41916,7 +41967,7 @@
       </p:pic>
       <p:sp>
         <p:nvSpPr>
-          <p:cNvPr id="325" name="Google Shape;325;p37"/>
+          <p:cNvPr id="327" name="Google Shape;327;p37"/>
           <p:cNvSpPr txBox="1"/>
           <p:nvPr/>
         </p:nvSpPr>
@@ -41982,7 +42033,7 @@
       </p:sp>
       <p:sp>
         <p:nvSpPr>
-          <p:cNvPr id="326" name="Google Shape;326;p37"/>
+          <p:cNvPr id="328" name="Google Shape;328;p37"/>
           <p:cNvSpPr txBox="1"/>
           <p:nvPr/>
         </p:nvSpPr>
@@ -42412,7 +42463,7 @@
       </p:sp>
       <p:pic>
         <p:nvPicPr>
-          <p:cNvPr id="327" name="Google Shape;327;p37"/>
+          <p:cNvPr id="329" name="Google Shape;329;p37"/>
           <p:cNvPicPr preferRelativeResize="0"/>
           <p:nvPr/>
         </p:nvPicPr>
@@ -42444,7 +42495,7 @@
       </p:pic>
       <p:sp>
         <p:nvSpPr>
-          <p:cNvPr id="328" name="Google Shape;328;p37"/>
+          <p:cNvPr id="330" name="Google Shape;330;p37"/>
           <p:cNvSpPr txBox="1"/>
           <p:nvPr/>
         </p:nvSpPr>
@@ -42523,7 +42574,7 @@
       </p:sp>
       <p:sp>
         <p:nvSpPr>
-          <p:cNvPr id="329" name="Google Shape;329;p37"/>
+          <p:cNvPr id="331" name="Google Shape;331;p37"/>
           <p:cNvSpPr txBox="1"/>
           <p:nvPr/>
         </p:nvSpPr>
@@ -42600,7 +42651,7 @@
   <p:cSld>
     <p:spTree>
       <p:nvGrpSpPr>
-        <p:cNvPr id="1" name="Shape 333"/>
+        <p:cNvPr id="1" name="Shape 335"/>
         <p:cNvGrpSpPr/>
         <p:nvPr/>
       </p:nvGrpSpPr>
@@ -42614,7 +42665,7 @@
       </p:grpSpPr>
       <p:sp>
         <p:nvSpPr>
-          <p:cNvPr id="334" name="Google Shape;334;p38"/>
+          <p:cNvPr id="336" name="Google Shape;336;p38"/>
           <p:cNvSpPr txBox="1"/>
           <p:nvPr/>
         </p:nvSpPr>
@@ -43545,7 +43596,7 @@
         <p:spPr>
           <a:xfrm>
             <a:off x="55075" y="20375"/>
-            <a:ext cx="2982900" cy="326400"/>
+            <a:ext cx="4444500" cy="326400"/>
           </a:xfrm>
           <a:prstGeom prst="rect">
             <a:avLst/>
@@ -43588,7 +43639,7 @@
                 <a:cs typeface="Calibri"/>
                 <a:sym typeface="Calibri"/>
               </a:rPr>
-              <a:t>Code execution with MCP</a:t>
+              <a:t>Code execution with MCP - 1</a:t>
             </a:r>
             <a:endParaRPr sz="2000" b="1" i="0" u="none" strike="noStrike" cap="none">
               <a:solidFill>
@@ -43611,7 +43662,7 @@
         <p:spPr>
           <a:xfrm>
             <a:off x="55075" y="443276"/>
-            <a:ext cx="4444500" cy="3974400"/>
+            <a:ext cx="4444500" cy="2050200"/>
           </a:xfrm>
           <a:prstGeom prst="rect">
             <a:avLst/>
@@ -43743,7 +43794,30 @@
                 <a:cs typeface="Calibri"/>
                 <a:sym typeface="Calibri"/>
               </a:rPr>
-              <a:t>Idea - allow LLM to automate its own actions by writing code to be executed outside of LLM (in a save environment) </a:t>
+              <a:t>Idea - allow LLM to automate its own actions </a:t>
+            </a:r>
+            <a:br>
+              <a:rPr lang="en" sz="1100" b="1">
+                <a:solidFill>
+                  <a:srgbClr val="3C78D8"/>
+                </a:solidFill>
+                <a:latin typeface="Calibri"/>
+                <a:ea typeface="Calibri"/>
+                <a:cs typeface="Calibri"/>
+                <a:sym typeface="Calibri"/>
+              </a:rPr>
+            </a:br>
+            <a:r>
+              <a:rPr lang="en" sz="1100" b="1">
+                <a:solidFill>
+                  <a:srgbClr val="3C78D8"/>
+                </a:solidFill>
+                <a:latin typeface="Calibri"/>
+                <a:ea typeface="Calibri"/>
+                <a:cs typeface="Calibri"/>
+                <a:sym typeface="Calibri"/>
+              </a:rPr>
+              <a:t>by writing code to be executed outside of LLM (in a safe environment) </a:t>
             </a:r>
             <a:endParaRPr sz="1100" b="1">
               <a:solidFill>
@@ -43796,7 +43870,7 @@
             </a:endParaRPr>
           </a:p>
           <a:p>
-            <a:pPr marL="457200" marR="0" lvl="1" indent="-114300" algn="l" rtl="0">
+            <a:pPr marL="457200" marR="0" lvl="1" indent="-127000" algn="l" rtl="0">
               <a:lnSpc>
                 <a:spcPct val="100000"/>
               </a:lnSpc>
@@ -43809,12 +43883,12 @@
               <a:buClr>
                 <a:srgbClr val="3C78D8"/>
               </a:buClr>
-              <a:buSzPts val="900"/>
+              <a:buSzPts val="1100"/>
               <a:buFont typeface="Calibri"/>
               <a:buChar char="○"/>
             </a:pPr>
             <a:r>
-              <a:rPr lang="en" sz="900" b="1">
+              <a:rPr lang="en" sz="1100" b="1">
                 <a:solidFill>
                   <a:srgbClr val="3C78D8"/>
                 </a:solidFill>
@@ -43825,7 +43899,7 @@
               </a:rPr>
               <a:t>Too many tool descriptions loaded upfront into context</a:t>
             </a:r>
-            <a:endParaRPr sz="900" b="1">
+            <a:endParaRPr sz="1100" b="1">
               <a:solidFill>
                 <a:srgbClr val="3C78D8"/>
               </a:solidFill>
@@ -43836,7 +43910,7 @@
             </a:endParaRPr>
           </a:p>
           <a:p>
-            <a:pPr marL="457200" marR="0" lvl="1" indent="-114300" algn="l" rtl="0">
+            <a:pPr marL="457200" marR="0" lvl="1" indent="-127000" algn="l" rtl="0">
               <a:lnSpc>
                 <a:spcPct val="100000"/>
               </a:lnSpc>
@@ -43849,12 +43923,12 @@
               <a:buClr>
                 <a:srgbClr val="3C78D8"/>
               </a:buClr>
-              <a:buSzPts val="900"/>
+              <a:buSzPts val="1100"/>
               <a:buFont typeface="Calibri"/>
               <a:buChar char="○"/>
             </a:pPr>
             <a:r>
-              <a:rPr lang="en" sz="900" b="1">
+              <a:rPr lang="en" sz="1100" b="1">
                 <a:solidFill>
                   <a:srgbClr val="3C78D8"/>
                 </a:solidFill>
@@ -43865,7 +43939,7 @@
               </a:rPr>
               <a:t>Data flowing through the agent multiple times</a:t>
             </a:r>
-            <a:endParaRPr sz="900" b="1">
+            <a:endParaRPr sz="1100" b="1">
               <a:solidFill>
                 <a:srgbClr val="3C78D8"/>
               </a:solidFill>
@@ -43951,390 +44025,6 @@
                 <a:sym typeface="Calibri"/>
               </a:rPr>
               <a:t>. The code runs in a separate execution environment (like a secure sandbox), and only the final results come back to the agent</a:t>
-            </a:r>
-            <a:endParaRPr sz="1100">
-              <a:solidFill>
-                <a:schemeClr val="dk1"/>
-              </a:solidFill>
-              <a:latin typeface="Calibri"/>
-              <a:ea typeface="Calibri"/>
-              <a:cs typeface="Calibri"/>
-              <a:sym typeface="Calibri"/>
-            </a:endParaRPr>
-          </a:p>
-          <a:p>
-            <a:pPr marL="171450" marR="0" lvl="0" indent="-127000" algn="l" rtl="0">
-              <a:lnSpc>
-                <a:spcPct val="100000"/>
-              </a:lnSpc>
-              <a:spcBef>
-                <a:spcPts val="0"/>
-              </a:spcBef>
-              <a:spcAft>
-                <a:spcPts val="0"/>
-              </a:spcAft>
-              <a:buClr>
-                <a:schemeClr val="dk1"/>
-              </a:buClr>
-              <a:buSzPts val="1100"/>
-              <a:buFont typeface="Calibri"/>
-              <a:buChar char="●"/>
-            </a:pPr>
-            <a:r>
-              <a:rPr lang="en" sz="1100" b="1">
-                <a:solidFill>
-                  <a:srgbClr val="FF0000"/>
-                </a:solidFill>
-                <a:latin typeface="Calibri"/>
-                <a:ea typeface="Calibri"/>
-                <a:cs typeface="Calibri"/>
-                <a:sym typeface="Calibri"/>
-              </a:rPr>
-              <a:t>Step 1: Present tools as a file tree instead of loading all descriptions</a:t>
-            </a:r>
-            <a:r>
-              <a:rPr lang="en" sz="1100">
-                <a:solidFill>
-                  <a:schemeClr val="dk1"/>
-                </a:solidFill>
-                <a:latin typeface="Calibri"/>
-                <a:ea typeface="Calibri"/>
-                <a:cs typeface="Calibri"/>
-                <a:sym typeface="Calibri"/>
-              </a:rPr>
-              <a:t>. Your agent sees a folder structure like:</a:t>
-            </a:r>
-            <a:endParaRPr sz="1100">
-              <a:solidFill>
-                <a:schemeClr val="dk1"/>
-              </a:solidFill>
-              <a:latin typeface="Calibri"/>
-              <a:ea typeface="Calibri"/>
-              <a:cs typeface="Calibri"/>
-              <a:sym typeface="Calibri"/>
-            </a:endParaRPr>
-          </a:p>
-          <a:p>
-            <a:pPr marL="457200" marR="0" lvl="0" indent="0" algn="l" rtl="0">
-              <a:lnSpc>
-                <a:spcPct val="100000"/>
-              </a:lnSpc>
-              <a:spcBef>
-                <a:spcPts val="0"/>
-              </a:spcBef>
-              <a:spcAft>
-                <a:spcPts val="0"/>
-              </a:spcAft>
-              <a:buNone/>
-            </a:pPr>
-            <a:r>
-              <a:rPr lang="en" sz="900" b="1">
-                <a:solidFill>
-                  <a:srgbClr val="3C78D8"/>
-                </a:solidFill>
-                <a:latin typeface="Calibri"/>
-                <a:ea typeface="Calibri"/>
-                <a:cs typeface="Calibri"/>
-                <a:sym typeface="Calibri"/>
-              </a:rPr>
-              <a:t>servers/</a:t>
-            </a:r>
-            <a:endParaRPr sz="900" b="1">
-              <a:solidFill>
-                <a:srgbClr val="3C78D8"/>
-              </a:solidFill>
-              <a:latin typeface="Calibri"/>
-              <a:ea typeface="Calibri"/>
-              <a:cs typeface="Calibri"/>
-              <a:sym typeface="Calibri"/>
-            </a:endParaRPr>
-          </a:p>
-          <a:p>
-            <a:pPr marL="457200" marR="0" lvl="0" indent="0" algn="l" rtl="0">
-              <a:lnSpc>
-                <a:spcPct val="100000"/>
-              </a:lnSpc>
-              <a:spcBef>
-                <a:spcPts val="0"/>
-              </a:spcBef>
-              <a:spcAft>
-                <a:spcPts val="0"/>
-              </a:spcAft>
-              <a:buNone/>
-            </a:pPr>
-            <a:r>
-              <a:rPr lang="en" sz="900" b="1">
-                <a:solidFill>
-                  <a:srgbClr val="3C78D8"/>
-                </a:solidFill>
-                <a:latin typeface="Calibri"/>
-                <a:ea typeface="Calibri"/>
-                <a:cs typeface="Calibri"/>
-                <a:sym typeface="Calibri"/>
-              </a:rPr>
-              <a:t>├── google-drive/</a:t>
-            </a:r>
-            <a:endParaRPr sz="900" b="1">
-              <a:solidFill>
-                <a:srgbClr val="3C78D8"/>
-              </a:solidFill>
-              <a:latin typeface="Calibri"/>
-              <a:ea typeface="Calibri"/>
-              <a:cs typeface="Calibri"/>
-              <a:sym typeface="Calibri"/>
-            </a:endParaRPr>
-          </a:p>
-          <a:p>
-            <a:pPr marL="457200" marR="0" lvl="0" indent="0" algn="l" rtl="0">
-              <a:lnSpc>
-                <a:spcPct val="100000"/>
-              </a:lnSpc>
-              <a:spcBef>
-                <a:spcPts val="0"/>
-              </a:spcBef>
-              <a:spcAft>
-                <a:spcPts val="0"/>
-              </a:spcAft>
-              <a:buNone/>
-            </a:pPr>
-            <a:r>
-              <a:rPr lang="en" sz="900" b="1">
-                <a:solidFill>
-                  <a:srgbClr val="3C78D8"/>
-                </a:solidFill>
-                <a:latin typeface="Calibri"/>
-                <a:ea typeface="Calibri"/>
-                <a:cs typeface="Calibri"/>
-                <a:sym typeface="Calibri"/>
-              </a:rPr>
-              <a:t>│   ├── getDocument.ts</a:t>
-            </a:r>
-            <a:endParaRPr sz="900" b="1">
-              <a:solidFill>
-                <a:srgbClr val="3C78D8"/>
-              </a:solidFill>
-              <a:latin typeface="Calibri"/>
-              <a:ea typeface="Calibri"/>
-              <a:cs typeface="Calibri"/>
-              <a:sym typeface="Calibri"/>
-            </a:endParaRPr>
-          </a:p>
-          <a:p>
-            <a:pPr marL="457200" marR="0" lvl="0" indent="0" algn="l" rtl="0">
-              <a:lnSpc>
-                <a:spcPct val="100000"/>
-              </a:lnSpc>
-              <a:spcBef>
-                <a:spcPts val="0"/>
-              </a:spcBef>
-              <a:spcAft>
-                <a:spcPts val="0"/>
-              </a:spcAft>
-              <a:buNone/>
-            </a:pPr>
-            <a:r>
-              <a:rPr lang="en" sz="900" b="1">
-                <a:solidFill>
-                  <a:srgbClr val="3C78D8"/>
-                </a:solidFill>
-                <a:latin typeface="Calibri"/>
-                <a:ea typeface="Calibri"/>
-                <a:cs typeface="Calibri"/>
-                <a:sym typeface="Calibri"/>
-              </a:rPr>
-              <a:t>│   └── index.ts</a:t>
-            </a:r>
-            <a:endParaRPr sz="900" b="1">
-              <a:solidFill>
-                <a:srgbClr val="3C78D8"/>
-              </a:solidFill>
-              <a:latin typeface="Calibri"/>
-              <a:ea typeface="Calibri"/>
-              <a:cs typeface="Calibri"/>
-              <a:sym typeface="Calibri"/>
-            </a:endParaRPr>
-          </a:p>
-          <a:p>
-            <a:pPr marL="457200" marR="0" lvl="0" indent="0" algn="l" rtl="0">
-              <a:lnSpc>
-                <a:spcPct val="100000"/>
-              </a:lnSpc>
-              <a:spcBef>
-                <a:spcPts val="0"/>
-              </a:spcBef>
-              <a:spcAft>
-                <a:spcPts val="0"/>
-              </a:spcAft>
-              <a:buNone/>
-            </a:pPr>
-            <a:r>
-              <a:rPr lang="en" sz="900" b="1">
-                <a:solidFill>
-                  <a:srgbClr val="3C78D8"/>
-                </a:solidFill>
-                <a:latin typeface="Calibri"/>
-                <a:ea typeface="Calibri"/>
-                <a:cs typeface="Calibri"/>
-                <a:sym typeface="Calibri"/>
-              </a:rPr>
-              <a:t>├── salesforce/</a:t>
-            </a:r>
-            <a:endParaRPr sz="900" b="1">
-              <a:solidFill>
-                <a:srgbClr val="3C78D8"/>
-              </a:solidFill>
-              <a:latin typeface="Calibri"/>
-              <a:ea typeface="Calibri"/>
-              <a:cs typeface="Calibri"/>
-              <a:sym typeface="Calibri"/>
-            </a:endParaRPr>
-          </a:p>
-          <a:p>
-            <a:pPr marL="457200" marR="0" lvl="0" indent="0" algn="l" rtl="0">
-              <a:lnSpc>
-                <a:spcPct val="100000"/>
-              </a:lnSpc>
-              <a:spcBef>
-                <a:spcPts val="0"/>
-              </a:spcBef>
-              <a:spcAft>
-                <a:spcPts val="0"/>
-              </a:spcAft>
-              <a:buNone/>
-            </a:pPr>
-            <a:r>
-              <a:rPr lang="en" sz="900" b="1">
-                <a:solidFill>
-                  <a:srgbClr val="3C78D8"/>
-                </a:solidFill>
-                <a:latin typeface="Calibri"/>
-                <a:ea typeface="Calibri"/>
-                <a:cs typeface="Calibri"/>
-                <a:sym typeface="Calibri"/>
-              </a:rPr>
-              <a:t>│   ├── updateRecord.ts</a:t>
-            </a:r>
-            <a:endParaRPr sz="900" b="1">
-              <a:solidFill>
-                <a:srgbClr val="3C78D8"/>
-              </a:solidFill>
-              <a:latin typeface="Calibri"/>
-              <a:ea typeface="Calibri"/>
-              <a:cs typeface="Calibri"/>
-              <a:sym typeface="Calibri"/>
-            </a:endParaRPr>
-          </a:p>
-          <a:p>
-            <a:pPr marL="457200" marR="0" lvl="0" indent="0" algn="l" rtl="0">
-              <a:lnSpc>
-                <a:spcPct val="100000"/>
-              </a:lnSpc>
-              <a:spcBef>
-                <a:spcPts val="0"/>
-              </a:spcBef>
-              <a:spcAft>
-                <a:spcPts val="0"/>
-              </a:spcAft>
-              <a:buNone/>
-            </a:pPr>
-            <a:r>
-              <a:rPr lang="en" sz="900" b="1">
-                <a:solidFill>
-                  <a:srgbClr val="3C78D8"/>
-                </a:solidFill>
-                <a:latin typeface="Calibri"/>
-                <a:ea typeface="Calibri"/>
-                <a:cs typeface="Calibri"/>
-                <a:sym typeface="Calibri"/>
-              </a:rPr>
-              <a:t>│   └── index.ts</a:t>
-            </a:r>
-            <a:endParaRPr sz="900" b="1">
-              <a:solidFill>
-                <a:srgbClr val="3C78D8"/>
-              </a:solidFill>
-              <a:latin typeface="Calibri"/>
-              <a:ea typeface="Calibri"/>
-              <a:cs typeface="Calibri"/>
-              <a:sym typeface="Calibri"/>
-            </a:endParaRPr>
-          </a:p>
-          <a:p>
-            <a:pPr marL="171450" marR="0" lvl="0" indent="-127000" algn="l" rtl="0">
-              <a:lnSpc>
-                <a:spcPct val="100000"/>
-              </a:lnSpc>
-              <a:spcBef>
-                <a:spcPts val="0"/>
-              </a:spcBef>
-              <a:spcAft>
-                <a:spcPts val="0"/>
-              </a:spcAft>
-              <a:buClr>
-                <a:schemeClr val="dk1"/>
-              </a:buClr>
-              <a:buSzPts val="1100"/>
-              <a:buFont typeface="Calibri"/>
-              <a:buChar char="●"/>
-            </a:pPr>
-            <a:r>
-              <a:rPr lang="en" sz="1100" b="1">
-                <a:solidFill>
-                  <a:srgbClr val="FF0000"/>
-                </a:solidFill>
-                <a:latin typeface="Calibri"/>
-                <a:ea typeface="Calibri"/>
-                <a:cs typeface="Calibri"/>
-                <a:sym typeface="Calibri"/>
-              </a:rPr>
-              <a:t>Step 2: Agent finds tools needed for the task.</a:t>
-            </a:r>
-            <a:br>
-              <a:rPr lang="en" sz="1100">
-                <a:solidFill>
-                  <a:schemeClr val="dk1"/>
-                </a:solidFill>
-                <a:latin typeface="Calibri"/>
-                <a:ea typeface="Calibri"/>
-                <a:cs typeface="Calibri"/>
-                <a:sym typeface="Calibri"/>
-              </a:rPr>
-            </a:br>
-            <a:r>
-              <a:rPr lang="en" sz="1100">
-                <a:solidFill>
-                  <a:schemeClr val="dk1"/>
-                </a:solidFill>
-                <a:latin typeface="Calibri"/>
-                <a:ea typeface="Calibri"/>
-                <a:cs typeface="Calibri"/>
-                <a:sym typeface="Calibri"/>
-              </a:rPr>
-              <a:t>For example, when you ask "</a:t>
-            </a:r>
-            <a:r>
-              <a:rPr lang="en" sz="1100" b="1">
-                <a:solidFill>
-                  <a:srgbClr val="6AA84F"/>
-                </a:solidFill>
-                <a:latin typeface="Calibri"/>
-                <a:ea typeface="Calibri"/>
-                <a:cs typeface="Calibri"/>
-                <a:sym typeface="Calibri"/>
-              </a:rPr>
-              <a:t>Copy my meeting notes from Drive to Salesforce,</a:t>
-            </a:r>
-            <a:r>
-              <a:rPr lang="en" sz="1100">
-                <a:solidFill>
-                  <a:schemeClr val="dk1"/>
-                </a:solidFill>
-                <a:latin typeface="Calibri"/>
-                <a:ea typeface="Calibri"/>
-                <a:cs typeface="Calibri"/>
-                <a:sym typeface="Calibri"/>
-              </a:rPr>
-              <a:t>" the agent lists the `servers/` directory, sees `google-drive` and `salesforce`, then reads only those two tool files it needs</a:t>
             </a:r>
             <a:endParaRPr sz="1100">
               <a:solidFill>
@@ -45184,107 +44874,16 @@
           </a:p>
         </p:txBody>
       </p:sp>
-    </p:spTree>
-  </p:cSld>
-  <p:clrMapOvr>
-    <a:masterClrMapping/>
-  </p:clrMapOvr>
-</p:sld>
-</file>
-
-<file path=ppt/slides/slide5.xml><?xml version="1.0" encoding="utf-8"?>
-<p:sld xmlns:a="http://schemas.openxmlformats.org/drawingml/2006/main" xmlns:r="http://schemas.openxmlformats.org/officeDocument/2006/relationships" xmlns:p="http://schemas.openxmlformats.org/presentationml/2006/main">
-  <p:cSld>
-    <p:spTree>
-      <p:nvGrpSpPr>
-        <p:cNvPr id="1" name="Shape 165"/>
-        <p:cNvGrpSpPr/>
-        <p:nvPr/>
-      </p:nvGrpSpPr>
-      <p:grpSpPr>
-        <a:xfrm>
-          <a:off x="0" y="0"/>
-          <a:ext cx="0" cy="0"/>
-          <a:chOff x="0" y="0"/>
-          <a:chExt cx="0" cy="0"/>
-        </a:xfrm>
-      </p:grpSpPr>
       <p:sp>
         <p:nvSpPr>
-          <p:cNvPr id="166" name="Google Shape;166;p19"/>
+          <p:cNvPr id="162" name="Google Shape;162;p18"/>
           <p:cNvSpPr txBox="1"/>
           <p:nvPr/>
         </p:nvSpPr>
         <p:spPr>
           <a:xfrm>
-            <a:off x="55075" y="20375"/>
-            <a:ext cx="2982900" cy="326400"/>
-          </a:xfrm>
-          <a:prstGeom prst="rect">
-            <a:avLst/>
-          </a:prstGeom>
-          <a:noFill/>
-          <a:ln>
-            <a:noFill/>
-          </a:ln>
-        </p:spPr>
-        <p:txBody>
-          <a:bodyPr spcFirstLastPara="1" wrap="square" lIns="9125" tIns="9125" rIns="9125" bIns="9125" anchor="t" anchorCtr="0">
-            <a:spAutoFit/>
-          </a:bodyPr>
-          <a:lstStyle/>
-          <a:p>
-            <a:pPr marL="0" marR="0" lvl="0" indent="0" algn="l" rtl="0">
-              <a:lnSpc>
-                <a:spcPct val="100000"/>
-              </a:lnSpc>
-              <a:spcBef>
-                <a:spcPts val="0"/>
-              </a:spcBef>
-              <a:spcAft>
-                <a:spcPts val="0"/>
-              </a:spcAft>
-              <a:buClr>
-                <a:schemeClr val="dk1"/>
-              </a:buClr>
-              <a:buSzPts val="1100"/>
-              <a:buFont typeface="Arial"/>
-              <a:buNone/>
-            </a:pPr>
-            <a:r>
-              <a:rPr lang="en" sz="2000" b="1">
-                <a:solidFill>
-                  <a:schemeClr val="dk1"/>
-                </a:solidFill>
-                <a:latin typeface="Calibri"/>
-                <a:ea typeface="Calibri"/>
-                <a:cs typeface="Calibri"/>
-                <a:sym typeface="Calibri"/>
-              </a:rPr>
-              <a:t>Code execution with MCP</a:t>
-            </a:r>
-            <a:endParaRPr sz="2000" b="1" i="0" u="none" strike="noStrike" cap="none">
-              <a:solidFill>
-                <a:schemeClr val="dk1"/>
-              </a:solidFill>
-              <a:latin typeface="Calibri"/>
-              <a:ea typeface="Calibri"/>
-              <a:cs typeface="Calibri"/>
-              <a:sym typeface="Calibri"/>
-            </a:endParaRPr>
-          </a:p>
-        </p:txBody>
-      </p:sp>
-      <p:sp>
-        <p:nvSpPr>
-          <p:cNvPr id="167" name="Google Shape;167;p19"/>
-          <p:cNvSpPr txBox="1"/>
-          <p:nvPr/>
-        </p:nvSpPr>
-        <p:spPr>
-          <a:xfrm>
-            <a:off x="55075" y="384827"/>
-            <a:ext cx="4444500" cy="5605800"/>
+            <a:off x="55075" y="2669808"/>
+            <a:ext cx="4444500" cy="2004000"/>
           </a:xfrm>
           <a:prstGeom prst="rect">
             <a:avLst/>
@@ -45326,6 +44925,515 @@
               <a:buChar char="●"/>
             </a:pPr>
             <a:r>
+              <a:rPr lang="en" sz="1100" b="1">
+                <a:solidFill>
+                  <a:srgbClr val="FF0000"/>
+                </a:solidFill>
+                <a:latin typeface="Calibri"/>
+                <a:ea typeface="Calibri"/>
+                <a:cs typeface="Calibri"/>
+                <a:sym typeface="Calibri"/>
+              </a:rPr>
+              <a:t>Step 1: Present tools as a file tree instead of loading all descriptions</a:t>
+            </a:r>
+            <a:r>
+              <a:rPr lang="en" sz="1100">
+                <a:solidFill>
+                  <a:schemeClr val="dk1"/>
+                </a:solidFill>
+                <a:latin typeface="Calibri"/>
+                <a:ea typeface="Calibri"/>
+                <a:cs typeface="Calibri"/>
+                <a:sym typeface="Calibri"/>
+              </a:rPr>
+              <a:t>. Your agent sees a folder structure like:</a:t>
+            </a:r>
+            <a:endParaRPr sz="1100">
+              <a:solidFill>
+                <a:schemeClr val="dk1"/>
+              </a:solidFill>
+              <a:latin typeface="Calibri"/>
+              <a:ea typeface="Calibri"/>
+              <a:cs typeface="Calibri"/>
+              <a:sym typeface="Calibri"/>
+            </a:endParaRPr>
+          </a:p>
+          <a:p>
+            <a:pPr marL="457200" marR="0" lvl="0" indent="0" algn="l" rtl="0">
+              <a:lnSpc>
+                <a:spcPct val="100000"/>
+              </a:lnSpc>
+              <a:spcBef>
+                <a:spcPts val="0"/>
+              </a:spcBef>
+              <a:spcAft>
+                <a:spcPts val="0"/>
+              </a:spcAft>
+              <a:buNone/>
+            </a:pPr>
+            <a:r>
+              <a:rPr lang="en" sz="900" b="1">
+                <a:solidFill>
+                  <a:srgbClr val="3C78D8"/>
+                </a:solidFill>
+                <a:latin typeface="Calibri"/>
+                <a:ea typeface="Calibri"/>
+                <a:cs typeface="Calibri"/>
+                <a:sym typeface="Calibri"/>
+              </a:rPr>
+              <a:t>servers/</a:t>
+            </a:r>
+            <a:endParaRPr sz="900" b="1">
+              <a:solidFill>
+                <a:srgbClr val="3C78D8"/>
+              </a:solidFill>
+              <a:latin typeface="Calibri"/>
+              <a:ea typeface="Calibri"/>
+              <a:cs typeface="Calibri"/>
+              <a:sym typeface="Calibri"/>
+            </a:endParaRPr>
+          </a:p>
+          <a:p>
+            <a:pPr marL="457200" marR="0" lvl="0" indent="0" algn="l" rtl="0">
+              <a:lnSpc>
+                <a:spcPct val="100000"/>
+              </a:lnSpc>
+              <a:spcBef>
+                <a:spcPts val="0"/>
+              </a:spcBef>
+              <a:spcAft>
+                <a:spcPts val="0"/>
+              </a:spcAft>
+              <a:buNone/>
+            </a:pPr>
+            <a:r>
+              <a:rPr lang="en" sz="900" b="1">
+                <a:solidFill>
+                  <a:srgbClr val="3C78D8"/>
+                </a:solidFill>
+                <a:latin typeface="Calibri"/>
+                <a:ea typeface="Calibri"/>
+                <a:cs typeface="Calibri"/>
+                <a:sym typeface="Calibri"/>
+              </a:rPr>
+              <a:t>├── google-drive/</a:t>
+            </a:r>
+            <a:endParaRPr sz="900" b="1">
+              <a:solidFill>
+                <a:srgbClr val="3C78D8"/>
+              </a:solidFill>
+              <a:latin typeface="Calibri"/>
+              <a:ea typeface="Calibri"/>
+              <a:cs typeface="Calibri"/>
+              <a:sym typeface="Calibri"/>
+            </a:endParaRPr>
+          </a:p>
+          <a:p>
+            <a:pPr marL="457200" marR="0" lvl="0" indent="0" algn="l" rtl="0">
+              <a:lnSpc>
+                <a:spcPct val="100000"/>
+              </a:lnSpc>
+              <a:spcBef>
+                <a:spcPts val="0"/>
+              </a:spcBef>
+              <a:spcAft>
+                <a:spcPts val="0"/>
+              </a:spcAft>
+              <a:buNone/>
+            </a:pPr>
+            <a:r>
+              <a:rPr lang="en" sz="900" b="1">
+                <a:solidFill>
+                  <a:srgbClr val="3C78D8"/>
+                </a:solidFill>
+                <a:latin typeface="Calibri"/>
+                <a:ea typeface="Calibri"/>
+                <a:cs typeface="Calibri"/>
+                <a:sym typeface="Calibri"/>
+              </a:rPr>
+              <a:t>│   ├── getDocument.ts</a:t>
+            </a:r>
+            <a:endParaRPr sz="900" b="1">
+              <a:solidFill>
+                <a:srgbClr val="3C78D8"/>
+              </a:solidFill>
+              <a:latin typeface="Calibri"/>
+              <a:ea typeface="Calibri"/>
+              <a:cs typeface="Calibri"/>
+              <a:sym typeface="Calibri"/>
+            </a:endParaRPr>
+          </a:p>
+          <a:p>
+            <a:pPr marL="457200" marR="0" lvl="0" indent="0" algn="l" rtl="0">
+              <a:lnSpc>
+                <a:spcPct val="100000"/>
+              </a:lnSpc>
+              <a:spcBef>
+                <a:spcPts val="0"/>
+              </a:spcBef>
+              <a:spcAft>
+                <a:spcPts val="0"/>
+              </a:spcAft>
+              <a:buNone/>
+            </a:pPr>
+            <a:r>
+              <a:rPr lang="en" sz="900" b="1">
+                <a:solidFill>
+                  <a:srgbClr val="3C78D8"/>
+                </a:solidFill>
+                <a:latin typeface="Calibri"/>
+                <a:ea typeface="Calibri"/>
+                <a:cs typeface="Calibri"/>
+                <a:sym typeface="Calibri"/>
+              </a:rPr>
+              <a:t>│   └── index.ts</a:t>
+            </a:r>
+            <a:endParaRPr sz="900" b="1">
+              <a:solidFill>
+                <a:srgbClr val="3C78D8"/>
+              </a:solidFill>
+              <a:latin typeface="Calibri"/>
+              <a:ea typeface="Calibri"/>
+              <a:cs typeface="Calibri"/>
+              <a:sym typeface="Calibri"/>
+            </a:endParaRPr>
+          </a:p>
+          <a:p>
+            <a:pPr marL="457200" marR="0" lvl="0" indent="0" algn="l" rtl="0">
+              <a:lnSpc>
+                <a:spcPct val="100000"/>
+              </a:lnSpc>
+              <a:spcBef>
+                <a:spcPts val="0"/>
+              </a:spcBef>
+              <a:spcAft>
+                <a:spcPts val="0"/>
+              </a:spcAft>
+              <a:buNone/>
+            </a:pPr>
+            <a:r>
+              <a:rPr lang="en" sz="900" b="1">
+                <a:solidFill>
+                  <a:srgbClr val="3C78D8"/>
+                </a:solidFill>
+                <a:latin typeface="Calibri"/>
+                <a:ea typeface="Calibri"/>
+                <a:cs typeface="Calibri"/>
+                <a:sym typeface="Calibri"/>
+              </a:rPr>
+              <a:t>├── salesforce/</a:t>
+            </a:r>
+            <a:endParaRPr sz="900" b="1">
+              <a:solidFill>
+                <a:srgbClr val="3C78D8"/>
+              </a:solidFill>
+              <a:latin typeface="Calibri"/>
+              <a:ea typeface="Calibri"/>
+              <a:cs typeface="Calibri"/>
+              <a:sym typeface="Calibri"/>
+            </a:endParaRPr>
+          </a:p>
+          <a:p>
+            <a:pPr marL="457200" marR="0" lvl="0" indent="0" algn="l" rtl="0">
+              <a:lnSpc>
+                <a:spcPct val="100000"/>
+              </a:lnSpc>
+              <a:spcBef>
+                <a:spcPts val="0"/>
+              </a:spcBef>
+              <a:spcAft>
+                <a:spcPts val="0"/>
+              </a:spcAft>
+              <a:buNone/>
+            </a:pPr>
+            <a:r>
+              <a:rPr lang="en" sz="900" b="1">
+                <a:solidFill>
+                  <a:srgbClr val="3C78D8"/>
+                </a:solidFill>
+                <a:latin typeface="Calibri"/>
+                <a:ea typeface="Calibri"/>
+                <a:cs typeface="Calibri"/>
+                <a:sym typeface="Calibri"/>
+              </a:rPr>
+              <a:t>│   ├── updateRecord.ts</a:t>
+            </a:r>
+            <a:endParaRPr sz="900" b="1">
+              <a:solidFill>
+                <a:srgbClr val="3C78D8"/>
+              </a:solidFill>
+              <a:latin typeface="Calibri"/>
+              <a:ea typeface="Calibri"/>
+              <a:cs typeface="Calibri"/>
+              <a:sym typeface="Calibri"/>
+            </a:endParaRPr>
+          </a:p>
+          <a:p>
+            <a:pPr marL="457200" marR="0" lvl="0" indent="0" algn="l" rtl="0">
+              <a:lnSpc>
+                <a:spcPct val="100000"/>
+              </a:lnSpc>
+              <a:spcBef>
+                <a:spcPts val="0"/>
+              </a:spcBef>
+              <a:spcAft>
+                <a:spcPts val="0"/>
+              </a:spcAft>
+              <a:buNone/>
+            </a:pPr>
+            <a:r>
+              <a:rPr lang="en" sz="900" b="1">
+                <a:solidFill>
+                  <a:srgbClr val="3C78D8"/>
+                </a:solidFill>
+                <a:latin typeface="Calibri"/>
+                <a:ea typeface="Calibri"/>
+                <a:cs typeface="Calibri"/>
+                <a:sym typeface="Calibri"/>
+              </a:rPr>
+              <a:t>│   └── index.ts</a:t>
+            </a:r>
+            <a:endParaRPr sz="900" b="1">
+              <a:solidFill>
+                <a:srgbClr val="3C78D8"/>
+              </a:solidFill>
+              <a:latin typeface="Calibri"/>
+              <a:ea typeface="Calibri"/>
+              <a:cs typeface="Calibri"/>
+              <a:sym typeface="Calibri"/>
+            </a:endParaRPr>
+          </a:p>
+          <a:p>
+            <a:pPr marL="171450" marR="0" lvl="0" indent="-127000" algn="l" rtl="0">
+              <a:lnSpc>
+                <a:spcPct val="100000"/>
+              </a:lnSpc>
+              <a:spcBef>
+                <a:spcPts val="0"/>
+              </a:spcBef>
+              <a:spcAft>
+                <a:spcPts val="0"/>
+              </a:spcAft>
+              <a:buClr>
+                <a:schemeClr val="dk1"/>
+              </a:buClr>
+              <a:buSzPts val="1100"/>
+              <a:buFont typeface="Calibri"/>
+              <a:buChar char="●"/>
+            </a:pPr>
+            <a:r>
+              <a:rPr lang="en" sz="1100" b="1">
+                <a:solidFill>
+                  <a:srgbClr val="FF0000"/>
+                </a:solidFill>
+                <a:latin typeface="Calibri"/>
+                <a:ea typeface="Calibri"/>
+                <a:cs typeface="Calibri"/>
+                <a:sym typeface="Calibri"/>
+              </a:rPr>
+              <a:t>Step 2: Agent finds tools needed for the task.</a:t>
+            </a:r>
+            <a:br>
+              <a:rPr lang="en" sz="1100">
+                <a:solidFill>
+                  <a:schemeClr val="dk1"/>
+                </a:solidFill>
+                <a:latin typeface="Calibri"/>
+                <a:ea typeface="Calibri"/>
+                <a:cs typeface="Calibri"/>
+                <a:sym typeface="Calibri"/>
+              </a:rPr>
+            </a:br>
+            <a:r>
+              <a:rPr lang="en" sz="1100">
+                <a:solidFill>
+                  <a:schemeClr val="dk1"/>
+                </a:solidFill>
+                <a:latin typeface="Calibri"/>
+                <a:ea typeface="Calibri"/>
+                <a:cs typeface="Calibri"/>
+                <a:sym typeface="Calibri"/>
+              </a:rPr>
+              <a:t>For example, when you ask "</a:t>
+            </a:r>
+            <a:r>
+              <a:rPr lang="en" sz="1100" b="1">
+                <a:solidFill>
+                  <a:srgbClr val="6AA84F"/>
+                </a:solidFill>
+                <a:latin typeface="Calibri"/>
+                <a:ea typeface="Calibri"/>
+                <a:cs typeface="Calibri"/>
+                <a:sym typeface="Calibri"/>
+              </a:rPr>
+              <a:t>Copy my meeting notes from Drive to Salesforce,</a:t>
+            </a:r>
+            <a:r>
+              <a:rPr lang="en" sz="1100">
+                <a:solidFill>
+                  <a:schemeClr val="dk1"/>
+                </a:solidFill>
+                <a:latin typeface="Calibri"/>
+                <a:ea typeface="Calibri"/>
+                <a:cs typeface="Calibri"/>
+                <a:sym typeface="Calibri"/>
+              </a:rPr>
+              <a:t>" the agent lists the `servers/` directory, sees `google-drive` and `salesforce`, then reads only those two tool files it needs</a:t>
+            </a:r>
+            <a:endParaRPr sz="1100">
+              <a:solidFill>
+                <a:schemeClr val="dk1"/>
+              </a:solidFill>
+              <a:latin typeface="Calibri"/>
+              <a:ea typeface="Calibri"/>
+              <a:cs typeface="Calibri"/>
+              <a:sym typeface="Calibri"/>
+            </a:endParaRPr>
+          </a:p>
+        </p:txBody>
+      </p:sp>
+    </p:spTree>
+  </p:cSld>
+  <p:clrMapOvr>
+    <a:masterClrMapping/>
+  </p:clrMapOvr>
+</p:sld>
+</file>
+
+<file path=ppt/slides/slide5.xml><?xml version="1.0" encoding="utf-8"?>
+<p:sld xmlns:a="http://schemas.openxmlformats.org/drawingml/2006/main" xmlns:r="http://schemas.openxmlformats.org/officeDocument/2006/relationships" xmlns:p="http://schemas.openxmlformats.org/presentationml/2006/main">
+  <p:cSld>
+    <p:spTree>
+      <p:nvGrpSpPr>
+        <p:cNvPr id="1" name="Shape 166"/>
+        <p:cNvGrpSpPr/>
+        <p:nvPr/>
+      </p:nvGrpSpPr>
+      <p:grpSpPr>
+        <a:xfrm>
+          <a:off x="0" y="0"/>
+          <a:ext cx="0" cy="0"/>
+          <a:chOff x="0" y="0"/>
+          <a:chExt cx="0" cy="0"/>
+        </a:xfrm>
+      </p:grpSpPr>
+      <p:sp>
+        <p:nvSpPr>
+          <p:cNvPr id="167" name="Google Shape;167;p19"/>
+          <p:cNvSpPr txBox="1"/>
+          <p:nvPr/>
+        </p:nvSpPr>
+        <p:spPr>
+          <a:xfrm>
+            <a:off x="55075" y="20375"/>
+            <a:ext cx="4444500" cy="326400"/>
+          </a:xfrm>
+          <a:prstGeom prst="rect">
+            <a:avLst/>
+          </a:prstGeom>
+          <a:noFill/>
+          <a:ln>
+            <a:noFill/>
+          </a:ln>
+        </p:spPr>
+        <p:txBody>
+          <a:bodyPr spcFirstLastPara="1" wrap="square" lIns="9125" tIns="9125" rIns="9125" bIns="9125" anchor="t" anchorCtr="0">
+            <a:spAutoFit/>
+          </a:bodyPr>
+          <a:lstStyle/>
+          <a:p>
+            <a:pPr marL="0" marR="0" lvl="0" indent="0" algn="l" rtl="0">
+              <a:lnSpc>
+                <a:spcPct val="100000"/>
+              </a:lnSpc>
+              <a:spcBef>
+                <a:spcPts val="0"/>
+              </a:spcBef>
+              <a:spcAft>
+                <a:spcPts val="0"/>
+              </a:spcAft>
+              <a:buClr>
+                <a:schemeClr val="dk1"/>
+              </a:buClr>
+              <a:buSzPts val="1100"/>
+              <a:buFont typeface="Arial"/>
+              <a:buNone/>
+            </a:pPr>
+            <a:r>
+              <a:rPr lang="en" sz="2000" b="1">
+                <a:solidFill>
+                  <a:schemeClr val="dk1"/>
+                </a:solidFill>
+                <a:latin typeface="Calibri"/>
+                <a:ea typeface="Calibri"/>
+                <a:cs typeface="Calibri"/>
+                <a:sym typeface="Calibri"/>
+              </a:rPr>
+              <a:t>Code execution with MCP - 2</a:t>
+            </a:r>
+            <a:endParaRPr sz="2000" b="1" i="0" u="none" strike="noStrike" cap="none">
+              <a:solidFill>
+                <a:schemeClr val="dk1"/>
+              </a:solidFill>
+              <a:latin typeface="Calibri"/>
+              <a:ea typeface="Calibri"/>
+              <a:cs typeface="Calibri"/>
+              <a:sym typeface="Calibri"/>
+            </a:endParaRPr>
+          </a:p>
+        </p:txBody>
+      </p:sp>
+      <p:sp>
+        <p:nvSpPr>
+          <p:cNvPr id="168" name="Google Shape;168;p19"/>
+          <p:cNvSpPr txBox="1"/>
+          <p:nvPr/>
+        </p:nvSpPr>
+        <p:spPr>
+          <a:xfrm>
+            <a:off x="55075" y="384827"/>
+            <a:ext cx="4444500" cy="3743400"/>
+          </a:xfrm>
+          <a:prstGeom prst="rect">
+            <a:avLst/>
+          </a:prstGeom>
+          <a:solidFill>
+            <a:srgbClr val="FFF2CC"/>
+          </a:solidFill>
+          <a:ln w="9525" cap="flat" cmpd="sng">
+            <a:solidFill>
+              <a:srgbClr val="FF0000"/>
+            </a:solidFill>
+            <a:prstDash val="solid"/>
+            <a:round/>
+            <a:headEnd type="none" w="sm" len="sm"/>
+            <a:tailEnd type="none" w="sm" len="sm"/>
+          </a:ln>
+        </p:spPr>
+        <p:txBody>
+          <a:bodyPr spcFirstLastPara="1" wrap="square" lIns="9125" tIns="9125" rIns="9125" bIns="9125" anchor="t" anchorCtr="0">
+            <a:spAutoFit/>
+          </a:bodyPr>
+          <a:lstStyle/>
+          <a:p>
+            <a:pPr marL="171450" marR="0" lvl="0" indent="-127000" algn="l" rtl="0">
+              <a:lnSpc>
+                <a:spcPct val="100000"/>
+              </a:lnSpc>
+              <a:spcBef>
+                <a:spcPts val="0"/>
+              </a:spcBef>
+              <a:spcAft>
+                <a:spcPts val="0"/>
+              </a:spcAft>
+              <a:buClr>
+                <a:schemeClr val="dk1"/>
+              </a:buClr>
+              <a:buSzPts val="1100"/>
+              <a:buFont typeface="Calibri"/>
+              <a:buChar char="●"/>
+            </a:pPr>
+            <a:r>
               <a:rPr lang="en" sz="1100">
                 <a:solidFill>
                   <a:schemeClr val="dk1"/>
@@ -45580,7 +45688,7 @@
             </a:r>
             <a:endParaRPr sz="1100">
               <a:solidFill>
-                <a:srgbClr val="3C78D8"/>
+                <a:schemeClr val="dk1"/>
               </a:solidFill>
               <a:latin typeface="Calibri"/>
               <a:ea typeface="Calibri"/>
@@ -45588,6 +45696,40 @@
               <a:sym typeface="Calibri"/>
             </a:endParaRPr>
           </a:p>
+        </p:txBody>
+      </p:sp>
+      <p:sp>
+        <p:nvSpPr>
+          <p:cNvPr id="169" name="Google Shape;169;p19"/>
+          <p:cNvSpPr txBox="1"/>
+          <p:nvPr/>
+        </p:nvSpPr>
+        <p:spPr>
+          <a:xfrm>
+            <a:off x="4608250" y="384827"/>
+            <a:ext cx="4444500" cy="1881000"/>
+          </a:xfrm>
+          <a:prstGeom prst="rect">
+            <a:avLst/>
+          </a:prstGeom>
+          <a:solidFill>
+            <a:srgbClr val="FFF2CC"/>
+          </a:solidFill>
+          <a:ln w="9525" cap="flat" cmpd="sng">
+            <a:solidFill>
+              <a:srgbClr val="FF0000"/>
+            </a:solidFill>
+            <a:prstDash val="solid"/>
+            <a:round/>
+            <a:headEnd type="none" w="sm" len="sm"/>
+            <a:tailEnd type="none" w="sm" len="sm"/>
+          </a:ln>
+        </p:spPr>
+        <p:txBody>
+          <a:bodyPr spcFirstLastPara="1" wrap="square" lIns="9125" tIns="9125" rIns="9125" bIns="9125" anchor="t" anchorCtr="0">
+            <a:spAutoFit/>
+          </a:bodyPr>
+          <a:lstStyle/>
           <a:p>
             <a:pPr marL="171450" marR="0" lvl="0" indent="-127000" algn="l" rtl="0">
               <a:lnSpc>
@@ -45725,7 +45867,87 @@
                 <a:cs typeface="Calibri"/>
                 <a:sym typeface="Calibri"/>
               </a:rPr>
-              <a:t>MCP servers win on simplicity and composability but lose on context consumption and customizability. CLI/scripts/skills require more engineering investment but provide full control, better portability, and superior context management through progressive disclosure. The video emphasizes that prompt engineering remains the critical skill, as prompts determine what enters the context window before any tools are loaded.[3][1]</a:t>
+              <a:t>MCP servers win on simplicity and composability but lose on context consumption and customizability</a:t>
+            </a:r>
+            <a:endParaRPr sz="1100">
+              <a:solidFill>
+                <a:schemeClr val="dk1"/>
+              </a:solidFill>
+              <a:latin typeface="Calibri"/>
+              <a:ea typeface="Calibri"/>
+              <a:cs typeface="Calibri"/>
+              <a:sym typeface="Calibri"/>
+            </a:endParaRPr>
+          </a:p>
+          <a:p>
+            <a:pPr marL="171450" marR="0" lvl="0" indent="-127000" algn="l" rtl="0">
+              <a:lnSpc>
+                <a:spcPct val="100000"/>
+              </a:lnSpc>
+              <a:spcBef>
+                <a:spcPts val="0"/>
+              </a:spcBef>
+              <a:spcAft>
+                <a:spcPts val="0"/>
+              </a:spcAft>
+              <a:buClr>
+                <a:schemeClr val="dk1"/>
+              </a:buClr>
+              <a:buSzPts val="1100"/>
+              <a:buFont typeface="Calibri"/>
+              <a:buChar char="●"/>
+            </a:pPr>
+            <a:r>
+              <a:rPr lang="en" sz="1100">
+                <a:solidFill>
+                  <a:schemeClr val="dk1"/>
+                </a:solidFill>
+                <a:latin typeface="Calibri"/>
+                <a:ea typeface="Calibri"/>
+                <a:cs typeface="Calibri"/>
+                <a:sym typeface="Calibri"/>
+              </a:rPr>
+              <a:t>CLI/scripts/skills require more engineering investment but provide full control, better portability, and superior context management through progressive disclosure</a:t>
+            </a:r>
+            <a:endParaRPr sz="1100">
+              <a:solidFill>
+                <a:schemeClr val="dk1"/>
+              </a:solidFill>
+              <a:latin typeface="Calibri"/>
+              <a:ea typeface="Calibri"/>
+              <a:cs typeface="Calibri"/>
+              <a:sym typeface="Calibri"/>
+            </a:endParaRPr>
+          </a:p>
+          <a:p>
+            <a:pPr marL="171450" marR="0" lvl="0" indent="-127000" algn="l" rtl="0">
+              <a:lnSpc>
+                <a:spcPct val="100000"/>
+              </a:lnSpc>
+              <a:spcBef>
+                <a:spcPts val="0"/>
+              </a:spcBef>
+              <a:spcAft>
+                <a:spcPts val="0"/>
+              </a:spcAft>
+              <a:buClr>
+                <a:schemeClr val="dk1"/>
+              </a:buClr>
+              <a:buSzPts val="1100"/>
+              <a:buFont typeface="Calibri"/>
+              <a:buChar char="●"/>
+            </a:pPr>
+            <a:r>
+              <a:rPr lang="en" sz="1100">
+                <a:solidFill>
+                  <a:schemeClr val="dk1"/>
+                </a:solidFill>
+                <a:latin typeface="Calibri"/>
+                <a:ea typeface="Calibri"/>
+                <a:cs typeface="Calibri"/>
+                <a:sym typeface="Calibri"/>
+              </a:rPr>
+              <a:t>Prompt engineering remains the critical skill, as prompts determine what enters the context window before any tools are loaded</a:t>
             </a:r>
             <a:endParaRPr sz="1100">
               <a:solidFill>
@@ -45752,7 +45974,7 @@
   <p:cSld>
     <p:spTree>
       <p:nvGrpSpPr>
-        <p:cNvPr id="1" name="Shape 171"/>
+        <p:cNvPr id="1" name="Shape 173"/>
         <p:cNvGrpSpPr/>
         <p:nvPr/>
       </p:nvGrpSpPr>
@@ -45766,7 +45988,7 @@
       </p:grpSpPr>
       <p:sp>
         <p:nvSpPr>
-          <p:cNvPr id="172" name="Google Shape;172;p20"/>
+          <p:cNvPr id="174" name="Google Shape;174;p20"/>
           <p:cNvSpPr txBox="1"/>
           <p:nvPr/>
         </p:nvSpPr>
@@ -45832,7 +46054,7 @@
       </p:sp>
       <p:sp>
         <p:nvSpPr>
-          <p:cNvPr id="173" name="Google Shape;173;p20"/>
+          <p:cNvPr id="175" name="Google Shape;175;p20"/>
           <p:cNvSpPr txBox="1"/>
           <p:nvPr/>
         </p:nvSpPr>
@@ -46147,7 +46369,7 @@
       </p:sp>
       <p:pic>
         <p:nvPicPr>
-          <p:cNvPr id="174" name="Google Shape;174;p20"/>
+          <p:cNvPr id="176" name="Google Shape;176;p20"/>
           <p:cNvPicPr preferRelativeResize="0"/>
           <p:nvPr/>
         </p:nvPicPr>
@@ -46185,7 +46407,7 @@
       </p:pic>
       <p:sp>
         <p:nvSpPr>
-          <p:cNvPr id="175" name="Google Shape;175;p20"/>
+          <p:cNvPr id="177" name="Google Shape;177;p20"/>
           <p:cNvSpPr txBox="1"/>
           <p:nvPr/>
         </p:nvSpPr>
@@ -46523,7 +46745,7 @@
   <p:cSld>
     <p:spTree>
       <p:nvGrpSpPr>
-        <p:cNvPr id="1" name="Shape 179"/>
+        <p:cNvPr id="1" name="Shape 181"/>
         <p:cNvGrpSpPr/>
         <p:nvPr/>
       </p:nvGrpSpPr>
@@ -46537,7 +46759,7 @@
       </p:grpSpPr>
       <p:sp>
         <p:nvSpPr>
-          <p:cNvPr id="180" name="Google Shape;180;p21"/>
+          <p:cNvPr id="182" name="Google Shape;182;p21"/>
           <p:cNvSpPr txBox="1"/>
           <p:nvPr/>
         </p:nvSpPr>
@@ -46603,7 +46825,7 @@
       </p:sp>
       <p:sp>
         <p:nvSpPr>
-          <p:cNvPr id="181" name="Google Shape;181;p21"/>
+          <p:cNvPr id="183" name="Google Shape;183;p21"/>
           <p:cNvSpPr txBox="1"/>
           <p:nvPr/>
         </p:nvSpPr>
@@ -47159,7 +47381,7 @@
       </p:sp>
       <p:pic>
         <p:nvPicPr>
-          <p:cNvPr id="182" name="Google Shape;182;p21"/>
+          <p:cNvPr id="184" name="Google Shape;184;p21"/>
           <p:cNvPicPr preferRelativeResize="0"/>
           <p:nvPr/>
         </p:nvPicPr>
@@ -47197,7 +47419,7 @@
       </p:pic>
       <p:pic>
         <p:nvPicPr>
-          <p:cNvPr id="183" name="Google Shape;183;p21"/>
+          <p:cNvPr id="185" name="Google Shape;185;p21"/>
           <p:cNvPicPr preferRelativeResize="0"/>
           <p:nvPr/>
         </p:nvPicPr>
@@ -47247,7 +47469,7 @@
   <p:cSld>
     <p:spTree>
       <p:nvGrpSpPr>
-        <p:cNvPr id="1" name="Shape 187"/>
+        <p:cNvPr id="1" name="Shape 189"/>
         <p:cNvGrpSpPr/>
         <p:nvPr/>
       </p:nvGrpSpPr>
@@ -47261,7 +47483,7 @@
       </p:grpSpPr>
       <p:sp>
         <p:nvSpPr>
-          <p:cNvPr id="188" name="Google Shape;188;p22"/>
+          <p:cNvPr id="190" name="Google Shape;190;p22"/>
           <p:cNvSpPr txBox="1"/>
           <p:nvPr/>
         </p:nvSpPr>
@@ -47626,7 +47848,7 @@
       </p:sp>
       <p:pic>
         <p:nvPicPr>
-          <p:cNvPr id="189" name="Google Shape;189;p22"/>
+          <p:cNvPr id="191" name="Google Shape;191;p22"/>
           <p:cNvPicPr preferRelativeResize="0"/>
           <p:nvPr/>
         </p:nvPicPr>
@@ -47676,7 +47898,7 @@
   <p:cSld>
     <p:spTree>
       <p:nvGrpSpPr>
-        <p:cNvPr id="1" name="Shape 193"/>
+        <p:cNvPr id="1" name="Shape 195"/>
         <p:cNvGrpSpPr/>
         <p:nvPr/>
       </p:nvGrpSpPr>
@@ -47690,7 +47912,7 @@
       </p:grpSpPr>
       <p:sp>
         <p:nvSpPr>
-          <p:cNvPr id="194" name="Google Shape;194;p23"/>
+          <p:cNvPr id="196" name="Google Shape;196;p23"/>
           <p:cNvSpPr txBox="1"/>
           <p:nvPr/>
         </p:nvSpPr>
@@ -47756,7 +47978,7 @@
       </p:sp>
       <p:sp>
         <p:nvSpPr>
-          <p:cNvPr id="195" name="Google Shape;195;p23"/>
+          <p:cNvPr id="197" name="Google Shape;197;p23"/>
           <p:cNvSpPr txBox="1"/>
           <p:nvPr/>
         </p:nvSpPr>
@@ -48197,7 +48419,7 @@
       </p:sp>
       <p:pic>
         <p:nvPicPr>
-          <p:cNvPr id="196" name="Google Shape;196;p23"/>
+          <p:cNvPr id="198" name="Google Shape;198;p23"/>
           <p:cNvPicPr preferRelativeResize="0"/>
           <p:nvPr/>
         </p:nvPicPr>
@@ -48236,7 +48458,7 @@
       </p:pic>
       <p:sp>
         <p:nvSpPr>
-          <p:cNvPr id="197" name="Google Shape;197;p23"/>
+          <p:cNvPr id="199" name="Google Shape;199;p23"/>
           <p:cNvSpPr txBox="1"/>
           <p:nvPr/>
         </p:nvSpPr>
@@ -48658,7 +48880,7 @@
       </p:sp>
       <p:pic>
         <p:nvPicPr>
-          <p:cNvPr id="198" name="Google Shape;198;p23"/>
+          <p:cNvPr id="200" name="Google Shape;200;p23"/>
           <p:cNvPicPr preferRelativeResize="0"/>
           <p:nvPr/>
         </p:nvPicPr>
